--- a/docs/Temperature Presentation/Khuong/khuong.pptx
+++ b/docs/Temperature Presentation/Khuong/khuong.pptx
@@ -5,7 +5,7 @@
     <p:sldMasterId id="2147483680" r:id="rId1"/>
   </p:sldMasterIdLst>
   <p:notesMasterIdLst>
-    <p:notesMasterId r:id="rId45"/>
+    <p:notesMasterId r:id="rId49"/>
   </p:notesMasterIdLst>
   <p:sldIdLst>
     <p:sldId id="258" r:id="rId2"/>
@@ -20,10 +20,10 @@
     <p:sldId id="267" r:id="rId11"/>
     <p:sldId id="276" r:id="rId12"/>
     <p:sldId id="277" r:id="rId13"/>
-    <p:sldId id="284" r:id="rId14"/>
-    <p:sldId id="285" r:id="rId15"/>
-    <p:sldId id="286" r:id="rId16"/>
-    <p:sldId id="287" r:id="rId17"/>
+    <p:sldId id="346" r:id="rId14"/>
+    <p:sldId id="347" r:id="rId15"/>
+    <p:sldId id="348" r:id="rId16"/>
+    <p:sldId id="284" r:id="rId17"/>
     <p:sldId id="288" r:id="rId18"/>
     <p:sldId id="297" r:id="rId19"/>
     <p:sldId id="301" r:id="rId20"/>
@@ -43,14 +43,18 @@
     <p:sldId id="330" r:id="rId34"/>
     <p:sldId id="332" r:id="rId35"/>
     <p:sldId id="333" r:id="rId36"/>
-    <p:sldId id="334" r:id="rId37"/>
-    <p:sldId id="335" r:id="rId38"/>
-    <p:sldId id="340" r:id="rId39"/>
-    <p:sldId id="341" r:id="rId40"/>
-    <p:sldId id="342" r:id="rId41"/>
-    <p:sldId id="343" r:id="rId42"/>
-    <p:sldId id="344" r:id="rId43"/>
-    <p:sldId id="345" r:id="rId44"/>
+    <p:sldId id="349" r:id="rId37"/>
+    <p:sldId id="350" r:id="rId38"/>
+    <p:sldId id="351" r:id="rId39"/>
+    <p:sldId id="352" r:id="rId40"/>
+    <p:sldId id="334" r:id="rId41"/>
+    <p:sldId id="335" r:id="rId42"/>
+    <p:sldId id="340" r:id="rId43"/>
+    <p:sldId id="341" r:id="rId44"/>
+    <p:sldId id="342" r:id="rId45"/>
+    <p:sldId id="343" r:id="rId46"/>
+    <p:sldId id="344" r:id="rId47"/>
+    <p:sldId id="345" r:id="rId48"/>
   </p:sldIdLst>
   <p:sldSz cx="9144000" cy="6858000" type="screen4x3"/>
   <p:notesSz cx="6858000" cy="9144000"/>
@@ -1046,7 +1050,7 @@
     </p:spTree>
     <p:extLst>
       <p:ext uri="{BB962C8B-B14F-4D97-AF65-F5344CB8AC3E}">
-        <p14:creationId xmlns:p14="http://schemas.microsoft.com/office/powerpoint/2010/main" val="1214910359"/>
+        <p14:creationId xmlns:p14="http://schemas.microsoft.com/office/powerpoint/2010/main" val="2722361551"/>
       </p:ext>
     </p:extLst>
   </p:cSld>
@@ -1139,7 +1143,7 @@
     </p:spTree>
     <p:extLst>
       <p:ext uri="{BB962C8B-B14F-4D97-AF65-F5344CB8AC3E}">
-        <p14:creationId xmlns:p14="http://schemas.microsoft.com/office/powerpoint/2010/main" val="3361860418"/>
+        <p14:creationId xmlns:p14="http://schemas.microsoft.com/office/powerpoint/2010/main" val="2590137348"/>
       </p:ext>
     </p:extLst>
   </p:cSld>
@@ -1232,7 +1236,7 @@
     </p:spTree>
     <p:extLst>
       <p:ext uri="{BB962C8B-B14F-4D97-AF65-F5344CB8AC3E}">
-        <p14:creationId xmlns:p14="http://schemas.microsoft.com/office/powerpoint/2010/main" val="202749244"/>
+        <p14:creationId xmlns:p14="http://schemas.microsoft.com/office/powerpoint/2010/main" val="467965112"/>
       </p:ext>
     </p:extLst>
   </p:cSld>
@@ -1325,7 +1329,7 @@
     </p:spTree>
     <p:extLst>
       <p:ext uri="{BB962C8B-B14F-4D97-AF65-F5344CB8AC3E}">
-        <p14:creationId xmlns:p14="http://schemas.microsoft.com/office/powerpoint/2010/main" val="2257093912"/>
+        <p14:creationId xmlns:p14="http://schemas.microsoft.com/office/powerpoint/2010/main" val="1214910359"/>
       </p:ext>
     </p:extLst>
   </p:cSld>
@@ -5131,6 +5135,55 @@
           </a:bodyPr>
           <a:lstStyle/>
           <a:p>
+            <a:pPr lvl="0" rtl="0">
+              <a:lnSpc>
+                <a:spcPct val="115000"/>
+              </a:lnSpc>
+              <a:spcBef>
+                <a:spcPts val="0"/>
+              </a:spcBef>
+              <a:buClr>
+                <a:schemeClr val="dk1"/>
+              </a:buClr>
+              <a:buSzPct val="100000"/>
+              <a:buFont typeface="Arial"/>
+              <a:buNone/>
+            </a:pPr>
+            <a:r>
+              <a:rPr lang="en" dirty="0"/>
+              <a:t>Như vậy tôi đã trình bày xong những vấn đề của việc sử dụng bảo hiểm hiện tại và đưa ra giải pháp xử lí!</a:t>
+            </a:r>
+          </a:p>
+          <a:p>
+            <a:pPr lvl="0" rtl="0">
+              <a:lnSpc>
+                <a:spcPct val="115000"/>
+              </a:lnSpc>
+              <a:spcBef>
+                <a:spcPts val="0"/>
+              </a:spcBef>
+              <a:buClr>
+                <a:schemeClr val="dk1"/>
+              </a:buClr>
+              <a:buSzPct val="100000"/>
+              <a:buFont typeface="Arial"/>
+              <a:buNone/>
+            </a:pPr>
+            <a:r>
+              <a:rPr lang="en" dirty="0"/>
+              <a:t>Để tiếp tục tôi xin </a:t>
+            </a:r>
+            <a:r>
+              <a:rPr lang="en" dirty="0" smtClean="0"/>
+              <a:t>giới</a:t>
+            </a:r>
+            <a:r>
+              <a:rPr lang="en" baseline="0" dirty="0" smtClean="0"/>
+              <a:t> thiệu về tiến trình chạy ngầm của ứng dụng trên điện thoại, được gọi là scheduler.</a:t>
+            </a:r>
+            <a:endParaRPr lang="en" dirty="0"/>
+          </a:p>
+          <a:p>
             <a:pPr>
               <a:spcBef>
                 <a:spcPts val="0"/>
@@ -5144,7 +5197,7 @@
     </p:spTree>
     <p:extLst>
       <p:ext uri="{BB962C8B-B14F-4D97-AF65-F5344CB8AC3E}">
-        <p14:creationId xmlns:p14="http://schemas.microsoft.com/office/powerpoint/2010/main" val="3603730114"/>
+        <p14:creationId xmlns:p14="http://schemas.microsoft.com/office/powerpoint/2010/main" val="1782315876"/>
       </p:ext>
     </p:extLst>
   </p:cSld>
@@ -5309,7 +5362,7 @@
     </p:spTree>
     <p:extLst>
       <p:ext uri="{BB962C8B-B14F-4D97-AF65-F5344CB8AC3E}">
-        <p14:creationId xmlns:p14="http://schemas.microsoft.com/office/powerpoint/2010/main" val="4160777775"/>
+        <p14:creationId xmlns:p14="http://schemas.microsoft.com/office/powerpoint/2010/main" val="1555952801"/>
       </p:ext>
     </p:extLst>
   </p:cSld>
@@ -5474,7 +5527,7 @@
     </p:spTree>
     <p:extLst>
       <p:ext uri="{BB962C8B-B14F-4D97-AF65-F5344CB8AC3E}">
-        <p14:creationId xmlns:p14="http://schemas.microsoft.com/office/powerpoint/2010/main" val="2215295726"/>
+        <p14:creationId xmlns:p14="http://schemas.microsoft.com/office/powerpoint/2010/main" val="3700914918"/>
       </p:ext>
     </p:extLst>
   </p:cSld>
@@ -5639,7 +5692,7 @@
     </p:spTree>
     <p:extLst>
       <p:ext uri="{BB962C8B-B14F-4D97-AF65-F5344CB8AC3E}">
-        <p14:creationId xmlns:p14="http://schemas.microsoft.com/office/powerpoint/2010/main" val="1686304938"/>
+        <p14:creationId xmlns:p14="http://schemas.microsoft.com/office/powerpoint/2010/main" val="1730697731"/>
       </p:ext>
     </p:extLst>
   </p:cSld>
@@ -6543,55 +6596,6 @@
           </a:bodyPr>
           <a:lstStyle/>
           <a:p>
-            <a:pPr lvl="0" rtl="0">
-              <a:lnSpc>
-                <a:spcPct val="115000"/>
-              </a:lnSpc>
-              <a:spcBef>
-                <a:spcPts val="0"/>
-              </a:spcBef>
-              <a:buClr>
-                <a:schemeClr val="dk1"/>
-              </a:buClr>
-              <a:buSzPct val="100000"/>
-              <a:buFont typeface="Arial"/>
-              <a:buNone/>
-            </a:pPr>
-            <a:r>
-              <a:rPr lang="en" dirty="0"/>
-              <a:t>Như vậy tôi đã trình bày xong những vấn đề của việc sử dụng bảo hiểm hiện tại và đưa ra giải pháp xử lí!</a:t>
-            </a:r>
-          </a:p>
-          <a:p>
-            <a:pPr lvl="0" rtl="0">
-              <a:lnSpc>
-                <a:spcPct val="115000"/>
-              </a:lnSpc>
-              <a:spcBef>
-                <a:spcPts val="0"/>
-              </a:spcBef>
-              <a:buClr>
-                <a:schemeClr val="dk1"/>
-              </a:buClr>
-              <a:buSzPct val="100000"/>
-              <a:buFont typeface="Arial"/>
-              <a:buNone/>
-            </a:pPr>
-            <a:r>
-              <a:rPr lang="en" dirty="0"/>
-              <a:t>Để tiếp tục tôi xin </a:t>
-            </a:r>
-            <a:r>
-              <a:rPr lang="en" dirty="0" smtClean="0"/>
-              <a:t>giới</a:t>
-            </a:r>
-            <a:r>
-              <a:rPr lang="en" baseline="0" dirty="0" smtClean="0"/>
-              <a:t> thiệu về tiến trình chạy ngầm của ứng dụng trên điện thoại, được gọi là scheduler.</a:t>
-            </a:r>
-            <a:endParaRPr lang="en" dirty="0"/>
-          </a:p>
-          <a:p>
             <a:pPr>
               <a:spcBef>
                 <a:spcPts val="0"/>
@@ -6605,7 +6609,7 @@
     </p:spTree>
     <p:extLst>
       <p:ext uri="{BB962C8B-B14F-4D97-AF65-F5344CB8AC3E}">
-        <p14:creationId xmlns:p14="http://schemas.microsoft.com/office/powerpoint/2010/main" val="3590996575"/>
+        <p14:creationId xmlns:p14="http://schemas.microsoft.com/office/powerpoint/2010/main" val="3603730114"/>
       </p:ext>
     </p:extLst>
   </p:cSld>
@@ -6770,7 +6774,7 @@
     </p:spTree>
     <p:extLst>
       <p:ext uri="{BB962C8B-B14F-4D97-AF65-F5344CB8AC3E}">
-        <p14:creationId xmlns:p14="http://schemas.microsoft.com/office/powerpoint/2010/main" val="3483191454"/>
+        <p14:creationId xmlns:p14="http://schemas.microsoft.com/office/powerpoint/2010/main" val="4160777775"/>
       </p:ext>
     </p:extLst>
   </p:cSld>
@@ -6873,6 +6877,666 @@
           </a:bodyPr>
           <a:lstStyle/>
           <a:p>
+            <a:pPr lvl="0" rtl="0">
+              <a:lnSpc>
+                <a:spcPct val="115000"/>
+              </a:lnSpc>
+              <a:spcBef>
+                <a:spcPts val="0"/>
+              </a:spcBef>
+              <a:buClr>
+                <a:schemeClr val="dk1"/>
+              </a:buClr>
+              <a:buSzPct val="100000"/>
+              <a:buFont typeface="Arial"/>
+              <a:buNone/>
+            </a:pPr>
+            <a:r>
+              <a:rPr lang="en" dirty="0"/>
+              <a:t>Như vậy tôi đã trình bày xong những vấn đề của việc sử dụng bảo hiểm hiện tại và đưa ra giải pháp xử lí!</a:t>
+            </a:r>
+          </a:p>
+          <a:p>
+            <a:pPr lvl="0" rtl="0">
+              <a:lnSpc>
+                <a:spcPct val="115000"/>
+              </a:lnSpc>
+              <a:spcBef>
+                <a:spcPts val="0"/>
+              </a:spcBef>
+              <a:buClr>
+                <a:schemeClr val="dk1"/>
+              </a:buClr>
+              <a:buSzPct val="100000"/>
+              <a:buFont typeface="Arial"/>
+              <a:buNone/>
+            </a:pPr>
+            <a:r>
+              <a:rPr lang="en" dirty="0"/>
+              <a:t>Để tiếp tục tôi xin </a:t>
+            </a:r>
+            <a:r>
+              <a:rPr lang="en" dirty="0" smtClean="0"/>
+              <a:t>giới</a:t>
+            </a:r>
+            <a:r>
+              <a:rPr lang="en" baseline="0" dirty="0" smtClean="0"/>
+              <a:t> thiệu về tiến trình chạy ngầm của ứng dụng trên điện thoại, được gọi là scheduler.</a:t>
+            </a:r>
+            <a:endParaRPr lang="en" dirty="0"/>
+          </a:p>
+          <a:p>
+            <a:pPr>
+              <a:spcBef>
+                <a:spcPts val="0"/>
+              </a:spcBef>
+              <a:buNone/>
+            </a:pPr>
+            <a:endParaRPr dirty="0"/>
+          </a:p>
+        </p:txBody>
+      </p:sp>
+    </p:spTree>
+    <p:extLst>
+      <p:ext uri="{BB962C8B-B14F-4D97-AF65-F5344CB8AC3E}">
+        <p14:creationId xmlns:p14="http://schemas.microsoft.com/office/powerpoint/2010/main" val="2215295726"/>
+      </p:ext>
+    </p:extLst>
+  </p:cSld>
+  <p:clrMapOvr>
+    <a:masterClrMapping/>
+  </p:clrMapOvr>
+</p:notes>
+</file>
+
+<file path=ppt/notesSlides/notesSlide43.xml><?xml version="1.0" encoding="utf-8"?>
+<p:notes xmlns:a="http://schemas.openxmlformats.org/drawingml/2006/main" xmlns:r="http://schemas.openxmlformats.org/officeDocument/2006/relationships" xmlns:p="http://schemas.openxmlformats.org/presentationml/2006/main" showMasterSp="0" showMasterPhAnim="0">
+  <p:cSld>
+    <p:spTree>
+      <p:nvGrpSpPr>
+        <p:cNvPr id="1" name="Shape 296"/>
+        <p:cNvGrpSpPr/>
+        <p:nvPr/>
+      </p:nvGrpSpPr>
+      <p:grpSpPr>
+        <a:xfrm>
+          <a:off x="0" y="0"/>
+          <a:ext cx="0" cy="0"/>
+          <a:chOff x="0" y="0"/>
+          <a:chExt cx="0" cy="0"/>
+        </a:xfrm>
+      </p:grpSpPr>
+      <p:sp>
+        <p:nvSpPr>
+          <p:cNvPr id="297" name="Shape 297"/>
+          <p:cNvSpPr>
+            <a:spLocks noGrp="1" noRot="1" noChangeAspect="1"/>
+          </p:cNvSpPr>
+          <p:nvPr>
+            <p:ph type="sldImg" idx="2"/>
+          </p:nvPr>
+        </p:nvSpPr>
+        <p:spPr>
+          <a:xfrm>
+            <a:off x="1143000" y="685800"/>
+            <a:ext cx="4572000" cy="3429000"/>
+          </a:xfrm>
+          <a:custGeom>
+            <a:avLst/>
+            <a:gdLst/>
+            <a:ahLst/>
+            <a:cxnLst/>
+            <a:rect l="0" t="0" r="0" b="0"/>
+            <a:pathLst>
+              <a:path w="120000" h="120000" extrusionOk="0">
+                <a:moveTo>
+                  <a:pt x="0" y="0"/>
+                </a:moveTo>
+                <a:lnTo>
+                  <a:pt x="120000" y="0"/>
+                </a:lnTo>
+                <a:lnTo>
+                  <a:pt x="120000" y="120000"/>
+                </a:lnTo>
+                <a:lnTo>
+                  <a:pt x="0" y="120000"/>
+                </a:lnTo>
+                <a:close/>
+              </a:path>
+            </a:pathLst>
+          </a:custGeom>
+          <a:noFill/>
+          <a:ln w="9525" cap="flat" cmpd="sng">
+            <a:solidFill>
+              <a:srgbClr val="000000"/>
+            </a:solidFill>
+            <a:prstDash val="solid"/>
+            <a:round/>
+            <a:headEnd type="none" w="med" len="med"/>
+            <a:tailEnd type="none" w="med" len="med"/>
+          </a:ln>
+        </p:spPr>
+      </p:sp>
+      <p:sp>
+        <p:nvSpPr>
+          <p:cNvPr id="298" name="Shape 298"/>
+          <p:cNvSpPr txBox="1">
+            <a:spLocks noGrp="1"/>
+          </p:cNvSpPr>
+          <p:nvPr>
+            <p:ph type="body" idx="1"/>
+          </p:nvPr>
+        </p:nvSpPr>
+        <p:spPr>
+          <a:xfrm>
+            <a:off x="685800" y="4343400"/>
+            <a:ext cx="5486399" cy="4114800"/>
+          </a:xfrm>
+          <a:prstGeom prst="rect">
+            <a:avLst/>
+          </a:prstGeom>
+        </p:spPr>
+        <p:txBody>
+          <a:bodyPr lIns="91425" tIns="91425" rIns="91425" bIns="91425" anchor="t" anchorCtr="0">
+            <a:noAutofit/>
+          </a:bodyPr>
+          <a:lstStyle/>
+          <a:p>
+            <a:pPr lvl="0" rtl="0">
+              <a:lnSpc>
+                <a:spcPct val="115000"/>
+              </a:lnSpc>
+              <a:spcBef>
+                <a:spcPts val="0"/>
+              </a:spcBef>
+              <a:buClr>
+                <a:schemeClr val="dk1"/>
+              </a:buClr>
+              <a:buSzPct val="100000"/>
+              <a:buFont typeface="Arial"/>
+              <a:buNone/>
+            </a:pPr>
+            <a:r>
+              <a:rPr lang="en" dirty="0"/>
+              <a:t>Như vậy tôi đã trình bày xong những vấn đề của việc sử dụng bảo hiểm hiện tại và đưa ra giải pháp xử lí!</a:t>
+            </a:r>
+          </a:p>
+          <a:p>
+            <a:pPr lvl="0" rtl="0">
+              <a:lnSpc>
+                <a:spcPct val="115000"/>
+              </a:lnSpc>
+              <a:spcBef>
+                <a:spcPts val="0"/>
+              </a:spcBef>
+              <a:buClr>
+                <a:schemeClr val="dk1"/>
+              </a:buClr>
+              <a:buSzPct val="100000"/>
+              <a:buFont typeface="Arial"/>
+              <a:buNone/>
+            </a:pPr>
+            <a:r>
+              <a:rPr lang="en" dirty="0"/>
+              <a:t>Để tiếp tục tôi xin </a:t>
+            </a:r>
+            <a:r>
+              <a:rPr lang="en" dirty="0" smtClean="0"/>
+              <a:t>giới</a:t>
+            </a:r>
+            <a:r>
+              <a:rPr lang="en" baseline="0" dirty="0" smtClean="0"/>
+              <a:t> thiệu về tiến trình chạy ngầm của ứng dụng trên điện thoại, được gọi là scheduler.</a:t>
+            </a:r>
+            <a:endParaRPr lang="en" dirty="0"/>
+          </a:p>
+          <a:p>
+            <a:pPr>
+              <a:spcBef>
+                <a:spcPts val="0"/>
+              </a:spcBef>
+              <a:buNone/>
+            </a:pPr>
+            <a:endParaRPr dirty="0"/>
+          </a:p>
+        </p:txBody>
+      </p:sp>
+    </p:spTree>
+    <p:extLst>
+      <p:ext uri="{BB962C8B-B14F-4D97-AF65-F5344CB8AC3E}">
+        <p14:creationId xmlns:p14="http://schemas.microsoft.com/office/powerpoint/2010/main" val="1686304938"/>
+      </p:ext>
+    </p:extLst>
+  </p:cSld>
+  <p:clrMapOvr>
+    <a:masterClrMapping/>
+  </p:clrMapOvr>
+</p:notes>
+</file>
+
+<file path=ppt/notesSlides/notesSlide44.xml><?xml version="1.0" encoding="utf-8"?>
+<p:notes xmlns:a="http://schemas.openxmlformats.org/drawingml/2006/main" xmlns:r="http://schemas.openxmlformats.org/officeDocument/2006/relationships" xmlns:p="http://schemas.openxmlformats.org/presentationml/2006/main" showMasterSp="0" showMasterPhAnim="0">
+  <p:cSld>
+    <p:spTree>
+      <p:nvGrpSpPr>
+        <p:cNvPr id="1" name="Shape 296"/>
+        <p:cNvGrpSpPr/>
+        <p:nvPr/>
+      </p:nvGrpSpPr>
+      <p:grpSpPr>
+        <a:xfrm>
+          <a:off x="0" y="0"/>
+          <a:ext cx="0" cy="0"/>
+          <a:chOff x="0" y="0"/>
+          <a:chExt cx="0" cy="0"/>
+        </a:xfrm>
+      </p:grpSpPr>
+      <p:sp>
+        <p:nvSpPr>
+          <p:cNvPr id="297" name="Shape 297"/>
+          <p:cNvSpPr>
+            <a:spLocks noGrp="1" noRot="1" noChangeAspect="1"/>
+          </p:cNvSpPr>
+          <p:nvPr>
+            <p:ph type="sldImg" idx="2"/>
+          </p:nvPr>
+        </p:nvSpPr>
+        <p:spPr>
+          <a:xfrm>
+            <a:off x="1143000" y="685800"/>
+            <a:ext cx="4572000" cy="3429000"/>
+          </a:xfrm>
+          <a:custGeom>
+            <a:avLst/>
+            <a:gdLst/>
+            <a:ahLst/>
+            <a:cxnLst/>
+            <a:rect l="0" t="0" r="0" b="0"/>
+            <a:pathLst>
+              <a:path w="120000" h="120000" extrusionOk="0">
+                <a:moveTo>
+                  <a:pt x="0" y="0"/>
+                </a:moveTo>
+                <a:lnTo>
+                  <a:pt x="120000" y="0"/>
+                </a:lnTo>
+                <a:lnTo>
+                  <a:pt x="120000" y="120000"/>
+                </a:lnTo>
+                <a:lnTo>
+                  <a:pt x="0" y="120000"/>
+                </a:lnTo>
+                <a:close/>
+              </a:path>
+            </a:pathLst>
+          </a:custGeom>
+          <a:noFill/>
+          <a:ln w="9525" cap="flat" cmpd="sng">
+            <a:solidFill>
+              <a:srgbClr val="000000"/>
+            </a:solidFill>
+            <a:prstDash val="solid"/>
+            <a:round/>
+            <a:headEnd type="none" w="med" len="med"/>
+            <a:tailEnd type="none" w="med" len="med"/>
+          </a:ln>
+        </p:spPr>
+      </p:sp>
+      <p:sp>
+        <p:nvSpPr>
+          <p:cNvPr id="298" name="Shape 298"/>
+          <p:cNvSpPr txBox="1">
+            <a:spLocks noGrp="1"/>
+          </p:cNvSpPr>
+          <p:nvPr>
+            <p:ph type="body" idx="1"/>
+          </p:nvPr>
+        </p:nvSpPr>
+        <p:spPr>
+          <a:xfrm>
+            <a:off x="685800" y="4343400"/>
+            <a:ext cx="5486399" cy="4114800"/>
+          </a:xfrm>
+          <a:prstGeom prst="rect">
+            <a:avLst/>
+          </a:prstGeom>
+        </p:spPr>
+        <p:txBody>
+          <a:bodyPr lIns="91425" tIns="91425" rIns="91425" bIns="91425" anchor="t" anchorCtr="0">
+            <a:noAutofit/>
+          </a:bodyPr>
+          <a:lstStyle/>
+          <a:p>
+            <a:pPr lvl="0" rtl="0">
+              <a:lnSpc>
+                <a:spcPct val="115000"/>
+              </a:lnSpc>
+              <a:spcBef>
+                <a:spcPts val="0"/>
+              </a:spcBef>
+              <a:buClr>
+                <a:schemeClr val="dk1"/>
+              </a:buClr>
+              <a:buSzPct val="100000"/>
+              <a:buFont typeface="Arial"/>
+              <a:buNone/>
+            </a:pPr>
+            <a:r>
+              <a:rPr lang="en" dirty="0"/>
+              <a:t>Như vậy tôi đã trình bày xong những vấn đề của việc sử dụng bảo hiểm hiện tại và đưa ra giải pháp xử lí!</a:t>
+            </a:r>
+          </a:p>
+          <a:p>
+            <a:pPr lvl="0" rtl="0">
+              <a:lnSpc>
+                <a:spcPct val="115000"/>
+              </a:lnSpc>
+              <a:spcBef>
+                <a:spcPts val="0"/>
+              </a:spcBef>
+              <a:buClr>
+                <a:schemeClr val="dk1"/>
+              </a:buClr>
+              <a:buSzPct val="100000"/>
+              <a:buFont typeface="Arial"/>
+              <a:buNone/>
+            </a:pPr>
+            <a:r>
+              <a:rPr lang="en" dirty="0"/>
+              <a:t>Để tiếp tục tôi xin </a:t>
+            </a:r>
+            <a:r>
+              <a:rPr lang="en" dirty="0" smtClean="0"/>
+              <a:t>giới</a:t>
+            </a:r>
+            <a:r>
+              <a:rPr lang="en" baseline="0" dirty="0" smtClean="0"/>
+              <a:t> thiệu về tiến trình chạy ngầm của ứng dụng trên điện thoại, được gọi là scheduler.</a:t>
+            </a:r>
+            <a:endParaRPr lang="en" dirty="0"/>
+          </a:p>
+          <a:p>
+            <a:pPr>
+              <a:spcBef>
+                <a:spcPts val="0"/>
+              </a:spcBef>
+              <a:buNone/>
+            </a:pPr>
+            <a:endParaRPr dirty="0"/>
+          </a:p>
+        </p:txBody>
+      </p:sp>
+    </p:spTree>
+    <p:extLst>
+      <p:ext uri="{BB962C8B-B14F-4D97-AF65-F5344CB8AC3E}">
+        <p14:creationId xmlns:p14="http://schemas.microsoft.com/office/powerpoint/2010/main" val="3590996575"/>
+      </p:ext>
+    </p:extLst>
+  </p:cSld>
+  <p:clrMapOvr>
+    <a:masterClrMapping/>
+  </p:clrMapOvr>
+</p:notes>
+</file>
+
+<file path=ppt/notesSlides/notesSlide45.xml><?xml version="1.0" encoding="utf-8"?>
+<p:notes xmlns:a="http://schemas.openxmlformats.org/drawingml/2006/main" xmlns:r="http://schemas.openxmlformats.org/officeDocument/2006/relationships" xmlns:p="http://schemas.openxmlformats.org/presentationml/2006/main" showMasterSp="0" showMasterPhAnim="0">
+  <p:cSld>
+    <p:spTree>
+      <p:nvGrpSpPr>
+        <p:cNvPr id="1" name="Shape 296"/>
+        <p:cNvGrpSpPr/>
+        <p:nvPr/>
+      </p:nvGrpSpPr>
+      <p:grpSpPr>
+        <a:xfrm>
+          <a:off x="0" y="0"/>
+          <a:ext cx="0" cy="0"/>
+          <a:chOff x="0" y="0"/>
+          <a:chExt cx="0" cy="0"/>
+        </a:xfrm>
+      </p:grpSpPr>
+      <p:sp>
+        <p:nvSpPr>
+          <p:cNvPr id="297" name="Shape 297"/>
+          <p:cNvSpPr>
+            <a:spLocks noGrp="1" noRot="1" noChangeAspect="1"/>
+          </p:cNvSpPr>
+          <p:nvPr>
+            <p:ph type="sldImg" idx="2"/>
+          </p:nvPr>
+        </p:nvSpPr>
+        <p:spPr>
+          <a:xfrm>
+            <a:off x="1143000" y="685800"/>
+            <a:ext cx="4572000" cy="3429000"/>
+          </a:xfrm>
+          <a:custGeom>
+            <a:avLst/>
+            <a:gdLst/>
+            <a:ahLst/>
+            <a:cxnLst/>
+            <a:rect l="0" t="0" r="0" b="0"/>
+            <a:pathLst>
+              <a:path w="120000" h="120000" extrusionOk="0">
+                <a:moveTo>
+                  <a:pt x="0" y="0"/>
+                </a:moveTo>
+                <a:lnTo>
+                  <a:pt x="120000" y="0"/>
+                </a:lnTo>
+                <a:lnTo>
+                  <a:pt x="120000" y="120000"/>
+                </a:lnTo>
+                <a:lnTo>
+                  <a:pt x="0" y="120000"/>
+                </a:lnTo>
+                <a:close/>
+              </a:path>
+            </a:pathLst>
+          </a:custGeom>
+          <a:noFill/>
+          <a:ln w="9525" cap="flat" cmpd="sng">
+            <a:solidFill>
+              <a:srgbClr val="000000"/>
+            </a:solidFill>
+            <a:prstDash val="solid"/>
+            <a:round/>
+            <a:headEnd type="none" w="med" len="med"/>
+            <a:tailEnd type="none" w="med" len="med"/>
+          </a:ln>
+        </p:spPr>
+      </p:sp>
+      <p:sp>
+        <p:nvSpPr>
+          <p:cNvPr id="298" name="Shape 298"/>
+          <p:cNvSpPr txBox="1">
+            <a:spLocks noGrp="1"/>
+          </p:cNvSpPr>
+          <p:nvPr>
+            <p:ph type="body" idx="1"/>
+          </p:nvPr>
+        </p:nvSpPr>
+        <p:spPr>
+          <a:xfrm>
+            <a:off x="685800" y="4343400"/>
+            <a:ext cx="5486399" cy="4114800"/>
+          </a:xfrm>
+          <a:prstGeom prst="rect">
+            <a:avLst/>
+          </a:prstGeom>
+        </p:spPr>
+        <p:txBody>
+          <a:bodyPr lIns="91425" tIns="91425" rIns="91425" bIns="91425" anchor="t" anchorCtr="0">
+            <a:noAutofit/>
+          </a:bodyPr>
+          <a:lstStyle/>
+          <a:p>
+            <a:pPr lvl="0" rtl="0">
+              <a:lnSpc>
+                <a:spcPct val="115000"/>
+              </a:lnSpc>
+              <a:spcBef>
+                <a:spcPts val="0"/>
+              </a:spcBef>
+              <a:buClr>
+                <a:schemeClr val="dk1"/>
+              </a:buClr>
+              <a:buSzPct val="100000"/>
+              <a:buFont typeface="Arial"/>
+              <a:buNone/>
+            </a:pPr>
+            <a:r>
+              <a:rPr lang="en" dirty="0"/>
+              <a:t>Như vậy tôi đã trình bày xong những vấn đề của việc sử dụng bảo hiểm hiện tại và đưa ra giải pháp xử lí!</a:t>
+            </a:r>
+          </a:p>
+          <a:p>
+            <a:pPr lvl="0" rtl="0">
+              <a:lnSpc>
+                <a:spcPct val="115000"/>
+              </a:lnSpc>
+              <a:spcBef>
+                <a:spcPts val="0"/>
+              </a:spcBef>
+              <a:buClr>
+                <a:schemeClr val="dk1"/>
+              </a:buClr>
+              <a:buSzPct val="100000"/>
+              <a:buFont typeface="Arial"/>
+              <a:buNone/>
+            </a:pPr>
+            <a:r>
+              <a:rPr lang="en" dirty="0"/>
+              <a:t>Để tiếp tục tôi xin </a:t>
+            </a:r>
+            <a:r>
+              <a:rPr lang="en" dirty="0" smtClean="0"/>
+              <a:t>giới</a:t>
+            </a:r>
+            <a:r>
+              <a:rPr lang="en" baseline="0" dirty="0" smtClean="0"/>
+              <a:t> thiệu về tiến trình chạy ngầm của ứng dụng trên điện thoại, được gọi là scheduler.</a:t>
+            </a:r>
+            <a:endParaRPr lang="en" dirty="0"/>
+          </a:p>
+          <a:p>
+            <a:pPr>
+              <a:spcBef>
+                <a:spcPts val="0"/>
+              </a:spcBef>
+              <a:buNone/>
+            </a:pPr>
+            <a:endParaRPr dirty="0"/>
+          </a:p>
+        </p:txBody>
+      </p:sp>
+    </p:spTree>
+    <p:extLst>
+      <p:ext uri="{BB962C8B-B14F-4D97-AF65-F5344CB8AC3E}">
+        <p14:creationId xmlns:p14="http://schemas.microsoft.com/office/powerpoint/2010/main" val="3483191454"/>
+      </p:ext>
+    </p:extLst>
+  </p:cSld>
+  <p:clrMapOvr>
+    <a:masterClrMapping/>
+  </p:clrMapOvr>
+</p:notes>
+</file>
+
+<file path=ppt/notesSlides/notesSlide46.xml><?xml version="1.0" encoding="utf-8"?>
+<p:notes xmlns:a="http://schemas.openxmlformats.org/drawingml/2006/main" xmlns:r="http://schemas.openxmlformats.org/officeDocument/2006/relationships" xmlns:p="http://schemas.openxmlformats.org/presentationml/2006/main" showMasterSp="0" showMasterPhAnim="0">
+  <p:cSld>
+    <p:spTree>
+      <p:nvGrpSpPr>
+        <p:cNvPr id="1" name="Shape 296"/>
+        <p:cNvGrpSpPr/>
+        <p:nvPr/>
+      </p:nvGrpSpPr>
+      <p:grpSpPr>
+        <a:xfrm>
+          <a:off x="0" y="0"/>
+          <a:ext cx="0" cy="0"/>
+          <a:chOff x="0" y="0"/>
+          <a:chExt cx="0" cy="0"/>
+        </a:xfrm>
+      </p:grpSpPr>
+      <p:sp>
+        <p:nvSpPr>
+          <p:cNvPr id="297" name="Shape 297"/>
+          <p:cNvSpPr>
+            <a:spLocks noGrp="1" noRot="1" noChangeAspect="1"/>
+          </p:cNvSpPr>
+          <p:nvPr>
+            <p:ph type="sldImg" idx="2"/>
+          </p:nvPr>
+        </p:nvSpPr>
+        <p:spPr>
+          <a:xfrm>
+            <a:off x="1143000" y="685800"/>
+            <a:ext cx="4572000" cy="3429000"/>
+          </a:xfrm>
+          <a:custGeom>
+            <a:avLst/>
+            <a:gdLst/>
+            <a:ahLst/>
+            <a:cxnLst/>
+            <a:rect l="0" t="0" r="0" b="0"/>
+            <a:pathLst>
+              <a:path w="120000" h="120000" extrusionOk="0">
+                <a:moveTo>
+                  <a:pt x="0" y="0"/>
+                </a:moveTo>
+                <a:lnTo>
+                  <a:pt x="120000" y="0"/>
+                </a:lnTo>
+                <a:lnTo>
+                  <a:pt x="120000" y="120000"/>
+                </a:lnTo>
+                <a:lnTo>
+                  <a:pt x="0" y="120000"/>
+                </a:lnTo>
+                <a:close/>
+              </a:path>
+            </a:pathLst>
+          </a:custGeom>
+          <a:noFill/>
+          <a:ln w="9525" cap="flat" cmpd="sng">
+            <a:solidFill>
+              <a:srgbClr val="000000"/>
+            </a:solidFill>
+            <a:prstDash val="solid"/>
+            <a:round/>
+            <a:headEnd type="none" w="med" len="med"/>
+            <a:tailEnd type="none" w="med" len="med"/>
+          </a:ln>
+        </p:spPr>
+      </p:sp>
+      <p:sp>
+        <p:nvSpPr>
+          <p:cNvPr id="298" name="Shape 298"/>
+          <p:cNvSpPr txBox="1">
+            <a:spLocks noGrp="1"/>
+          </p:cNvSpPr>
+          <p:nvPr>
+            <p:ph type="body" idx="1"/>
+          </p:nvPr>
+        </p:nvSpPr>
+        <p:spPr>
+          <a:xfrm>
+            <a:off x="685800" y="4343400"/>
+            <a:ext cx="5486399" cy="4114800"/>
+          </a:xfrm>
+          <a:prstGeom prst="rect">
+            <a:avLst/>
+          </a:prstGeom>
+        </p:spPr>
+        <p:txBody>
+          <a:bodyPr lIns="91425" tIns="91425" rIns="91425" bIns="91425" anchor="t" anchorCtr="0">
+            <a:noAutofit/>
+          </a:bodyPr>
+          <a:lstStyle/>
+          <a:p>
             <a:pPr>
               <a:spcBef>
                 <a:spcPts val="0"/>
@@ -6896,7 +7560,7 @@
 </p:notes>
 </file>
 
-<file path=ppt/notesSlides/notesSlide43.xml><?xml version="1.0" encoding="utf-8"?>
+<file path=ppt/notesSlides/notesSlide47.xml><?xml version="1.0" encoding="utf-8"?>
 <p:notes xmlns:a="http://schemas.openxmlformats.org/drawingml/2006/main" xmlns:r="http://schemas.openxmlformats.org/officeDocument/2006/relationships" xmlns:p="http://schemas.openxmlformats.org/presentationml/2006/main" showMasterSp="0" showMasterPhAnim="0">
   <p:cSld>
     <p:spTree>
@@ -13145,8 +13809,8 @@
         </p:nvSpPr>
         <p:spPr>
           <a:xfrm>
-            <a:off x="2036674" y="2102598"/>
-            <a:ext cx="1227802" cy="954107"/>
+            <a:off x="1988696" y="2280220"/>
+            <a:ext cx="1227802" cy="738664"/>
           </a:xfrm>
           <a:prstGeom prst="rect">
             <a:avLst/>
@@ -13164,12 +13828,8 @@
               <a:t>Send get notification </a:t>
             </a:r>
             <a:r>
-              <a:rPr lang="en-US" sz="1400" dirty="0"/>
-              <a:t>request with </a:t>
-            </a:r>
-            <a:r>
-              <a:rPr lang="en-US" sz="1400" dirty="0" err="1"/>
-              <a:t>accountId</a:t>
+              <a:rPr lang="en-US" sz="1400" dirty="0" smtClean="0"/>
+              <a:t>request</a:t>
             </a:r>
             <a:endParaRPr lang="en-US" sz="1400" dirty="0"/>
           </a:p>
@@ -13587,8 +14247,8 @@
         </p:nvSpPr>
         <p:spPr>
           <a:xfrm>
-            <a:off x="5023515" y="2366121"/>
-            <a:ext cx="1434435" cy="715581"/>
+            <a:off x="5007446" y="2649552"/>
+            <a:ext cx="1434435" cy="300082"/>
           </a:xfrm>
           <a:prstGeom prst="rect">
             <a:avLst/>
@@ -13603,11 +14263,11 @@
           <a:p>
             <a:r>
               <a:rPr lang="en-US" sz="1350" dirty="0"/>
-              <a:t>Get notification based on </a:t>
-            </a:r>
-            <a:r>
-              <a:rPr lang="en-US" sz="1350" dirty="0" err="1"/>
-              <a:t>accountId</a:t>
+              <a:t>Get </a:t>
+            </a:r>
+            <a:r>
+              <a:rPr lang="en-US" sz="1350" dirty="0" smtClean="0"/>
+              <a:t>notifications</a:t>
             </a:r>
             <a:endParaRPr lang="en-US" sz="1350" dirty="0"/>
           </a:p>
@@ -13615,14 +14275,14 @@
       </p:sp>
       <p:sp>
         <p:nvSpPr>
-          <p:cNvPr id="24" name="TextBox 23"/>
+          <p:cNvPr id="14" name="TextBox 13"/>
           <p:cNvSpPr txBox="1"/>
           <p:nvPr/>
         </p:nvSpPr>
         <p:spPr>
           <a:xfrm>
-            <a:off x="2036674" y="2102598"/>
-            <a:ext cx="1227802" cy="954107"/>
+            <a:off x="1988696" y="2280220"/>
+            <a:ext cx="1227802" cy="738664"/>
           </a:xfrm>
           <a:prstGeom prst="rect">
             <a:avLst/>
@@ -13640,12 +14300,8 @@
               <a:t>Send get notification </a:t>
             </a:r>
             <a:r>
-              <a:rPr lang="en-US" sz="1400" dirty="0"/>
-              <a:t>request with </a:t>
-            </a:r>
-            <a:r>
-              <a:rPr lang="en-US" sz="1400" dirty="0" err="1"/>
-              <a:t>accountId</a:t>
+              <a:rPr lang="en-US" sz="1400" dirty="0" smtClean="0"/>
+              <a:t>request</a:t>
             </a:r>
             <a:endParaRPr lang="en-US" sz="1400" dirty="0"/>
           </a:p>
@@ -13987,44 +14643,6 @@
           </a:fontRef>
         </p:style>
       </p:cxnSp>
-      <p:sp>
-        <p:nvSpPr>
-          <p:cNvPr id="10" name="TextBox 9"/>
-          <p:cNvSpPr txBox="1"/>
-          <p:nvPr/>
-        </p:nvSpPr>
-        <p:spPr>
-          <a:xfrm>
-            <a:off x="2036674" y="2102598"/>
-            <a:ext cx="1227802" cy="954107"/>
-          </a:xfrm>
-          <a:prstGeom prst="rect">
-            <a:avLst/>
-          </a:prstGeom>
-          <a:noFill/>
-        </p:spPr>
-        <p:txBody>
-          <a:bodyPr wrap="square" rtlCol="0">
-            <a:spAutoFit/>
-          </a:bodyPr>
-          <a:lstStyle/>
-          <a:p>
-            <a:r>
-              <a:rPr lang="en-US" sz="1400" dirty="0" smtClean="0"/>
-              <a:t>Send get notification </a:t>
-            </a:r>
-            <a:r>
-              <a:rPr lang="en-US" sz="1400" dirty="0"/>
-              <a:t>request with </a:t>
-            </a:r>
-            <a:r>
-              <a:rPr lang="en-US" sz="1400" dirty="0" err="1"/>
-              <a:t>accountId</a:t>
-            </a:r>
-            <a:endParaRPr lang="en-US" sz="1400" dirty="0"/>
-          </a:p>
-        </p:txBody>
-      </p:sp>
       <p:pic>
         <p:nvPicPr>
           <p:cNvPr id="22" name="Picture 21"/>
@@ -14093,40 +14711,6 @@
           </a:fontRef>
         </p:style>
       </p:cxnSp>
-      <p:sp>
-        <p:nvSpPr>
-          <p:cNvPr id="3" name="TextBox 2"/>
-          <p:cNvSpPr txBox="1"/>
-          <p:nvPr/>
-        </p:nvSpPr>
-        <p:spPr>
-          <a:xfrm>
-            <a:off x="5049502" y="2322037"/>
-            <a:ext cx="1434435" cy="715581"/>
-          </a:xfrm>
-          <a:prstGeom prst="rect">
-            <a:avLst/>
-          </a:prstGeom>
-          <a:noFill/>
-        </p:spPr>
-        <p:txBody>
-          <a:bodyPr wrap="square" rtlCol="0">
-            <a:spAutoFit/>
-          </a:bodyPr>
-          <a:lstStyle/>
-          <a:p>
-            <a:r>
-              <a:rPr lang="en-US" sz="1350" dirty="0"/>
-              <a:t>Get notification based on </a:t>
-            </a:r>
-            <a:r>
-              <a:rPr lang="en-US" sz="1350" dirty="0" err="1"/>
-              <a:t>accountId</a:t>
-            </a:r>
-            <a:endParaRPr lang="en-US" sz="1350" dirty="0"/>
-          </a:p>
-        </p:txBody>
-      </p:sp>
       <p:cxnSp>
         <p:nvCxnSpPr>
           <p:cNvPr id="14" name="Straight Arrow Connector 13"/>
@@ -14457,6 +15041,74 @@
           </a:fontRef>
         </p:style>
       </p:cxnSp>
+      <p:sp>
+        <p:nvSpPr>
+          <p:cNvPr id="24" name="TextBox 23"/>
+          <p:cNvSpPr txBox="1"/>
+          <p:nvPr/>
+        </p:nvSpPr>
+        <p:spPr>
+          <a:xfrm>
+            <a:off x="1988696" y="2280220"/>
+            <a:ext cx="1227802" cy="738664"/>
+          </a:xfrm>
+          <a:prstGeom prst="rect">
+            <a:avLst/>
+          </a:prstGeom>
+          <a:noFill/>
+        </p:spPr>
+        <p:txBody>
+          <a:bodyPr wrap="square" rtlCol="0">
+            <a:spAutoFit/>
+          </a:bodyPr>
+          <a:lstStyle/>
+          <a:p>
+            <a:r>
+              <a:rPr lang="en-US" sz="1400" dirty="0" smtClean="0"/>
+              <a:t>Send get notification </a:t>
+            </a:r>
+            <a:r>
+              <a:rPr lang="en-US" sz="1400" dirty="0" smtClean="0"/>
+              <a:t>request</a:t>
+            </a:r>
+            <a:endParaRPr lang="en-US" sz="1400" dirty="0"/>
+          </a:p>
+        </p:txBody>
+      </p:sp>
+      <p:sp>
+        <p:nvSpPr>
+          <p:cNvPr id="25" name="TextBox 24"/>
+          <p:cNvSpPr txBox="1"/>
+          <p:nvPr/>
+        </p:nvSpPr>
+        <p:spPr>
+          <a:xfrm>
+            <a:off x="5007446" y="2649552"/>
+            <a:ext cx="1434435" cy="300082"/>
+          </a:xfrm>
+          <a:prstGeom prst="rect">
+            <a:avLst/>
+          </a:prstGeom>
+          <a:noFill/>
+        </p:spPr>
+        <p:txBody>
+          <a:bodyPr wrap="square" rtlCol="0">
+            <a:spAutoFit/>
+          </a:bodyPr>
+          <a:lstStyle/>
+          <a:p>
+            <a:r>
+              <a:rPr lang="en-US" sz="1350" dirty="0"/>
+              <a:t>Get </a:t>
+            </a:r>
+            <a:r>
+              <a:rPr lang="en-US" sz="1350" dirty="0" smtClean="0"/>
+              <a:t>notifications</a:t>
+            </a:r>
+            <a:endParaRPr lang="en-US" sz="1350" dirty="0"/>
+          </a:p>
+        </p:txBody>
+      </p:sp>
     </p:spTree>
     <p:extLst>
       <p:ext uri="{BB962C8B-B14F-4D97-AF65-F5344CB8AC3E}">
@@ -14861,16 +15513,346 @@
           </a:fontRef>
         </p:style>
       </p:cxnSp>
-      <p:sp>
-        <p:nvSpPr>
-          <p:cNvPr id="3" name="TextBox 2"/>
+      <p:cxnSp>
+        <p:nvCxnSpPr>
+          <p:cNvPr id="14" name="Straight Arrow Connector 13"/>
+          <p:cNvCxnSpPr>
+            <a:cxnSpLocks/>
+          </p:cNvCxnSpPr>
+          <p:nvPr/>
+        </p:nvCxnSpPr>
+        <p:spPr>
+          <a:xfrm flipH="1">
+            <a:off x="5007446" y="3338116"/>
+            <a:ext cx="1339481" cy="4019"/>
+          </a:xfrm>
+          <a:prstGeom prst="straightConnector1">
+            <a:avLst/>
+          </a:prstGeom>
+          <a:ln w="88900">
+            <a:solidFill>
+              <a:schemeClr val="accent6"/>
+            </a:solidFill>
+            <a:tailEnd type="triangle"/>
+          </a:ln>
+        </p:spPr>
+        <p:style>
+          <a:lnRef idx="1">
+            <a:schemeClr val="accent1"/>
+          </a:lnRef>
+          <a:fillRef idx="0">
+            <a:schemeClr val="accent1"/>
+          </a:fillRef>
+          <a:effectRef idx="0">
+            <a:schemeClr val="accent1"/>
+          </a:effectRef>
+          <a:fontRef idx="minor">
+            <a:schemeClr val="tx1"/>
+          </a:fontRef>
+        </p:style>
+      </p:cxnSp>
+      <p:cxnSp>
+        <p:nvCxnSpPr>
+          <p:cNvPr id="21" name="Straight Arrow Connector 20"/>
+          <p:cNvCxnSpPr>
+            <a:cxnSpLocks/>
+          </p:cNvCxnSpPr>
+          <p:nvPr/>
+        </p:nvCxnSpPr>
+        <p:spPr>
+          <a:xfrm flipH="1">
+            <a:off x="1935733" y="3478363"/>
+            <a:ext cx="1339481" cy="4019"/>
+          </a:xfrm>
+          <a:prstGeom prst="straightConnector1">
+            <a:avLst/>
+          </a:prstGeom>
+          <a:ln w="88900">
+            <a:solidFill>
+              <a:schemeClr val="accent6"/>
+            </a:solidFill>
+            <a:tailEnd type="triangle"/>
+          </a:ln>
+        </p:spPr>
+        <p:style>
+          <a:lnRef idx="1">
+            <a:schemeClr val="accent1"/>
+          </a:lnRef>
+          <a:fillRef idx="0">
+            <a:schemeClr val="accent1"/>
+          </a:fillRef>
+          <a:effectRef idx="0">
+            <a:schemeClr val="accent1"/>
+          </a:effectRef>
+          <a:fontRef idx="minor">
+            <a:schemeClr val="tx1"/>
+          </a:fontRef>
+        </p:style>
+      </p:cxnSp>
+      <p:grpSp>
+        <p:nvGrpSpPr>
+          <p:cNvPr id="30" name="Shape 688"/>
+          <p:cNvGrpSpPr/>
+          <p:nvPr/>
+        </p:nvGrpSpPr>
+        <p:grpSpPr>
+          <a:xfrm>
+            <a:off x="4986128" y="4032421"/>
+            <a:ext cx="1471823" cy="1592092"/>
+            <a:chOff x="4336150" y="2339323"/>
+            <a:chExt cx="1814399" cy="1044951"/>
+          </a:xfrm>
+          <a:solidFill>
+            <a:schemeClr val="accent6"/>
+          </a:solidFill>
+        </p:grpSpPr>
+        <p:sp>
+          <p:nvSpPr>
+            <p:cNvPr id="31" name="Shape 689"/>
+            <p:cNvSpPr/>
+            <p:nvPr/>
+          </p:nvSpPr>
+          <p:spPr>
+            <a:xfrm>
+              <a:off x="4336150" y="2708975"/>
+              <a:ext cx="1814399" cy="675299"/>
+            </a:xfrm>
+            <a:prstGeom prst="rect">
+              <a:avLst/>
+            </a:prstGeom>
+            <a:ln>
+              <a:headEnd type="none" w="med" len="med"/>
+              <a:tailEnd type="none" w="med" len="med"/>
+            </a:ln>
+          </p:spPr>
+          <p:style>
+            <a:lnRef idx="2">
+              <a:schemeClr val="accent6">
+                <a:shade val="50000"/>
+              </a:schemeClr>
+            </a:lnRef>
+            <a:fillRef idx="1">
+              <a:schemeClr val="accent6"/>
+            </a:fillRef>
+            <a:effectRef idx="0">
+              <a:schemeClr val="accent6"/>
+            </a:effectRef>
+            <a:fontRef idx="minor">
+              <a:schemeClr val="lt1"/>
+            </a:fontRef>
+          </p:style>
+          <p:txBody>
+            <a:bodyPr lIns="68569" tIns="68569" rIns="68569" bIns="68569" anchor="t" anchorCtr="0">
+              <a:noAutofit/>
+            </a:bodyPr>
+            <a:lstStyle/>
+            <a:p>
+              <a:pPr defTabSz="685800"/>
+              <a:r>
+                <a:rPr lang="en-US" sz="1500" b="1" kern="0" dirty="0">
+                  <a:solidFill>
+                    <a:srgbClr val="FF0000"/>
+                  </a:solidFill>
+                  <a:latin typeface="Arial"/>
+                  <a:cs typeface="Arial"/>
+                  <a:sym typeface="Arial"/>
+                  <a:rtl val="0"/>
+                </a:rPr>
+                <a:t>r</a:t>
+              </a:r>
+              <a:r>
+                <a:rPr lang="en" sz="1500" b="1" kern="0" dirty="0">
+                  <a:solidFill>
+                    <a:srgbClr val="FF0000"/>
+                  </a:solidFill>
+                  <a:latin typeface="Arial"/>
+                  <a:cs typeface="Arial"/>
+                  <a:sym typeface="Arial"/>
+                  <a:rtl val="0"/>
+                </a:rPr>
+                <a:t>eceiverId</a:t>
+              </a:r>
+            </a:p>
+            <a:p>
+              <a:pPr defTabSz="685800"/>
+              <a:r>
+                <a:rPr lang="en-US" sz="1500" kern="0" dirty="0">
+                  <a:solidFill>
+                    <a:srgbClr val="000000"/>
+                  </a:solidFill>
+                  <a:latin typeface="Arial"/>
+                  <a:cs typeface="Arial"/>
+                  <a:sym typeface="Arial"/>
+                  <a:rtl val="0"/>
+                </a:rPr>
+                <a:t>t</a:t>
+              </a:r>
+              <a:r>
+                <a:rPr lang="en" sz="1500" kern="0" dirty="0">
+                  <a:solidFill>
+                    <a:srgbClr val="000000"/>
+                  </a:solidFill>
+                  <a:latin typeface="Arial"/>
+                  <a:cs typeface="Arial"/>
+                  <a:sym typeface="Arial"/>
+                  <a:rtl val="0"/>
+                </a:rPr>
+                <a:t>ype</a:t>
+              </a:r>
+            </a:p>
+            <a:p>
+              <a:pPr defTabSz="685800"/>
+              <a:r>
+                <a:rPr lang="en-US" sz="1500" kern="0" dirty="0">
+                  <a:solidFill>
+                    <a:srgbClr val="000000"/>
+                  </a:solidFill>
+                  <a:latin typeface="Arial"/>
+                  <a:cs typeface="Arial"/>
+                  <a:sym typeface="Arial"/>
+                  <a:rtl val="0"/>
+                </a:rPr>
+                <a:t>s</a:t>
+              </a:r>
+              <a:r>
+                <a:rPr lang="en" sz="1500" kern="0" dirty="0">
+                  <a:solidFill>
+                    <a:srgbClr val="000000"/>
+                  </a:solidFill>
+                  <a:latin typeface="Arial"/>
+                  <a:cs typeface="Arial"/>
+                  <a:sym typeface="Arial"/>
+                  <a:rtl val="0"/>
+                </a:rPr>
+                <a:t>tatus</a:t>
+              </a:r>
+            </a:p>
+            <a:p>
+              <a:pPr defTabSz="685800"/>
+              <a:r>
+                <a:rPr lang="en" sz="1500" kern="0" dirty="0">
+                  <a:solidFill>
+                    <a:srgbClr val="000000"/>
+                  </a:solidFill>
+                  <a:latin typeface="Arial"/>
+                  <a:cs typeface="Arial"/>
+                  <a:sym typeface="Arial"/>
+                  <a:rtl val="0"/>
+                </a:rPr>
+                <a:t>…</a:t>
+              </a:r>
+            </a:p>
+          </p:txBody>
+        </p:sp>
+        <p:sp>
+          <p:nvSpPr>
+            <p:cNvPr id="32" name="Shape 690"/>
+            <p:cNvSpPr/>
+            <p:nvPr/>
+          </p:nvSpPr>
+          <p:spPr>
+            <a:xfrm>
+              <a:off x="4336150" y="2339323"/>
+              <a:ext cx="1814399" cy="362999"/>
+            </a:xfrm>
+            <a:prstGeom prst="rect">
+              <a:avLst/>
+            </a:prstGeom>
+            <a:ln>
+              <a:headEnd type="none" w="med" len="med"/>
+              <a:tailEnd type="none" w="med" len="med"/>
+            </a:ln>
+          </p:spPr>
+          <p:style>
+            <a:lnRef idx="2">
+              <a:schemeClr val="accent6">
+                <a:shade val="50000"/>
+              </a:schemeClr>
+            </a:lnRef>
+            <a:fillRef idx="1">
+              <a:schemeClr val="accent6"/>
+            </a:fillRef>
+            <a:effectRef idx="0">
+              <a:schemeClr val="accent6"/>
+            </a:effectRef>
+            <a:fontRef idx="minor">
+              <a:schemeClr val="lt1"/>
+            </a:fontRef>
+          </p:style>
+          <p:txBody>
+            <a:bodyPr lIns="68569" tIns="68569" rIns="68569" bIns="68569" anchor="ctr" anchorCtr="0">
+              <a:noAutofit/>
+            </a:bodyPr>
+            <a:lstStyle/>
+            <a:p>
+              <a:pPr defTabSz="685800"/>
+              <a:r>
+                <a:rPr lang="en" b="1" kern="0" dirty="0">
+                  <a:solidFill>
+                    <a:srgbClr val="000000"/>
+                  </a:solidFill>
+                  <a:latin typeface="Arial"/>
+                  <a:cs typeface="Arial"/>
+                  <a:sym typeface="Arial"/>
+                  <a:rtl val="0"/>
+                </a:rPr>
+                <a:t>Notify</a:t>
+              </a:r>
+              <a:endParaRPr lang="en" sz="1050" b="1" kern="0" dirty="0">
+                <a:solidFill>
+                  <a:srgbClr val="000000"/>
+                </a:solidFill>
+                <a:latin typeface="Arial"/>
+                <a:cs typeface="Arial"/>
+                <a:sym typeface="Arial"/>
+                <a:rtl val="0"/>
+              </a:endParaRPr>
+            </a:p>
+          </p:txBody>
+        </p:sp>
+      </p:grpSp>
+      <p:cxnSp>
+        <p:nvCxnSpPr>
+          <p:cNvPr id="15" name="Straight Connector 14"/>
+          <p:cNvCxnSpPr>
+            <a:stCxn id="32" idx="0"/>
+          </p:cNvCxnSpPr>
+          <p:nvPr/>
+        </p:nvCxnSpPr>
+        <p:spPr>
+          <a:xfrm flipH="1" flipV="1">
+            <a:off x="5685504" y="3338116"/>
+            <a:ext cx="36536" cy="694305"/>
+          </a:xfrm>
+          <a:prstGeom prst="line">
+            <a:avLst/>
+          </a:prstGeom>
+        </p:spPr>
+        <p:style>
+          <a:lnRef idx="1">
+            <a:schemeClr val="accent6"/>
+          </a:lnRef>
+          <a:fillRef idx="0">
+            <a:schemeClr val="accent6"/>
+          </a:fillRef>
+          <a:effectRef idx="0">
+            <a:schemeClr val="accent6"/>
+          </a:effectRef>
+          <a:fontRef idx="minor">
+            <a:schemeClr val="tx1"/>
+          </a:fontRef>
+        </p:style>
+      </p:cxnSp>
+      <p:sp>
+        <p:nvSpPr>
+          <p:cNvPr id="24" name="TextBox 23"/>
           <p:cNvSpPr txBox="1"/>
           <p:nvPr/>
         </p:nvSpPr>
         <p:spPr>
           <a:xfrm>
-            <a:off x="5023515" y="2366121"/>
-            <a:ext cx="1434435" cy="715581"/>
+            <a:off x="1988696" y="2280220"/>
+            <a:ext cx="1227802" cy="738664"/>
           </a:xfrm>
           <a:prstGeom prst="rect">
             <a:avLst/>
@@ -14884,17 +15866,2059 @@
           <a:lstStyle/>
           <a:p>
             <a:r>
+              <a:rPr lang="en-US" sz="1400" dirty="0" smtClean="0"/>
+              <a:t>Send get notification </a:t>
+            </a:r>
+            <a:r>
+              <a:rPr lang="en-US" sz="1400" dirty="0" smtClean="0"/>
+              <a:t>request</a:t>
+            </a:r>
+            <a:endParaRPr lang="en-US" sz="1400" dirty="0"/>
+          </a:p>
+        </p:txBody>
+      </p:sp>
+      <p:sp>
+        <p:nvSpPr>
+          <p:cNvPr id="25" name="TextBox 24"/>
+          <p:cNvSpPr txBox="1"/>
+          <p:nvPr/>
+        </p:nvSpPr>
+        <p:spPr>
+          <a:xfrm>
+            <a:off x="5007446" y="2649552"/>
+            <a:ext cx="1434435" cy="300082"/>
+          </a:xfrm>
+          <a:prstGeom prst="rect">
+            <a:avLst/>
+          </a:prstGeom>
+          <a:noFill/>
+        </p:spPr>
+        <p:txBody>
+          <a:bodyPr wrap="square" rtlCol="0">
+            <a:spAutoFit/>
+          </a:bodyPr>
+          <a:lstStyle/>
+          <a:p>
+            <a:r>
               <a:rPr lang="en-US" sz="1350" dirty="0"/>
-              <a:t>Get notification based on </a:t>
-            </a:r>
-            <a:r>
-              <a:rPr lang="en-US" sz="1350" dirty="0" err="1"/>
-              <a:t>accountId</a:t>
+              <a:t>Get </a:t>
+            </a:r>
+            <a:r>
+              <a:rPr lang="en-US" sz="1350" dirty="0" smtClean="0"/>
+              <a:t>notifications</a:t>
             </a:r>
             <a:endParaRPr lang="en-US" sz="1350" dirty="0"/>
           </a:p>
         </p:txBody>
       </p:sp>
+    </p:spTree>
+    <p:extLst>
+      <p:ext uri="{BB962C8B-B14F-4D97-AF65-F5344CB8AC3E}">
+        <p14:creationId xmlns:p14="http://schemas.microsoft.com/office/powerpoint/2010/main" val="2575826196"/>
+      </p:ext>
+    </p:extLst>
+  </p:cSld>
+  <p:clrMapOvr>
+    <a:masterClrMapping/>
+  </p:clrMapOvr>
+  <p:timing>
+    <p:tnLst>
+      <p:par>
+        <p:cTn id="1" dur="indefinite" restart="never" nodeType="tmRoot"/>
+      </p:par>
+    </p:tnLst>
+  </p:timing>
+</p:sld>
+</file>
+
+<file path=ppt/slides/slide14.xml><?xml version="1.0" encoding="utf-8"?>
+<p:sld xmlns:a="http://schemas.openxmlformats.org/drawingml/2006/main" xmlns:r="http://schemas.openxmlformats.org/officeDocument/2006/relationships" xmlns:p="http://schemas.openxmlformats.org/presentationml/2006/main">
+  <p:cSld>
+    <p:spTree>
+      <p:nvGrpSpPr>
+        <p:cNvPr id="1" name=""/>
+        <p:cNvGrpSpPr/>
+        <p:nvPr/>
+      </p:nvGrpSpPr>
+      <p:grpSpPr>
+        <a:xfrm>
+          <a:off x="0" y="0"/>
+          <a:ext cx="0" cy="0"/>
+          <a:chOff x="0" y="0"/>
+          <a:chExt cx="0" cy="0"/>
+        </a:xfrm>
+      </p:grpSpPr>
+      <p:sp>
+        <p:nvSpPr>
+          <p:cNvPr id="2" name="Slide Number Placeholder 1"/>
+          <p:cNvSpPr>
+            <a:spLocks noGrp="1"/>
+          </p:cNvSpPr>
+          <p:nvPr>
+            <p:ph type="sldNum" sz="quarter" idx="12"/>
+          </p:nvPr>
+        </p:nvSpPr>
+        <p:spPr/>
+        <p:txBody>
+          <a:bodyPr/>
+          <a:lstStyle/>
+          <a:p>
+            <a:fld id="{00000000-1234-1234-1234-123412341234}" type="slidenum">
+              <a:rPr lang="en" smtClean="0">
+                <a:solidFill>
+                  <a:srgbClr val="FFFFFF"/>
+                </a:solidFill>
+              </a:rPr>
+              <a:pPr/>
+              <a:t>14</a:t>
+            </a:fld>
+            <a:endParaRPr lang="en">
+              <a:solidFill>
+                <a:srgbClr val="FFFFFF"/>
+              </a:solidFill>
+            </a:endParaRPr>
+          </a:p>
+        </p:txBody>
+      </p:sp>
+      <p:sp>
+        <p:nvSpPr>
+          <p:cNvPr id="5" name="Shape 300"/>
+          <p:cNvSpPr txBox="1"/>
+          <p:nvPr/>
+        </p:nvSpPr>
+        <p:spPr>
+          <a:xfrm>
+            <a:off x="2141097" y="1229396"/>
+            <a:ext cx="5445104" cy="800351"/>
+          </a:xfrm>
+          <a:prstGeom prst="rect">
+            <a:avLst/>
+          </a:prstGeom>
+          <a:noFill/>
+          <a:ln>
+            <a:noFill/>
+          </a:ln>
+        </p:spPr>
+        <p:txBody>
+          <a:bodyPr lIns="68569" tIns="68569" rIns="68569" bIns="68569" anchor="ctr" anchorCtr="0">
+            <a:noAutofit/>
+          </a:bodyPr>
+          <a:lstStyle/>
+          <a:p>
+            <a:pPr algn="ctr">
+              <a:buClr>
+                <a:srgbClr val="000000"/>
+              </a:buClr>
+              <a:buSzPct val="25000"/>
+              <a:buFont typeface="Arial"/>
+              <a:buNone/>
+            </a:pPr>
+            <a:r>
+              <a:rPr lang="en-US" sz="3300" b="1" kern="0" dirty="0">
+                <a:solidFill>
+                  <a:srgbClr val="00B050"/>
+                </a:solidFill>
+                <a:cs typeface="Arial"/>
+                <a:sym typeface="Arial"/>
+                <a:rtl val="0"/>
+              </a:rPr>
+              <a:t>Check notification of patient</a:t>
+            </a:r>
+          </a:p>
+        </p:txBody>
+      </p:sp>
+      <p:grpSp>
+        <p:nvGrpSpPr>
+          <p:cNvPr id="12" name="Shape 1634"/>
+          <p:cNvGrpSpPr/>
+          <p:nvPr/>
+        </p:nvGrpSpPr>
+        <p:grpSpPr>
+          <a:xfrm>
+            <a:off x="618218" y="2628753"/>
+            <a:ext cx="1306448" cy="1281412"/>
+            <a:chOff x="2711675" y="2364825"/>
+            <a:chExt cx="2695799" cy="2900699"/>
+          </a:xfrm>
+        </p:grpSpPr>
+        <p:sp>
+          <p:nvSpPr>
+            <p:cNvPr id="13" name="Shape 1635"/>
+            <p:cNvSpPr/>
+            <p:nvPr/>
+          </p:nvSpPr>
+          <p:spPr>
+            <a:xfrm>
+              <a:off x="2711675" y="2364825"/>
+              <a:ext cx="2695799" cy="2900699"/>
+            </a:xfrm>
+            <a:prstGeom prst="roundRect">
+              <a:avLst>
+                <a:gd name="adj" fmla="val 16667"/>
+              </a:avLst>
+            </a:prstGeom>
+            <a:solidFill>
+              <a:srgbClr val="93C47D"/>
+            </a:solidFill>
+            <a:ln w="38100" cap="flat" cmpd="sng">
+              <a:solidFill>
+                <a:srgbClr val="38761D"/>
+              </a:solidFill>
+              <a:prstDash val="solid"/>
+              <a:round/>
+              <a:headEnd type="none" w="med" len="med"/>
+              <a:tailEnd type="none" w="med" len="med"/>
+            </a:ln>
+          </p:spPr>
+          <p:txBody>
+            <a:bodyPr lIns="68569" tIns="68569" rIns="68569" bIns="68569" anchor="ctr" anchorCtr="0">
+              <a:noAutofit/>
+            </a:bodyPr>
+            <a:lstStyle/>
+            <a:p>
+              <a:endParaRPr sz="1350"/>
+            </a:p>
+          </p:txBody>
+        </p:sp>
+        <p:pic>
+          <p:nvPicPr>
+            <p:cNvPr id="17" name="Shape 1636"/>
+            <p:cNvPicPr preferRelativeResize="0"/>
+            <p:nvPr/>
+          </p:nvPicPr>
+          <p:blipFill>
+            <a:blip r:embed="rId3">
+              <a:alphaModFix/>
+            </a:blip>
+            <a:stretch>
+              <a:fillRect/>
+            </a:stretch>
+          </p:blipFill>
+          <p:spPr>
+            <a:xfrm>
+              <a:off x="3143250" y="2892975"/>
+              <a:ext cx="1964775" cy="1964775"/>
+            </a:xfrm>
+            <a:prstGeom prst="rect">
+              <a:avLst/>
+            </a:prstGeom>
+            <a:noFill/>
+            <a:ln>
+              <a:noFill/>
+            </a:ln>
+          </p:spPr>
+        </p:pic>
+      </p:grpSp>
+      <p:sp>
+        <p:nvSpPr>
+          <p:cNvPr id="19" name="Shape 1682"/>
+          <p:cNvSpPr/>
+          <p:nvPr/>
+        </p:nvSpPr>
+        <p:spPr>
+          <a:xfrm>
+            <a:off x="3264146" y="2627276"/>
+            <a:ext cx="1743300" cy="1274850"/>
+          </a:xfrm>
+          <a:prstGeom prst="roundRect">
+            <a:avLst>
+              <a:gd name="adj" fmla="val 16667"/>
+            </a:avLst>
+          </a:prstGeom>
+          <a:solidFill>
+            <a:schemeClr val="accent6"/>
+          </a:solidFill>
+          <a:ln w="19050" cap="flat" cmpd="sng">
+            <a:solidFill>
+              <a:srgbClr val="F1C232"/>
+            </a:solidFill>
+            <a:prstDash val="solid"/>
+            <a:round/>
+            <a:headEnd type="none" w="med" len="med"/>
+            <a:tailEnd type="none" w="med" len="med"/>
+          </a:ln>
+        </p:spPr>
+        <p:txBody>
+          <a:bodyPr lIns="68569" tIns="68569" rIns="68569" bIns="68569" anchor="ctr" anchorCtr="0">
+            <a:noAutofit/>
+          </a:bodyPr>
+          <a:lstStyle/>
+          <a:p>
+            <a:pPr algn="ctr"/>
+            <a:endParaRPr sz="1350" b="1" dirty="0">
+              <a:latin typeface="+mj-lt"/>
+            </a:endParaRPr>
+          </a:p>
+          <a:p>
+            <a:pPr algn="ctr"/>
+            <a:endParaRPr sz="1350" b="1" dirty="0">
+              <a:latin typeface="+mj-lt"/>
+            </a:endParaRPr>
+          </a:p>
+          <a:p>
+            <a:pPr algn="ctr"/>
+            <a:endParaRPr sz="1350" b="1" dirty="0">
+              <a:latin typeface="+mj-lt"/>
+            </a:endParaRPr>
+          </a:p>
+          <a:p>
+            <a:pPr algn="ctr"/>
+            <a:r>
+              <a:rPr lang="en" sz="1350" b="1" dirty="0">
+                <a:cs typeface="Arial" panose="020B0604020202020204" pitchFamily="34" charset="0"/>
+              </a:rPr>
+              <a:t>Web Application</a:t>
+            </a:r>
+          </a:p>
+          <a:p>
+            <a:pPr algn="ctr"/>
+            <a:r>
+              <a:rPr lang="en" sz="1350" b="1" dirty="0">
+                <a:cs typeface="Arial" panose="020B0604020202020204" pitchFamily="34" charset="0"/>
+              </a:rPr>
+              <a:t>(Server side)</a:t>
+            </a:r>
+          </a:p>
+        </p:txBody>
+      </p:sp>
+      <p:pic>
+        <p:nvPicPr>
+          <p:cNvPr id="20" name="Shape 1696"/>
+          <p:cNvPicPr preferRelativeResize="0"/>
+          <p:nvPr/>
+        </p:nvPicPr>
+        <p:blipFill>
+          <a:blip r:embed="rId4">
+            <a:alphaModFix/>
+          </a:blip>
+          <a:stretch>
+            <a:fillRect/>
+          </a:stretch>
+        </p:blipFill>
+        <p:spPr>
+          <a:xfrm>
+            <a:off x="3879315" y="2660459"/>
+            <a:ext cx="599201" cy="716850"/>
+          </a:xfrm>
+          <a:prstGeom prst="rect">
+            <a:avLst/>
+          </a:prstGeom>
+          <a:noFill/>
+          <a:ln>
+            <a:noFill/>
+          </a:ln>
+        </p:spPr>
+      </p:pic>
+      <p:cxnSp>
+        <p:nvCxnSpPr>
+          <p:cNvPr id="8" name="Straight Arrow Connector 7"/>
+          <p:cNvCxnSpPr>
+            <a:cxnSpLocks/>
+          </p:cNvCxnSpPr>
+          <p:nvPr/>
+        </p:nvCxnSpPr>
+        <p:spPr>
+          <a:xfrm flipV="1">
+            <a:off x="1935727" y="3098779"/>
+            <a:ext cx="1339481" cy="4758"/>
+          </a:xfrm>
+          <a:prstGeom prst="straightConnector1">
+            <a:avLst/>
+          </a:prstGeom>
+          <a:ln w="88900">
+            <a:solidFill>
+              <a:schemeClr val="accent6"/>
+            </a:solidFill>
+            <a:tailEnd type="triangle"/>
+          </a:ln>
+        </p:spPr>
+        <p:style>
+          <a:lnRef idx="1">
+            <a:schemeClr val="accent1"/>
+          </a:lnRef>
+          <a:fillRef idx="0">
+            <a:schemeClr val="accent1"/>
+          </a:fillRef>
+          <a:effectRef idx="0">
+            <a:schemeClr val="accent1"/>
+          </a:effectRef>
+          <a:fontRef idx="minor">
+            <a:schemeClr val="tx1"/>
+          </a:fontRef>
+        </p:style>
+      </p:cxnSp>
+      <p:pic>
+        <p:nvPicPr>
+          <p:cNvPr id="22" name="Picture 21"/>
+          <p:cNvPicPr>
+            <a:picLocks noChangeAspect="1"/>
+          </p:cNvPicPr>
+          <p:nvPr/>
+        </p:nvPicPr>
+        <p:blipFill>
+          <a:blip r:embed="rId5">
+            <a:extLst>
+              <a:ext uri="{28A0092B-C50C-407E-A947-70E740481C1C}">
+                <a14:useLocalDpi xmlns:a14="http://schemas.microsoft.com/office/drawing/2010/main" val="0"/>
+              </a:ext>
+            </a:extLst>
+          </a:blip>
+          <a:stretch>
+            <a:fillRect/>
+          </a:stretch>
+        </p:blipFill>
+        <p:spPr>
+          <a:xfrm>
+            <a:off x="6346927" y="2619238"/>
+            <a:ext cx="1282889" cy="1282889"/>
+          </a:xfrm>
+          <a:prstGeom prst="rect">
+            <a:avLst/>
+          </a:prstGeom>
+        </p:spPr>
+      </p:pic>
+      <p:cxnSp>
+        <p:nvCxnSpPr>
+          <p:cNvPr id="23" name="Straight Arrow Connector 22"/>
+          <p:cNvCxnSpPr>
+            <a:cxnSpLocks/>
+          </p:cNvCxnSpPr>
+          <p:nvPr/>
+        </p:nvCxnSpPr>
+        <p:spPr>
+          <a:xfrm>
+            <a:off x="5049502" y="3098779"/>
+            <a:ext cx="1408448" cy="0"/>
+          </a:xfrm>
+          <a:prstGeom prst="straightConnector1">
+            <a:avLst/>
+          </a:prstGeom>
+          <a:ln w="88900">
+            <a:solidFill>
+              <a:schemeClr val="accent6"/>
+            </a:solidFill>
+            <a:tailEnd type="triangle"/>
+          </a:ln>
+        </p:spPr>
+        <p:style>
+          <a:lnRef idx="1">
+            <a:schemeClr val="accent1"/>
+          </a:lnRef>
+          <a:fillRef idx="0">
+            <a:schemeClr val="accent1"/>
+          </a:fillRef>
+          <a:effectRef idx="0">
+            <a:schemeClr val="accent1"/>
+          </a:effectRef>
+          <a:fontRef idx="minor">
+            <a:schemeClr val="tx1"/>
+          </a:fontRef>
+        </p:style>
+      </p:cxnSp>
+      <p:cxnSp>
+        <p:nvCxnSpPr>
+          <p:cNvPr id="14" name="Straight Arrow Connector 13"/>
+          <p:cNvCxnSpPr>
+            <a:cxnSpLocks/>
+          </p:cNvCxnSpPr>
+          <p:nvPr/>
+        </p:nvCxnSpPr>
+        <p:spPr>
+          <a:xfrm flipH="1">
+            <a:off x="5007446" y="3338116"/>
+            <a:ext cx="1339481" cy="4019"/>
+          </a:xfrm>
+          <a:prstGeom prst="straightConnector1">
+            <a:avLst/>
+          </a:prstGeom>
+          <a:ln w="88900">
+            <a:solidFill>
+              <a:schemeClr val="accent6"/>
+            </a:solidFill>
+            <a:tailEnd type="triangle"/>
+          </a:ln>
+        </p:spPr>
+        <p:style>
+          <a:lnRef idx="1">
+            <a:schemeClr val="accent1"/>
+          </a:lnRef>
+          <a:fillRef idx="0">
+            <a:schemeClr val="accent1"/>
+          </a:fillRef>
+          <a:effectRef idx="0">
+            <a:schemeClr val="accent1"/>
+          </a:effectRef>
+          <a:fontRef idx="minor">
+            <a:schemeClr val="tx1"/>
+          </a:fontRef>
+        </p:style>
+      </p:cxnSp>
+      <p:cxnSp>
+        <p:nvCxnSpPr>
+          <p:cNvPr id="21" name="Straight Arrow Connector 20"/>
+          <p:cNvCxnSpPr>
+            <a:cxnSpLocks/>
+          </p:cNvCxnSpPr>
+          <p:nvPr/>
+        </p:nvCxnSpPr>
+        <p:spPr>
+          <a:xfrm flipH="1">
+            <a:off x="1935733" y="3478363"/>
+            <a:ext cx="1339481" cy="4019"/>
+          </a:xfrm>
+          <a:prstGeom prst="straightConnector1">
+            <a:avLst/>
+          </a:prstGeom>
+          <a:ln w="88900">
+            <a:solidFill>
+              <a:schemeClr val="accent6"/>
+            </a:solidFill>
+            <a:tailEnd type="triangle"/>
+          </a:ln>
+        </p:spPr>
+        <p:style>
+          <a:lnRef idx="1">
+            <a:schemeClr val="accent1"/>
+          </a:lnRef>
+          <a:fillRef idx="0">
+            <a:schemeClr val="accent1"/>
+          </a:fillRef>
+          <a:effectRef idx="0">
+            <a:schemeClr val="accent1"/>
+          </a:effectRef>
+          <a:fontRef idx="minor">
+            <a:schemeClr val="tx1"/>
+          </a:fontRef>
+        </p:style>
+      </p:cxnSp>
+      <p:grpSp>
+        <p:nvGrpSpPr>
+          <p:cNvPr id="30" name="Shape 688"/>
+          <p:cNvGrpSpPr/>
+          <p:nvPr/>
+        </p:nvGrpSpPr>
+        <p:grpSpPr>
+          <a:xfrm>
+            <a:off x="4986128" y="4032421"/>
+            <a:ext cx="1471823" cy="1592092"/>
+            <a:chOff x="4336150" y="2339323"/>
+            <a:chExt cx="1814399" cy="1044951"/>
+          </a:xfrm>
+          <a:solidFill>
+            <a:schemeClr val="accent6"/>
+          </a:solidFill>
+        </p:grpSpPr>
+        <p:sp>
+          <p:nvSpPr>
+            <p:cNvPr id="31" name="Shape 689"/>
+            <p:cNvSpPr/>
+            <p:nvPr/>
+          </p:nvSpPr>
+          <p:spPr>
+            <a:xfrm>
+              <a:off x="4336150" y="2708975"/>
+              <a:ext cx="1814399" cy="675299"/>
+            </a:xfrm>
+            <a:prstGeom prst="rect">
+              <a:avLst/>
+            </a:prstGeom>
+            <a:ln>
+              <a:headEnd type="none" w="med" len="med"/>
+              <a:tailEnd type="none" w="med" len="med"/>
+            </a:ln>
+          </p:spPr>
+          <p:style>
+            <a:lnRef idx="2">
+              <a:schemeClr val="accent6">
+                <a:shade val="50000"/>
+              </a:schemeClr>
+            </a:lnRef>
+            <a:fillRef idx="1">
+              <a:schemeClr val="accent6"/>
+            </a:fillRef>
+            <a:effectRef idx="0">
+              <a:schemeClr val="accent6"/>
+            </a:effectRef>
+            <a:fontRef idx="minor">
+              <a:schemeClr val="lt1"/>
+            </a:fontRef>
+          </p:style>
+          <p:txBody>
+            <a:bodyPr lIns="68569" tIns="68569" rIns="68569" bIns="68569" anchor="t" anchorCtr="0">
+              <a:noAutofit/>
+            </a:bodyPr>
+            <a:lstStyle/>
+            <a:p>
+              <a:pPr defTabSz="685800"/>
+              <a:r>
+                <a:rPr lang="en-US" sz="1500" kern="0" dirty="0">
+                  <a:solidFill>
+                    <a:schemeClr val="tx1"/>
+                  </a:solidFill>
+                  <a:latin typeface="Arial"/>
+                  <a:cs typeface="Arial"/>
+                  <a:sym typeface="Arial"/>
+                  <a:rtl val="0"/>
+                </a:rPr>
+                <a:t>r</a:t>
+              </a:r>
+              <a:r>
+                <a:rPr lang="en" sz="1500" kern="0" dirty="0">
+                  <a:solidFill>
+                    <a:schemeClr val="tx1"/>
+                  </a:solidFill>
+                  <a:latin typeface="Arial"/>
+                  <a:cs typeface="Arial"/>
+                  <a:sym typeface="Arial"/>
+                  <a:rtl val="0"/>
+                </a:rPr>
+                <a:t>eceiverId</a:t>
+              </a:r>
+            </a:p>
+            <a:p>
+              <a:pPr defTabSz="685800"/>
+              <a:r>
+                <a:rPr lang="en-US" sz="1500" b="1" kern="0" dirty="0">
+                  <a:solidFill>
+                    <a:srgbClr val="FF0000"/>
+                  </a:solidFill>
+                  <a:latin typeface="Arial"/>
+                  <a:cs typeface="Arial"/>
+                  <a:sym typeface="Arial"/>
+                  <a:rtl val="0"/>
+                </a:rPr>
+                <a:t>t</a:t>
+              </a:r>
+              <a:r>
+                <a:rPr lang="en" sz="1500" b="1" kern="0" dirty="0">
+                  <a:solidFill>
+                    <a:srgbClr val="FF0000"/>
+                  </a:solidFill>
+                  <a:latin typeface="Arial"/>
+                  <a:cs typeface="Arial"/>
+                  <a:sym typeface="Arial"/>
+                  <a:rtl val="0"/>
+                </a:rPr>
+                <a:t>ype</a:t>
+              </a:r>
+            </a:p>
+            <a:p>
+              <a:pPr defTabSz="685800"/>
+              <a:r>
+                <a:rPr lang="en-US" sz="1500" kern="0" dirty="0">
+                  <a:solidFill>
+                    <a:srgbClr val="000000"/>
+                  </a:solidFill>
+                  <a:latin typeface="Arial"/>
+                  <a:cs typeface="Arial"/>
+                  <a:sym typeface="Arial"/>
+                  <a:rtl val="0"/>
+                </a:rPr>
+                <a:t>s</a:t>
+              </a:r>
+              <a:r>
+                <a:rPr lang="en" sz="1500" kern="0" dirty="0">
+                  <a:solidFill>
+                    <a:srgbClr val="000000"/>
+                  </a:solidFill>
+                  <a:latin typeface="Arial"/>
+                  <a:cs typeface="Arial"/>
+                  <a:sym typeface="Arial"/>
+                  <a:rtl val="0"/>
+                </a:rPr>
+                <a:t>tatus</a:t>
+              </a:r>
+            </a:p>
+            <a:p>
+              <a:pPr defTabSz="685800"/>
+              <a:r>
+                <a:rPr lang="en" sz="1500" kern="0" dirty="0">
+                  <a:solidFill>
+                    <a:srgbClr val="000000"/>
+                  </a:solidFill>
+                  <a:latin typeface="Arial"/>
+                  <a:cs typeface="Arial"/>
+                  <a:sym typeface="Arial"/>
+                  <a:rtl val="0"/>
+                </a:rPr>
+                <a:t>…</a:t>
+              </a:r>
+            </a:p>
+          </p:txBody>
+        </p:sp>
+        <p:sp>
+          <p:nvSpPr>
+            <p:cNvPr id="32" name="Shape 690"/>
+            <p:cNvSpPr/>
+            <p:nvPr/>
+          </p:nvSpPr>
+          <p:spPr>
+            <a:xfrm>
+              <a:off x="4336150" y="2339323"/>
+              <a:ext cx="1814399" cy="362999"/>
+            </a:xfrm>
+            <a:prstGeom prst="rect">
+              <a:avLst/>
+            </a:prstGeom>
+            <a:ln>
+              <a:headEnd type="none" w="med" len="med"/>
+              <a:tailEnd type="none" w="med" len="med"/>
+            </a:ln>
+          </p:spPr>
+          <p:style>
+            <a:lnRef idx="2">
+              <a:schemeClr val="accent6">
+                <a:shade val="50000"/>
+              </a:schemeClr>
+            </a:lnRef>
+            <a:fillRef idx="1">
+              <a:schemeClr val="accent6"/>
+            </a:fillRef>
+            <a:effectRef idx="0">
+              <a:schemeClr val="accent6"/>
+            </a:effectRef>
+            <a:fontRef idx="minor">
+              <a:schemeClr val="lt1"/>
+            </a:fontRef>
+          </p:style>
+          <p:txBody>
+            <a:bodyPr lIns="68569" tIns="68569" rIns="68569" bIns="68569" anchor="ctr" anchorCtr="0">
+              <a:noAutofit/>
+            </a:bodyPr>
+            <a:lstStyle/>
+            <a:p>
+              <a:pPr defTabSz="685800"/>
+              <a:r>
+                <a:rPr lang="en" b="1" kern="0" dirty="0">
+                  <a:solidFill>
+                    <a:srgbClr val="000000"/>
+                  </a:solidFill>
+                  <a:latin typeface="Arial"/>
+                  <a:cs typeface="Arial"/>
+                  <a:sym typeface="Arial"/>
+                  <a:rtl val="0"/>
+                </a:rPr>
+                <a:t>Notify</a:t>
+              </a:r>
+              <a:endParaRPr lang="en" sz="1050" b="1" kern="0" dirty="0">
+                <a:solidFill>
+                  <a:srgbClr val="000000"/>
+                </a:solidFill>
+                <a:latin typeface="Arial"/>
+                <a:cs typeface="Arial"/>
+                <a:sym typeface="Arial"/>
+                <a:rtl val="0"/>
+              </a:endParaRPr>
+            </a:p>
+          </p:txBody>
+        </p:sp>
+      </p:grpSp>
+      <p:cxnSp>
+        <p:nvCxnSpPr>
+          <p:cNvPr id="15" name="Straight Connector 14"/>
+          <p:cNvCxnSpPr>
+            <a:stCxn id="32" idx="0"/>
+          </p:cNvCxnSpPr>
+          <p:nvPr/>
+        </p:nvCxnSpPr>
+        <p:spPr>
+          <a:xfrm flipH="1" flipV="1">
+            <a:off x="5685504" y="3338116"/>
+            <a:ext cx="36536" cy="694305"/>
+          </a:xfrm>
+          <a:prstGeom prst="line">
+            <a:avLst/>
+          </a:prstGeom>
+        </p:spPr>
+        <p:style>
+          <a:lnRef idx="1">
+            <a:schemeClr val="accent6"/>
+          </a:lnRef>
+          <a:fillRef idx="0">
+            <a:schemeClr val="accent6"/>
+          </a:fillRef>
+          <a:effectRef idx="0">
+            <a:schemeClr val="accent6"/>
+          </a:effectRef>
+          <a:fontRef idx="minor">
+            <a:schemeClr val="tx1"/>
+          </a:fontRef>
+        </p:style>
+      </p:cxnSp>
+      <p:sp>
+        <p:nvSpPr>
+          <p:cNvPr id="24" name="TextBox 23"/>
+          <p:cNvSpPr txBox="1"/>
+          <p:nvPr/>
+        </p:nvSpPr>
+        <p:spPr>
+          <a:xfrm>
+            <a:off x="1988696" y="2280220"/>
+            <a:ext cx="1227802" cy="738664"/>
+          </a:xfrm>
+          <a:prstGeom prst="rect">
+            <a:avLst/>
+          </a:prstGeom>
+          <a:noFill/>
+        </p:spPr>
+        <p:txBody>
+          <a:bodyPr wrap="square" rtlCol="0">
+            <a:spAutoFit/>
+          </a:bodyPr>
+          <a:lstStyle/>
+          <a:p>
+            <a:r>
+              <a:rPr lang="en-US" sz="1400" dirty="0" smtClean="0"/>
+              <a:t>Send get notification </a:t>
+            </a:r>
+            <a:r>
+              <a:rPr lang="en-US" sz="1400" dirty="0" smtClean="0"/>
+              <a:t>request</a:t>
+            </a:r>
+            <a:endParaRPr lang="en-US" sz="1400" dirty="0"/>
+          </a:p>
+        </p:txBody>
+      </p:sp>
+      <p:sp>
+        <p:nvSpPr>
+          <p:cNvPr id="25" name="TextBox 24"/>
+          <p:cNvSpPr txBox="1"/>
+          <p:nvPr/>
+        </p:nvSpPr>
+        <p:spPr>
+          <a:xfrm>
+            <a:off x="5007446" y="2649552"/>
+            <a:ext cx="1434435" cy="300082"/>
+          </a:xfrm>
+          <a:prstGeom prst="rect">
+            <a:avLst/>
+          </a:prstGeom>
+          <a:noFill/>
+        </p:spPr>
+        <p:txBody>
+          <a:bodyPr wrap="square" rtlCol="0">
+            <a:spAutoFit/>
+          </a:bodyPr>
+          <a:lstStyle/>
+          <a:p>
+            <a:r>
+              <a:rPr lang="en-US" sz="1350" dirty="0"/>
+              <a:t>Get </a:t>
+            </a:r>
+            <a:r>
+              <a:rPr lang="en-US" sz="1350" dirty="0" smtClean="0"/>
+              <a:t>notifications</a:t>
+            </a:r>
+            <a:endParaRPr lang="en-US" sz="1350" dirty="0"/>
+          </a:p>
+        </p:txBody>
+      </p:sp>
+    </p:spTree>
+    <p:extLst>
+      <p:ext uri="{BB962C8B-B14F-4D97-AF65-F5344CB8AC3E}">
+        <p14:creationId xmlns:p14="http://schemas.microsoft.com/office/powerpoint/2010/main" val="3327964330"/>
+      </p:ext>
+    </p:extLst>
+  </p:cSld>
+  <p:clrMapOvr>
+    <a:masterClrMapping/>
+  </p:clrMapOvr>
+  <p:timing>
+    <p:tnLst>
+      <p:par>
+        <p:cTn id="1" dur="indefinite" restart="never" nodeType="tmRoot"/>
+      </p:par>
+    </p:tnLst>
+  </p:timing>
+</p:sld>
+</file>
+
+<file path=ppt/slides/slide15.xml><?xml version="1.0" encoding="utf-8"?>
+<p:sld xmlns:a="http://schemas.openxmlformats.org/drawingml/2006/main" xmlns:r="http://schemas.openxmlformats.org/officeDocument/2006/relationships" xmlns:p="http://schemas.openxmlformats.org/presentationml/2006/main">
+  <p:cSld>
+    <p:spTree>
+      <p:nvGrpSpPr>
+        <p:cNvPr id="1" name=""/>
+        <p:cNvGrpSpPr/>
+        <p:nvPr/>
+      </p:nvGrpSpPr>
+      <p:grpSpPr>
+        <a:xfrm>
+          <a:off x="0" y="0"/>
+          <a:ext cx="0" cy="0"/>
+          <a:chOff x="0" y="0"/>
+          <a:chExt cx="0" cy="0"/>
+        </a:xfrm>
+      </p:grpSpPr>
+      <p:sp>
+        <p:nvSpPr>
+          <p:cNvPr id="2" name="Slide Number Placeholder 1"/>
+          <p:cNvSpPr>
+            <a:spLocks noGrp="1"/>
+          </p:cNvSpPr>
+          <p:nvPr>
+            <p:ph type="sldNum" sz="quarter" idx="12"/>
+          </p:nvPr>
+        </p:nvSpPr>
+        <p:spPr/>
+        <p:txBody>
+          <a:bodyPr/>
+          <a:lstStyle/>
+          <a:p>
+            <a:fld id="{00000000-1234-1234-1234-123412341234}" type="slidenum">
+              <a:rPr lang="en" smtClean="0">
+                <a:solidFill>
+                  <a:srgbClr val="FFFFFF"/>
+                </a:solidFill>
+              </a:rPr>
+              <a:pPr/>
+              <a:t>15</a:t>
+            </a:fld>
+            <a:endParaRPr lang="en">
+              <a:solidFill>
+                <a:srgbClr val="FFFFFF"/>
+              </a:solidFill>
+            </a:endParaRPr>
+          </a:p>
+        </p:txBody>
+      </p:sp>
+      <p:sp>
+        <p:nvSpPr>
+          <p:cNvPr id="5" name="Shape 300"/>
+          <p:cNvSpPr txBox="1"/>
+          <p:nvPr/>
+        </p:nvSpPr>
+        <p:spPr>
+          <a:xfrm>
+            <a:off x="2141097" y="1229396"/>
+            <a:ext cx="5445104" cy="800351"/>
+          </a:xfrm>
+          <a:prstGeom prst="rect">
+            <a:avLst/>
+          </a:prstGeom>
+          <a:noFill/>
+          <a:ln>
+            <a:noFill/>
+          </a:ln>
+        </p:spPr>
+        <p:txBody>
+          <a:bodyPr lIns="68569" tIns="68569" rIns="68569" bIns="68569" anchor="ctr" anchorCtr="0">
+            <a:noAutofit/>
+          </a:bodyPr>
+          <a:lstStyle/>
+          <a:p>
+            <a:pPr algn="ctr">
+              <a:buClr>
+                <a:srgbClr val="000000"/>
+              </a:buClr>
+              <a:buSzPct val="25000"/>
+              <a:buFont typeface="Arial"/>
+              <a:buNone/>
+            </a:pPr>
+            <a:r>
+              <a:rPr lang="en-US" sz="3300" b="1" kern="0" dirty="0">
+                <a:solidFill>
+                  <a:srgbClr val="00B050"/>
+                </a:solidFill>
+                <a:cs typeface="Arial"/>
+                <a:sym typeface="Arial"/>
+                <a:rtl val="0"/>
+              </a:rPr>
+              <a:t>Check notification of patient</a:t>
+            </a:r>
+          </a:p>
+        </p:txBody>
+      </p:sp>
+      <p:grpSp>
+        <p:nvGrpSpPr>
+          <p:cNvPr id="12" name="Shape 1634"/>
+          <p:cNvGrpSpPr/>
+          <p:nvPr/>
+        </p:nvGrpSpPr>
+        <p:grpSpPr>
+          <a:xfrm>
+            <a:off x="618218" y="2628753"/>
+            <a:ext cx="1306448" cy="1281412"/>
+            <a:chOff x="2711675" y="2364825"/>
+            <a:chExt cx="2695799" cy="2900699"/>
+          </a:xfrm>
+        </p:grpSpPr>
+        <p:sp>
+          <p:nvSpPr>
+            <p:cNvPr id="13" name="Shape 1635"/>
+            <p:cNvSpPr/>
+            <p:nvPr/>
+          </p:nvSpPr>
+          <p:spPr>
+            <a:xfrm>
+              <a:off x="2711675" y="2364825"/>
+              <a:ext cx="2695799" cy="2900699"/>
+            </a:xfrm>
+            <a:prstGeom prst="roundRect">
+              <a:avLst>
+                <a:gd name="adj" fmla="val 16667"/>
+              </a:avLst>
+            </a:prstGeom>
+            <a:solidFill>
+              <a:srgbClr val="93C47D"/>
+            </a:solidFill>
+            <a:ln w="38100" cap="flat" cmpd="sng">
+              <a:solidFill>
+                <a:srgbClr val="38761D"/>
+              </a:solidFill>
+              <a:prstDash val="solid"/>
+              <a:round/>
+              <a:headEnd type="none" w="med" len="med"/>
+              <a:tailEnd type="none" w="med" len="med"/>
+            </a:ln>
+          </p:spPr>
+          <p:txBody>
+            <a:bodyPr lIns="68569" tIns="68569" rIns="68569" bIns="68569" anchor="ctr" anchorCtr="0">
+              <a:noAutofit/>
+            </a:bodyPr>
+            <a:lstStyle/>
+            <a:p>
+              <a:endParaRPr sz="1350"/>
+            </a:p>
+          </p:txBody>
+        </p:sp>
+        <p:pic>
+          <p:nvPicPr>
+            <p:cNvPr id="17" name="Shape 1636"/>
+            <p:cNvPicPr preferRelativeResize="0"/>
+            <p:nvPr/>
+          </p:nvPicPr>
+          <p:blipFill>
+            <a:blip r:embed="rId3">
+              <a:alphaModFix/>
+            </a:blip>
+            <a:stretch>
+              <a:fillRect/>
+            </a:stretch>
+          </p:blipFill>
+          <p:spPr>
+            <a:xfrm>
+              <a:off x="3143250" y="2892975"/>
+              <a:ext cx="1964775" cy="1964775"/>
+            </a:xfrm>
+            <a:prstGeom prst="rect">
+              <a:avLst/>
+            </a:prstGeom>
+            <a:noFill/>
+            <a:ln>
+              <a:noFill/>
+            </a:ln>
+          </p:spPr>
+        </p:pic>
+      </p:grpSp>
+      <p:sp>
+        <p:nvSpPr>
+          <p:cNvPr id="19" name="Shape 1682"/>
+          <p:cNvSpPr/>
+          <p:nvPr/>
+        </p:nvSpPr>
+        <p:spPr>
+          <a:xfrm>
+            <a:off x="3264146" y="2627276"/>
+            <a:ext cx="1743300" cy="1274850"/>
+          </a:xfrm>
+          <a:prstGeom prst="roundRect">
+            <a:avLst>
+              <a:gd name="adj" fmla="val 16667"/>
+            </a:avLst>
+          </a:prstGeom>
+          <a:solidFill>
+            <a:schemeClr val="accent6"/>
+          </a:solidFill>
+          <a:ln w="19050" cap="flat" cmpd="sng">
+            <a:solidFill>
+              <a:srgbClr val="F1C232"/>
+            </a:solidFill>
+            <a:prstDash val="solid"/>
+            <a:round/>
+            <a:headEnd type="none" w="med" len="med"/>
+            <a:tailEnd type="none" w="med" len="med"/>
+          </a:ln>
+        </p:spPr>
+        <p:txBody>
+          <a:bodyPr lIns="68569" tIns="68569" rIns="68569" bIns="68569" anchor="ctr" anchorCtr="0">
+            <a:noAutofit/>
+          </a:bodyPr>
+          <a:lstStyle/>
+          <a:p>
+            <a:pPr algn="ctr"/>
+            <a:endParaRPr sz="1350" b="1" dirty="0">
+              <a:latin typeface="+mj-lt"/>
+            </a:endParaRPr>
+          </a:p>
+          <a:p>
+            <a:pPr algn="ctr"/>
+            <a:endParaRPr sz="1350" b="1" dirty="0">
+              <a:latin typeface="+mj-lt"/>
+            </a:endParaRPr>
+          </a:p>
+          <a:p>
+            <a:pPr algn="ctr"/>
+            <a:endParaRPr sz="1350" b="1" dirty="0">
+              <a:latin typeface="+mj-lt"/>
+            </a:endParaRPr>
+          </a:p>
+          <a:p>
+            <a:pPr algn="ctr"/>
+            <a:r>
+              <a:rPr lang="en" sz="1350" b="1" dirty="0">
+                <a:cs typeface="Arial" panose="020B0604020202020204" pitchFamily="34" charset="0"/>
+              </a:rPr>
+              <a:t>Web Application</a:t>
+            </a:r>
+          </a:p>
+          <a:p>
+            <a:pPr algn="ctr"/>
+            <a:r>
+              <a:rPr lang="en" sz="1350" b="1" dirty="0">
+                <a:cs typeface="Arial" panose="020B0604020202020204" pitchFamily="34" charset="0"/>
+              </a:rPr>
+              <a:t>(Server side)</a:t>
+            </a:r>
+          </a:p>
+        </p:txBody>
+      </p:sp>
+      <p:pic>
+        <p:nvPicPr>
+          <p:cNvPr id="20" name="Shape 1696"/>
+          <p:cNvPicPr preferRelativeResize="0"/>
+          <p:nvPr/>
+        </p:nvPicPr>
+        <p:blipFill>
+          <a:blip r:embed="rId4">
+            <a:alphaModFix/>
+          </a:blip>
+          <a:stretch>
+            <a:fillRect/>
+          </a:stretch>
+        </p:blipFill>
+        <p:spPr>
+          <a:xfrm>
+            <a:off x="3879315" y="2660459"/>
+            <a:ext cx="599201" cy="716850"/>
+          </a:xfrm>
+          <a:prstGeom prst="rect">
+            <a:avLst/>
+          </a:prstGeom>
+          <a:noFill/>
+          <a:ln>
+            <a:noFill/>
+          </a:ln>
+        </p:spPr>
+      </p:pic>
+      <p:cxnSp>
+        <p:nvCxnSpPr>
+          <p:cNvPr id="8" name="Straight Arrow Connector 7"/>
+          <p:cNvCxnSpPr>
+            <a:cxnSpLocks/>
+          </p:cNvCxnSpPr>
+          <p:nvPr/>
+        </p:nvCxnSpPr>
+        <p:spPr>
+          <a:xfrm flipV="1">
+            <a:off x="1935727" y="3098779"/>
+            <a:ext cx="1339481" cy="4758"/>
+          </a:xfrm>
+          <a:prstGeom prst="straightConnector1">
+            <a:avLst/>
+          </a:prstGeom>
+          <a:ln w="88900">
+            <a:solidFill>
+              <a:schemeClr val="accent6"/>
+            </a:solidFill>
+            <a:tailEnd type="triangle"/>
+          </a:ln>
+        </p:spPr>
+        <p:style>
+          <a:lnRef idx="1">
+            <a:schemeClr val="accent1"/>
+          </a:lnRef>
+          <a:fillRef idx="0">
+            <a:schemeClr val="accent1"/>
+          </a:fillRef>
+          <a:effectRef idx="0">
+            <a:schemeClr val="accent1"/>
+          </a:effectRef>
+          <a:fontRef idx="minor">
+            <a:schemeClr val="tx1"/>
+          </a:fontRef>
+        </p:style>
+      </p:cxnSp>
+      <p:pic>
+        <p:nvPicPr>
+          <p:cNvPr id="22" name="Picture 21"/>
+          <p:cNvPicPr>
+            <a:picLocks noChangeAspect="1"/>
+          </p:cNvPicPr>
+          <p:nvPr/>
+        </p:nvPicPr>
+        <p:blipFill>
+          <a:blip r:embed="rId5">
+            <a:extLst>
+              <a:ext uri="{28A0092B-C50C-407E-A947-70E740481C1C}">
+                <a14:useLocalDpi xmlns:a14="http://schemas.microsoft.com/office/drawing/2010/main" val="0"/>
+              </a:ext>
+            </a:extLst>
+          </a:blip>
+          <a:stretch>
+            <a:fillRect/>
+          </a:stretch>
+        </p:blipFill>
+        <p:spPr>
+          <a:xfrm>
+            <a:off x="6346927" y="2619238"/>
+            <a:ext cx="1282889" cy="1282889"/>
+          </a:xfrm>
+          <a:prstGeom prst="rect">
+            <a:avLst/>
+          </a:prstGeom>
+        </p:spPr>
+      </p:pic>
+      <p:cxnSp>
+        <p:nvCxnSpPr>
+          <p:cNvPr id="23" name="Straight Arrow Connector 22"/>
+          <p:cNvCxnSpPr>
+            <a:cxnSpLocks/>
+          </p:cNvCxnSpPr>
+          <p:nvPr/>
+        </p:nvCxnSpPr>
+        <p:spPr>
+          <a:xfrm>
+            <a:off x="5049502" y="3098779"/>
+            <a:ext cx="1408448" cy="0"/>
+          </a:xfrm>
+          <a:prstGeom prst="straightConnector1">
+            <a:avLst/>
+          </a:prstGeom>
+          <a:ln w="88900">
+            <a:solidFill>
+              <a:schemeClr val="accent6"/>
+            </a:solidFill>
+            <a:tailEnd type="triangle"/>
+          </a:ln>
+        </p:spPr>
+        <p:style>
+          <a:lnRef idx="1">
+            <a:schemeClr val="accent1"/>
+          </a:lnRef>
+          <a:fillRef idx="0">
+            <a:schemeClr val="accent1"/>
+          </a:fillRef>
+          <a:effectRef idx="0">
+            <a:schemeClr val="accent1"/>
+          </a:effectRef>
+          <a:fontRef idx="minor">
+            <a:schemeClr val="tx1"/>
+          </a:fontRef>
+        </p:style>
+      </p:cxnSp>
+      <p:cxnSp>
+        <p:nvCxnSpPr>
+          <p:cNvPr id="14" name="Straight Arrow Connector 13"/>
+          <p:cNvCxnSpPr>
+            <a:cxnSpLocks/>
+          </p:cNvCxnSpPr>
+          <p:nvPr/>
+        </p:nvCxnSpPr>
+        <p:spPr>
+          <a:xfrm flipH="1">
+            <a:off x="5007446" y="3338116"/>
+            <a:ext cx="1339481" cy="4019"/>
+          </a:xfrm>
+          <a:prstGeom prst="straightConnector1">
+            <a:avLst/>
+          </a:prstGeom>
+          <a:ln w="88900">
+            <a:solidFill>
+              <a:schemeClr val="accent6"/>
+            </a:solidFill>
+            <a:tailEnd type="triangle"/>
+          </a:ln>
+        </p:spPr>
+        <p:style>
+          <a:lnRef idx="1">
+            <a:schemeClr val="accent1"/>
+          </a:lnRef>
+          <a:fillRef idx="0">
+            <a:schemeClr val="accent1"/>
+          </a:fillRef>
+          <a:effectRef idx="0">
+            <a:schemeClr val="accent1"/>
+          </a:effectRef>
+          <a:fontRef idx="minor">
+            <a:schemeClr val="tx1"/>
+          </a:fontRef>
+        </p:style>
+      </p:cxnSp>
+      <p:cxnSp>
+        <p:nvCxnSpPr>
+          <p:cNvPr id="21" name="Straight Arrow Connector 20"/>
+          <p:cNvCxnSpPr>
+            <a:cxnSpLocks/>
+          </p:cNvCxnSpPr>
+          <p:nvPr/>
+        </p:nvCxnSpPr>
+        <p:spPr>
+          <a:xfrm flipH="1">
+            <a:off x="1935733" y="3478363"/>
+            <a:ext cx="1339481" cy="4019"/>
+          </a:xfrm>
+          <a:prstGeom prst="straightConnector1">
+            <a:avLst/>
+          </a:prstGeom>
+          <a:ln w="88900">
+            <a:solidFill>
+              <a:schemeClr val="accent6"/>
+            </a:solidFill>
+            <a:tailEnd type="triangle"/>
+          </a:ln>
+        </p:spPr>
+        <p:style>
+          <a:lnRef idx="1">
+            <a:schemeClr val="accent1"/>
+          </a:lnRef>
+          <a:fillRef idx="0">
+            <a:schemeClr val="accent1"/>
+          </a:fillRef>
+          <a:effectRef idx="0">
+            <a:schemeClr val="accent1"/>
+          </a:effectRef>
+          <a:fontRef idx="minor">
+            <a:schemeClr val="tx1"/>
+          </a:fontRef>
+        </p:style>
+      </p:cxnSp>
+      <p:grpSp>
+        <p:nvGrpSpPr>
+          <p:cNvPr id="30" name="Shape 688"/>
+          <p:cNvGrpSpPr/>
+          <p:nvPr/>
+        </p:nvGrpSpPr>
+        <p:grpSpPr>
+          <a:xfrm>
+            <a:off x="4986128" y="4032421"/>
+            <a:ext cx="1471823" cy="1592092"/>
+            <a:chOff x="4336150" y="2339323"/>
+            <a:chExt cx="1814399" cy="1044951"/>
+          </a:xfrm>
+          <a:solidFill>
+            <a:schemeClr val="accent6"/>
+          </a:solidFill>
+        </p:grpSpPr>
+        <p:sp>
+          <p:nvSpPr>
+            <p:cNvPr id="31" name="Shape 689"/>
+            <p:cNvSpPr/>
+            <p:nvPr/>
+          </p:nvSpPr>
+          <p:spPr>
+            <a:xfrm>
+              <a:off x="4336150" y="2708975"/>
+              <a:ext cx="1814399" cy="675299"/>
+            </a:xfrm>
+            <a:prstGeom prst="rect">
+              <a:avLst/>
+            </a:prstGeom>
+            <a:ln>
+              <a:headEnd type="none" w="med" len="med"/>
+              <a:tailEnd type="none" w="med" len="med"/>
+            </a:ln>
+          </p:spPr>
+          <p:style>
+            <a:lnRef idx="2">
+              <a:schemeClr val="accent6">
+                <a:shade val="50000"/>
+              </a:schemeClr>
+            </a:lnRef>
+            <a:fillRef idx="1">
+              <a:schemeClr val="accent6"/>
+            </a:fillRef>
+            <a:effectRef idx="0">
+              <a:schemeClr val="accent6"/>
+            </a:effectRef>
+            <a:fontRef idx="minor">
+              <a:schemeClr val="lt1"/>
+            </a:fontRef>
+          </p:style>
+          <p:txBody>
+            <a:bodyPr lIns="68569" tIns="68569" rIns="68569" bIns="68569" anchor="t" anchorCtr="0">
+              <a:noAutofit/>
+            </a:bodyPr>
+            <a:lstStyle/>
+            <a:p>
+              <a:pPr defTabSz="685800"/>
+              <a:r>
+                <a:rPr lang="en-US" sz="1500" kern="0" dirty="0">
+                  <a:solidFill>
+                    <a:schemeClr val="tx1"/>
+                  </a:solidFill>
+                  <a:latin typeface="Arial"/>
+                  <a:cs typeface="Arial"/>
+                  <a:sym typeface="Arial"/>
+                  <a:rtl val="0"/>
+                </a:rPr>
+                <a:t>r</a:t>
+              </a:r>
+              <a:r>
+                <a:rPr lang="en" sz="1500" kern="0" dirty="0">
+                  <a:solidFill>
+                    <a:schemeClr val="tx1"/>
+                  </a:solidFill>
+                  <a:latin typeface="Arial"/>
+                  <a:cs typeface="Arial"/>
+                  <a:sym typeface="Arial"/>
+                  <a:rtl val="0"/>
+                </a:rPr>
+                <a:t>eceiverId</a:t>
+              </a:r>
+            </a:p>
+            <a:p>
+              <a:pPr defTabSz="685800"/>
+              <a:r>
+                <a:rPr lang="en-US" sz="1500" kern="0" dirty="0">
+                  <a:solidFill>
+                    <a:srgbClr val="000000"/>
+                  </a:solidFill>
+                  <a:latin typeface="Arial"/>
+                  <a:cs typeface="Arial"/>
+                  <a:sym typeface="Arial"/>
+                  <a:rtl val="0"/>
+                </a:rPr>
+                <a:t>t</a:t>
+              </a:r>
+              <a:r>
+                <a:rPr lang="en" sz="1500" kern="0" dirty="0">
+                  <a:solidFill>
+                    <a:srgbClr val="000000"/>
+                  </a:solidFill>
+                  <a:latin typeface="Arial"/>
+                  <a:cs typeface="Arial"/>
+                  <a:sym typeface="Arial"/>
+                  <a:rtl val="0"/>
+                </a:rPr>
+                <a:t>ype</a:t>
+              </a:r>
+            </a:p>
+            <a:p>
+              <a:pPr defTabSz="685800"/>
+              <a:r>
+                <a:rPr lang="en-US" sz="1500" b="1" kern="0" dirty="0">
+                  <a:solidFill>
+                    <a:srgbClr val="FF0000"/>
+                  </a:solidFill>
+                  <a:latin typeface="Arial"/>
+                  <a:cs typeface="Arial"/>
+                  <a:sym typeface="Arial"/>
+                  <a:rtl val="0"/>
+                </a:rPr>
+                <a:t>s</a:t>
+              </a:r>
+              <a:r>
+                <a:rPr lang="en" sz="1500" b="1" kern="0" dirty="0">
+                  <a:solidFill>
+                    <a:srgbClr val="FF0000"/>
+                  </a:solidFill>
+                  <a:latin typeface="Arial"/>
+                  <a:cs typeface="Arial"/>
+                  <a:sym typeface="Arial"/>
+                  <a:rtl val="0"/>
+                </a:rPr>
+                <a:t>tatus</a:t>
+              </a:r>
+            </a:p>
+            <a:p>
+              <a:pPr defTabSz="685800"/>
+              <a:r>
+                <a:rPr lang="en" sz="1500" kern="0" dirty="0">
+                  <a:solidFill>
+                    <a:srgbClr val="000000"/>
+                  </a:solidFill>
+                  <a:latin typeface="Arial"/>
+                  <a:cs typeface="Arial"/>
+                  <a:sym typeface="Arial"/>
+                  <a:rtl val="0"/>
+                </a:rPr>
+                <a:t>…</a:t>
+              </a:r>
+            </a:p>
+          </p:txBody>
+        </p:sp>
+        <p:sp>
+          <p:nvSpPr>
+            <p:cNvPr id="32" name="Shape 690"/>
+            <p:cNvSpPr/>
+            <p:nvPr/>
+          </p:nvSpPr>
+          <p:spPr>
+            <a:xfrm>
+              <a:off x="4336150" y="2339323"/>
+              <a:ext cx="1814399" cy="362999"/>
+            </a:xfrm>
+            <a:prstGeom prst="rect">
+              <a:avLst/>
+            </a:prstGeom>
+            <a:ln>
+              <a:headEnd type="none" w="med" len="med"/>
+              <a:tailEnd type="none" w="med" len="med"/>
+            </a:ln>
+          </p:spPr>
+          <p:style>
+            <a:lnRef idx="2">
+              <a:schemeClr val="accent6">
+                <a:shade val="50000"/>
+              </a:schemeClr>
+            </a:lnRef>
+            <a:fillRef idx="1">
+              <a:schemeClr val="accent6"/>
+            </a:fillRef>
+            <a:effectRef idx="0">
+              <a:schemeClr val="accent6"/>
+            </a:effectRef>
+            <a:fontRef idx="minor">
+              <a:schemeClr val="lt1"/>
+            </a:fontRef>
+          </p:style>
+          <p:txBody>
+            <a:bodyPr lIns="68569" tIns="68569" rIns="68569" bIns="68569" anchor="ctr" anchorCtr="0">
+              <a:noAutofit/>
+            </a:bodyPr>
+            <a:lstStyle/>
+            <a:p>
+              <a:pPr defTabSz="685800"/>
+              <a:r>
+                <a:rPr lang="en" b="1" kern="0" dirty="0">
+                  <a:solidFill>
+                    <a:srgbClr val="000000"/>
+                  </a:solidFill>
+                  <a:latin typeface="Arial"/>
+                  <a:cs typeface="Arial"/>
+                  <a:sym typeface="Arial"/>
+                  <a:rtl val="0"/>
+                </a:rPr>
+                <a:t>Notify</a:t>
+              </a:r>
+              <a:endParaRPr lang="en" sz="1050" b="1" kern="0" dirty="0">
+                <a:solidFill>
+                  <a:srgbClr val="000000"/>
+                </a:solidFill>
+                <a:latin typeface="Arial"/>
+                <a:cs typeface="Arial"/>
+                <a:sym typeface="Arial"/>
+                <a:rtl val="0"/>
+              </a:endParaRPr>
+            </a:p>
+          </p:txBody>
+        </p:sp>
+      </p:grpSp>
+      <p:cxnSp>
+        <p:nvCxnSpPr>
+          <p:cNvPr id="15" name="Straight Connector 14"/>
+          <p:cNvCxnSpPr>
+            <a:stCxn id="32" idx="0"/>
+          </p:cNvCxnSpPr>
+          <p:nvPr/>
+        </p:nvCxnSpPr>
+        <p:spPr>
+          <a:xfrm flipH="1" flipV="1">
+            <a:off x="5685504" y="3338116"/>
+            <a:ext cx="36536" cy="694305"/>
+          </a:xfrm>
+          <a:prstGeom prst="line">
+            <a:avLst/>
+          </a:prstGeom>
+        </p:spPr>
+        <p:style>
+          <a:lnRef idx="1">
+            <a:schemeClr val="accent6"/>
+          </a:lnRef>
+          <a:fillRef idx="0">
+            <a:schemeClr val="accent6"/>
+          </a:fillRef>
+          <a:effectRef idx="0">
+            <a:schemeClr val="accent6"/>
+          </a:effectRef>
+          <a:fontRef idx="minor">
+            <a:schemeClr val="tx1"/>
+          </a:fontRef>
+        </p:style>
+      </p:cxnSp>
+      <p:sp>
+        <p:nvSpPr>
+          <p:cNvPr id="24" name="TextBox 23"/>
+          <p:cNvSpPr txBox="1"/>
+          <p:nvPr/>
+        </p:nvSpPr>
+        <p:spPr>
+          <a:xfrm>
+            <a:off x="1988696" y="2280220"/>
+            <a:ext cx="1227802" cy="738664"/>
+          </a:xfrm>
+          <a:prstGeom prst="rect">
+            <a:avLst/>
+          </a:prstGeom>
+          <a:noFill/>
+        </p:spPr>
+        <p:txBody>
+          <a:bodyPr wrap="square" rtlCol="0">
+            <a:spAutoFit/>
+          </a:bodyPr>
+          <a:lstStyle/>
+          <a:p>
+            <a:r>
+              <a:rPr lang="en-US" sz="1400" dirty="0" smtClean="0"/>
+              <a:t>Send get notification </a:t>
+            </a:r>
+            <a:r>
+              <a:rPr lang="en-US" sz="1400" dirty="0" smtClean="0"/>
+              <a:t>request</a:t>
+            </a:r>
+            <a:endParaRPr lang="en-US" sz="1400" dirty="0"/>
+          </a:p>
+        </p:txBody>
+      </p:sp>
+      <p:sp>
+        <p:nvSpPr>
+          <p:cNvPr id="25" name="TextBox 24"/>
+          <p:cNvSpPr txBox="1"/>
+          <p:nvPr/>
+        </p:nvSpPr>
+        <p:spPr>
+          <a:xfrm>
+            <a:off x="5007446" y="2649552"/>
+            <a:ext cx="1434435" cy="300082"/>
+          </a:xfrm>
+          <a:prstGeom prst="rect">
+            <a:avLst/>
+          </a:prstGeom>
+          <a:noFill/>
+        </p:spPr>
+        <p:txBody>
+          <a:bodyPr wrap="square" rtlCol="0">
+            <a:spAutoFit/>
+          </a:bodyPr>
+          <a:lstStyle/>
+          <a:p>
+            <a:r>
+              <a:rPr lang="en-US" sz="1350" dirty="0"/>
+              <a:t>Get </a:t>
+            </a:r>
+            <a:r>
+              <a:rPr lang="en-US" sz="1350" dirty="0" smtClean="0"/>
+              <a:t>notifications</a:t>
+            </a:r>
+            <a:endParaRPr lang="en-US" sz="1350" dirty="0"/>
+          </a:p>
+        </p:txBody>
+      </p:sp>
+    </p:spTree>
+    <p:extLst>
+      <p:ext uri="{BB962C8B-B14F-4D97-AF65-F5344CB8AC3E}">
+        <p14:creationId xmlns:p14="http://schemas.microsoft.com/office/powerpoint/2010/main" val="450933424"/>
+      </p:ext>
+    </p:extLst>
+  </p:cSld>
+  <p:clrMapOvr>
+    <a:masterClrMapping/>
+  </p:clrMapOvr>
+  <p:timing>
+    <p:tnLst>
+      <p:par>
+        <p:cTn id="1" dur="indefinite" restart="never" nodeType="tmRoot"/>
+      </p:par>
+    </p:tnLst>
+  </p:timing>
+</p:sld>
+</file>
+
+<file path=ppt/slides/slide16.xml><?xml version="1.0" encoding="utf-8"?>
+<p:sld xmlns:a="http://schemas.openxmlformats.org/drawingml/2006/main" xmlns:r="http://schemas.openxmlformats.org/officeDocument/2006/relationships" xmlns:p="http://schemas.openxmlformats.org/presentationml/2006/main">
+  <p:cSld>
+    <p:spTree>
+      <p:nvGrpSpPr>
+        <p:cNvPr id="1" name=""/>
+        <p:cNvGrpSpPr/>
+        <p:nvPr/>
+      </p:nvGrpSpPr>
+      <p:grpSpPr>
+        <a:xfrm>
+          <a:off x="0" y="0"/>
+          <a:ext cx="0" cy="0"/>
+          <a:chOff x="0" y="0"/>
+          <a:chExt cx="0" cy="0"/>
+        </a:xfrm>
+      </p:grpSpPr>
+      <p:sp>
+        <p:nvSpPr>
+          <p:cNvPr id="2" name="Slide Number Placeholder 1"/>
+          <p:cNvSpPr>
+            <a:spLocks noGrp="1"/>
+          </p:cNvSpPr>
+          <p:nvPr>
+            <p:ph type="sldNum" sz="quarter" idx="12"/>
+          </p:nvPr>
+        </p:nvSpPr>
+        <p:spPr/>
+        <p:txBody>
+          <a:bodyPr/>
+          <a:lstStyle/>
+          <a:p>
+            <a:fld id="{00000000-1234-1234-1234-123412341234}" type="slidenum">
+              <a:rPr lang="en" smtClean="0">
+                <a:solidFill>
+                  <a:srgbClr val="FFFFFF"/>
+                </a:solidFill>
+              </a:rPr>
+              <a:pPr/>
+              <a:t>16</a:t>
+            </a:fld>
+            <a:endParaRPr lang="en">
+              <a:solidFill>
+                <a:srgbClr val="FFFFFF"/>
+              </a:solidFill>
+            </a:endParaRPr>
+          </a:p>
+        </p:txBody>
+      </p:sp>
+      <p:sp>
+        <p:nvSpPr>
+          <p:cNvPr id="5" name="Shape 300"/>
+          <p:cNvSpPr txBox="1"/>
+          <p:nvPr/>
+        </p:nvSpPr>
+        <p:spPr>
+          <a:xfrm>
+            <a:off x="2141097" y="1229396"/>
+            <a:ext cx="5445104" cy="800351"/>
+          </a:xfrm>
+          <a:prstGeom prst="rect">
+            <a:avLst/>
+          </a:prstGeom>
+          <a:noFill/>
+          <a:ln>
+            <a:noFill/>
+          </a:ln>
+        </p:spPr>
+        <p:txBody>
+          <a:bodyPr lIns="68569" tIns="68569" rIns="68569" bIns="68569" anchor="ctr" anchorCtr="0">
+            <a:noAutofit/>
+          </a:bodyPr>
+          <a:lstStyle/>
+          <a:p>
+            <a:pPr algn="ctr">
+              <a:buClr>
+                <a:srgbClr val="000000"/>
+              </a:buClr>
+              <a:buSzPct val="25000"/>
+              <a:buFont typeface="Arial"/>
+              <a:buNone/>
+            </a:pPr>
+            <a:r>
+              <a:rPr lang="en-US" sz="3300" b="1" kern="0" dirty="0">
+                <a:solidFill>
+                  <a:srgbClr val="00B050"/>
+                </a:solidFill>
+                <a:cs typeface="Arial"/>
+                <a:sym typeface="Arial"/>
+                <a:rtl val="0"/>
+              </a:rPr>
+              <a:t>Check notification of patient</a:t>
+            </a:r>
+          </a:p>
+        </p:txBody>
+      </p:sp>
+      <p:grpSp>
+        <p:nvGrpSpPr>
+          <p:cNvPr id="12" name="Shape 1634"/>
+          <p:cNvGrpSpPr/>
+          <p:nvPr/>
+        </p:nvGrpSpPr>
+        <p:grpSpPr>
+          <a:xfrm>
+            <a:off x="618218" y="2628753"/>
+            <a:ext cx="1306448" cy="1281412"/>
+            <a:chOff x="2711675" y="2364825"/>
+            <a:chExt cx="2695799" cy="2900699"/>
+          </a:xfrm>
+        </p:grpSpPr>
+        <p:sp>
+          <p:nvSpPr>
+            <p:cNvPr id="13" name="Shape 1635"/>
+            <p:cNvSpPr/>
+            <p:nvPr/>
+          </p:nvSpPr>
+          <p:spPr>
+            <a:xfrm>
+              <a:off x="2711675" y="2364825"/>
+              <a:ext cx="2695799" cy="2900699"/>
+            </a:xfrm>
+            <a:prstGeom prst="roundRect">
+              <a:avLst>
+                <a:gd name="adj" fmla="val 16667"/>
+              </a:avLst>
+            </a:prstGeom>
+            <a:solidFill>
+              <a:srgbClr val="93C47D"/>
+            </a:solidFill>
+            <a:ln w="38100" cap="flat" cmpd="sng">
+              <a:solidFill>
+                <a:srgbClr val="38761D"/>
+              </a:solidFill>
+              <a:prstDash val="solid"/>
+              <a:round/>
+              <a:headEnd type="none" w="med" len="med"/>
+              <a:tailEnd type="none" w="med" len="med"/>
+            </a:ln>
+          </p:spPr>
+          <p:txBody>
+            <a:bodyPr lIns="68569" tIns="68569" rIns="68569" bIns="68569" anchor="ctr" anchorCtr="0">
+              <a:noAutofit/>
+            </a:bodyPr>
+            <a:lstStyle/>
+            <a:p>
+              <a:endParaRPr sz="1350"/>
+            </a:p>
+          </p:txBody>
+        </p:sp>
+        <p:pic>
+          <p:nvPicPr>
+            <p:cNvPr id="17" name="Shape 1636"/>
+            <p:cNvPicPr preferRelativeResize="0"/>
+            <p:nvPr/>
+          </p:nvPicPr>
+          <p:blipFill>
+            <a:blip r:embed="rId3">
+              <a:alphaModFix/>
+            </a:blip>
+            <a:stretch>
+              <a:fillRect/>
+            </a:stretch>
+          </p:blipFill>
+          <p:spPr>
+            <a:xfrm>
+              <a:off x="3143250" y="2892975"/>
+              <a:ext cx="1964775" cy="1964775"/>
+            </a:xfrm>
+            <a:prstGeom prst="rect">
+              <a:avLst/>
+            </a:prstGeom>
+            <a:noFill/>
+            <a:ln>
+              <a:noFill/>
+            </a:ln>
+          </p:spPr>
+        </p:pic>
+      </p:grpSp>
+      <p:sp>
+        <p:nvSpPr>
+          <p:cNvPr id="19" name="Shape 1682"/>
+          <p:cNvSpPr/>
+          <p:nvPr/>
+        </p:nvSpPr>
+        <p:spPr>
+          <a:xfrm>
+            <a:off x="3264146" y="2627276"/>
+            <a:ext cx="1743300" cy="1274850"/>
+          </a:xfrm>
+          <a:prstGeom prst="roundRect">
+            <a:avLst>
+              <a:gd name="adj" fmla="val 16667"/>
+            </a:avLst>
+          </a:prstGeom>
+          <a:solidFill>
+            <a:schemeClr val="accent6"/>
+          </a:solidFill>
+          <a:ln w="19050" cap="flat" cmpd="sng">
+            <a:solidFill>
+              <a:srgbClr val="F1C232"/>
+            </a:solidFill>
+            <a:prstDash val="solid"/>
+            <a:round/>
+            <a:headEnd type="none" w="med" len="med"/>
+            <a:tailEnd type="none" w="med" len="med"/>
+          </a:ln>
+        </p:spPr>
+        <p:txBody>
+          <a:bodyPr lIns="68569" tIns="68569" rIns="68569" bIns="68569" anchor="ctr" anchorCtr="0">
+            <a:noAutofit/>
+          </a:bodyPr>
+          <a:lstStyle/>
+          <a:p>
+            <a:pPr algn="ctr"/>
+            <a:endParaRPr sz="1350" b="1" dirty="0">
+              <a:latin typeface="+mj-lt"/>
+            </a:endParaRPr>
+          </a:p>
+          <a:p>
+            <a:pPr algn="ctr"/>
+            <a:endParaRPr sz="1350" b="1" dirty="0">
+              <a:latin typeface="+mj-lt"/>
+            </a:endParaRPr>
+          </a:p>
+          <a:p>
+            <a:pPr algn="ctr"/>
+            <a:endParaRPr sz="1350" b="1" dirty="0">
+              <a:latin typeface="+mj-lt"/>
+            </a:endParaRPr>
+          </a:p>
+          <a:p>
+            <a:pPr algn="ctr"/>
+            <a:r>
+              <a:rPr lang="en" sz="1350" b="1" dirty="0">
+                <a:cs typeface="Arial" panose="020B0604020202020204" pitchFamily="34" charset="0"/>
+              </a:rPr>
+              <a:t>Web Application</a:t>
+            </a:r>
+          </a:p>
+          <a:p>
+            <a:pPr algn="ctr"/>
+            <a:r>
+              <a:rPr lang="en" sz="1350" b="1" dirty="0">
+                <a:cs typeface="Arial" panose="020B0604020202020204" pitchFamily="34" charset="0"/>
+              </a:rPr>
+              <a:t>(Server side)</a:t>
+            </a:r>
+          </a:p>
+        </p:txBody>
+      </p:sp>
+      <p:pic>
+        <p:nvPicPr>
+          <p:cNvPr id="20" name="Shape 1696"/>
+          <p:cNvPicPr preferRelativeResize="0"/>
+          <p:nvPr/>
+        </p:nvPicPr>
+        <p:blipFill>
+          <a:blip r:embed="rId4">
+            <a:alphaModFix/>
+          </a:blip>
+          <a:stretch>
+            <a:fillRect/>
+          </a:stretch>
+        </p:blipFill>
+        <p:spPr>
+          <a:xfrm>
+            <a:off x="3879315" y="2660459"/>
+            <a:ext cx="599201" cy="716850"/>
+          </a:xfrm>
+          <a:prstGeom prst="rect">
+            <a:avLst/>
+          </a:prstGeom>
+          <a:noFill/>
+          <a:ln>
+            <a:noFill/>
+          </a:ln>
+        </p:spPr>
+      </p:pic>
+      <p:cxnSp>
+        <p:nvCxnSpPr>
+          <p:cNvPr id="8" name="Straight Arrow Connector 7"/>
+          <p:cNvCxnSpPr>
+            <a:cxnSpLocks/>
+          </p:cNvCxnSpPr>
+          <p:nvPr/>
+        </p:nvCxnSpPr>
+        <p:spPr>
+          <a:xfrm flipV="1">
+            <a:off x="1935727" y="3098779"/>
+            <a:ext cx="1339481" cy="4758"/>
+          </a:xfrm>
+          <a:prstGeom prst="straightConnector1">
+            <a:avLst/>
+          </a:prstGeom>
+          <a:ln w="88900">
+            <a:solidFill>
+              <a:schemeClr val="accent6"/>
+            </a:solidFill>
+            <a:tailEnd type="triangle"/>
+          </a:ln>
+        </p:spPr>
+        <p:style>
+          <a:lnRef idx="1">
+            <a:schemeClr val="accent1"/>
+          </a:lnRef>
+          <a:fillRef idx="0">
+            <a:schemeClr val="accent1"/>
+          </a:fillRef>
+          <a:effectRef idx="0">
+            <a:schemeClr val="accent1"/>
+          </a:effectRef>
+          <a:fontRef idx="minor">
+            <a:schemeClr val="tx1"/>
+          </a:fontRef>
+        </p:style>
+      </p:cxnSp>
+      <p:pic>
+        <p:nvPicPr>
+          <p:cNvPr id="22" name="Picture 21"/>
+          <p:cNvPicPr>
+            <a:picLocks noChangeAspect="1"/>
+          </p:cNvPicPr>
+          <p:nvPr/>
+        </p:nvPicPr>
+        <p:blipFill>
+          <a:blip r:embed="rId5">
+            <a:extLst>
+              <a:ext uri="{28A0092B-C50C-407E-A947-70E740481C1C}">
+                <a14:useLocalDpi xmlns:a14="http://schemas.microsoft.com/office/drawing/2010/main" val="0"/>
+              </a:ext>
+            </a:extLst>
+          </a:blip>
+          <a:stretch>
+            <a:fillRect/>
+          </a:stretch>
+        </p:blipFill>
+        <p:spPr>
+          <a:xfrm>
+            <a:off x="6346927" y="2619238"/>
+            <a:ext cx="1282889" cy="1282889"/>
+          </a:xfrm>
+          <a:prstGeom prst="rect">
+            <a:avLst/>
+          </a:prstGeom>
+        </p:spPr>
+      </p:pic>
+      <p:cxnSp>
+        <p:nvCxnSpPr>
+          <p:cNvPr id="23" name="Straight Arrow Connector 22"/>
+          <p:cNvCxnSpPr>
+            <a:cxnSpLocks/>
+          </p:cNvCxnSpPr>
+          <p:nvPr/>
+        </p:nvCxnSpPr>
+        <p:spPr>
+          <a:xfrm>
+            <a:off x="5049502" y="3098779"/>
+            <a:ext cx="1408448" cy="0"/>
+          </a:xfrm>
+          <a:prstGeom prst="straightConnector1">
+            <a:avLst/>
+          </a:prstGeom>
+          <a:ln w="88900">
+            <a:solidFill>
+              <a:schemeClr val="accent6"/>
+            </a:solidFill>
+            <a:tailEnd type="triangle"/>
+          </a:ln>
+        </p:spPr>
+        <p:style>
+          <a:lnRef idx="1">
+            <a:schemeClr val="accent1"/>
+          </a:lnRef>
+          <a:fillRef idx="0">
+            <a:schemeClr val="accent1"/>
+          </a:fillRef>
+          <a:effectRef idx="0">
+            <a:schemeClr val="accent1"/>
+          </a:effectRef>
+          <a:fontRef idx="minor">
+            <a:schemeClr val="tx1"/>
+          </a:fontRef>
+        </p:style>
+      </p:cxnSp>
       <p:cxnSp>
         <p:nvCxnSpPr>
           <p:cNvPr id="14" name="Straight Arrow Connector 13"/>
@@ -15227,14 +18251,14 @@
       </p:cxnSp>
       <p:sp>
         <p:nvSpPr>
-          <p:cNvPr id="24" name="TextBox 23"/>
+          <p:cNvPr id="25" name="TextBox 24"/>
           <p:cNvSpPr txBox="1"/>
           <p:nvPr/>
         </p:nvSpPr>
         <p:spPr>
           <a:xfrm>
-            <a:off x="2036674" y="2102598"/>
-            <a:ext cx="1227802" cy="954107"/>
+            <a:off x="1988696" y="2280220"/>
+            <a:ext cx="1227802" cy="738664"/>
           </a:xfrm>
           <a:prstGeom prst="rect">
             <a:avLst/>
@@ -15252,14 +18276,44 @@
               <a:t>Send get notification </a:t>
             </a:r>
             <a:r>
-              <a:rPr lang="en-US" sz="1400" dirty="0"/>
-              <a:t>request with </a:t>
-            </a:r>
-            <a:r>
-              <a:rPr lang="en-US" sz="1400" dirty="0" err="1"/>
-              <a:t>accountId</a:t>
+              <a:rPr lang="en-US" sz="1400" dirty="0" smtClean="0"/>
+              <a:t>request</a:t>
             </a:r>
             <a:endParaRPr lang="en-US" sz="1400" dirty="0"/>
+          </a:p>
+        </p:txBody>
+      </p:sp>
+      <p:sp>
+        <p:nvSpPr>
+          <p:cNvPr id="26" name="TextBox 25"/>
+          <p:cNvSpPr txBox="1"/>
+          <p:nvPr/>
+        </p:nvSpPr>
+        <p:spPr>
+          <a:xfrm>
+            <a:off x="5007446" y="2649552"/>
+            <a:ext cx="1434435" cy="300082"/>
+          </a:xfrm>
+          <a:prstGeom prst="rect">
+            <a:avLst/>
+          </a:prstGeom>
+          <a:noFill/>
+        </p:spPr>
+        <p:txBody>
+          <a:bodyPr wrap="square" rtlCol="0">
+            <a:spAutoFit/>
+          </a:bodyPr>
+          <a:lstStyle/>
+          <a:p>
+            <a:r>
+              <a:rPr lang="en-US" sz="1350" dirty="0"/>
+              <a:t>Get </a:t>
+            </a:r>
+            <a:r>
+              <a:rPr lang="en-US" sz="1350" dirty="0" smtClean="0"/>
+              <a:t>notifications</a:t>
+            </a:r>
+            <a:endParaRPr lang="en-US" sz="1350" dirty="0"/>
           </a:p>
         </p:txBody>
       </p:sp>
@@ -15283,7 +18337,7 @@
 </p:sld>
 </file>
 
-<file path=ppt/slides/slide14.xml><?xml version="1.0" encoding="utf-8"?>
+<file path=ppt/slides/slide17.xml><?xml version="1.0" encoding="utf-8"?>
 <p:sld xmlns:a="http://schemas.openxmlformats.org/drawingml/2006/main" xmlns:r="http://schemas.openxmlformats.org/officeDocument/2006/relationships" xmlns:p="http://schemas.openxmlformats.org/presentationml/2006/main">
   <p:cSld>
     <p:spTree>
@@ -15322,7 +18376,7 @@
                 </a:solidFill>
               </a:rPr>
               <a:pPr/>
-              <a:t>14</a:t>
+              <a:t>17</a:t>
             </a:fld>
             <a:endParaRPr lang="en">
               <a:solidFill>
@@ -15667,40 +18721,6 @@
           </a:fontRef>
         </p:style>
       </p:cxnSp>
-      <p:sp>
-        <p:nvSpPr>
-          <p:cNvPr id="3" name="TextBox 2"/>
-          <p:cNvSpPr txBox="1"/>
-          <p:nvPr/>
-        </p:nvSpPr>
-        <p:spPr>
-          <a:xfrm>
-            <a:off x="5023515" y="2366121"/>
-            <a:ext cx="1434435" cy="715581"/>
-          </a:xfrm>
-          <a:prstGeom prst="rect">
-            <a:avLst/>
-          </a:prstGeom>
-          <a:noFill/>
-        </p:spPr>
-        <p:txBody>
-          <a:bodyPr wrap="square" rtlCol="0">
-            <a:spAutoFit/>
-          </a:bodyPr>
-          <a:lstStyle/>
-          <a:p>
-            <a:r>
-              <a:rPr lang="en-US" sz="1350" dirty="0"/>
-              <a:t>Get notification based on </a:t>
-            </a:r>
-            <a:r>
-              <a:rPr lang="en-US" sz="1350" dirty="0" err="1"/>
-              <a:t>accountId</a:t>
-            </a:r>
-            <a:endParaRPr lang="en-US" sz="1350" dirty="0"/>
-          </a:p>
-        </p:txBody>
-      </p:sp>
       <p:cxnSp>
         <p:nvCxnSpPr>
           <p:cNvPr id="14" name="Straight Arrow Connector 13"/>
@@ -15777,608 +18797,18 @@
           </a:fontRef>
         </p:style>
       </p:cxnSp>
-      <p:grpSp>
-        <p:nvGrpSpPr>
-          <p:cNvPr id="30" name="Shape 688"/>
-          <p:cNvGrpSpPr/>
-          <p:nvPr/>
-        </p:nvGrpSpPr>
-        <p:grpSpPr>
-          <a:xfrm>
-            <a:off x="1935727" y="4039990"/>
-            <a:ext cx="1471823" cy="1592092"/>
-            <a:chOff x="4336150" y="2339323"/>
-            <a:chExt cx="1814399" cy="1044951"/>
-          </a:xfrm>
-          <a:solidFill>
-            <a:schemeClr val="accent6"/>
-          </a:solidFill>
-        </p:grpSpPr>
-        <p:sp>
-          <p:nvSpPr>
-            <p:cNvPr id="31" name="Shape 689"/>
-            <p:cNvSpPr/>
-            <p:nvPr/>
-          </p:nvSpPr>
-          <p:spPr>
-            <a:xfrm>
-              <a:off x="4336150" y="2708975"/>
-              <a:ext cx="1814399" cy="675299"/>
-            </a:xfrm>
-            <a:prstGeom prst="rect">
-              <a:avLst/>
-            </a:prstGeom>
-            <a:ln>
-              <a:headEnd type="none" w="med" len="med"/>
-              <a:tailEnd type="none" w="med" len="med"/>
-            </a:ln>
-          </p:spPr>
-          <p:style>
-            <a:lnRef idx="2">
-              <a:schemeClr val="accent6">
-                <a:shade val="50000"/>
-              </a:schemeClr>
-            </a:lnRef>
-            <a:fillRef idx="1">
-              <a:schemeClr val="accent6"/>
-            </a:fillRef>
-            <a:effectRef idx="0">
-              <a:schemeClr val="accent6"/>
-            </a:effectRef>
-            <a:fontRef idx="minor">
-              <a:schemeClr val="lt1"/>
-            </a:fontRef>
-          </p:style>
-          <p:txBody>
-            <a:bodyPr lIns="68569" tIns="68569" rIns="68569" bIns="68569" anchor="t" anchorCtr="0">
-              <a:noAutofit/>
-            </a:bodyPr>
-            <a:lstStyle/>
-            <a:p>
-              <a:pPr defTabSz="685800"/>
-              <a:r>
-                <a:rPr lang="en-US" sz="1500" b="1" kern="0" dirty="0">
-                  <a:solidFill>
-                    <a:srgbClr val="FF0000"/>
-                  </a:solidFill>
-                  <a:latin typeface="Arial"/>
-                  <a:cs typeface="Arial"/>
-                  <a:sym typeface="Arial"/>
-                  <a:rtl val="0"/>
-                </a:rPr>
-                <a:t>r</a:t>
-              </a:r>
-              <a:r>
-                <a:rPr lang="en" sz="1500" b="1" kern="0" dirty="0">
-                  <a:solidFill>
-                    <a:srgbClr val="FF0000"/>
-                  </a:solidFill>
-                  <a:latin typeface="Arial"/>
-                  <a:cs typeface="Arial"/>
-                  <a:sym typeface="Arial"/>
-                  <a:rtl val="0"/>
-                </a:rPr>
-                <a:t>eceiverId</a:t>
-              </a:r>
-            </a:p>
-            <a:p>
-              <a:pPr defTabSz="685800"/>
-              <a:r>
-                <a:rPr lang="en-US" sz="1500" kern="0" dirty="0">
-                  <a:solidFill>
-                    <a:srgbClr val="000000"/>
-                  </a:solidFill>
-                  <a:latin typeface="Arial"/>
-                  <a:cs typeface="Arial"/>
-                  <a:sym typeface="Arial"/>
-                  <a:rtl val="0"/>
-                </a:rPr>
-                <a:t>t</a:t>
-              </a:r>
-              <a:r>
-                <a:rPr lang="en" sz="1500" kern="0" dirty="0">
-                  <a:solidFill>
-                    <a:srgbClr val="000000"/>
-                  </a:solidFill>
-                  <a:latin typeface="Arial"/>
-                  <a:cs typeface="Arial"/>
-                  <a:sym typeface="Arial"/>
-                  <a:rtl val="0"/>
-                </a:rPr>
-                <a:t>ype</a:t>
-              </a:r>
-            </a:p>
-            <a:p>
-              <a:pPr defTabSz="685800"/>
-              <a:r>
-                <a:rPr lang="en-US" sz="1500" kern="0" dirty="0">
-                  <a:solidFill>
-                    <a:srgbClr val="000000"/>
-                  </a:solidFill>
-                  <a:latin typeface="Arial"/>
-                  <a:cs typeface="Arial"/>
-                  <a:sym typeface="Arial"/>
-                  <a:rtl val="0"/>
-                </a:rPr>
-                <a:t>s</a:t>
-              </a:r>
-              <a:r>
-                <a:rPr lang="en" sz="1500" kern="0" dirty="0">
-                  <a:solidFill>
-                    <a:srgbClr val="000000"/>
-                  </a:solidFill>
-                  <a:latin typeface="Arial"/>
-                  <a:cs typeface="Arial"/>
-                  <a:sym typeface="Arial"/>
-                  <a:rtl val="0"/>
-                </a:rPr>
-                <a:t>tatus</a:t>
-              </a:r>
-            </a:p>
-            <a:p>
-              <a:pPr defTabSz="685800"/>
-              <a:r>
-                <a:rPr lang="en" sz="1500" kern="0" dirty="0">
-                  <a:solidFill>
-                    <a:srgbClr val="000000"/>
-                  </a:solidFill>
-                  <a:latin typeface="Arial"/>
-                  <a:cs typeface="Arial"/>
-                  <a:sym typeface="Arial"/>
-                  <a:rtl val="0"/>
-                </a:rPr>
-                <a:t>…</a:t>
-              </a:r>
-            </a:p>
-          </p:txBody>
-        </p:sp>
-        <p:sp>
-          <p:nvSpPr>
-            <p:cNvPr id="32" name="Shape 690"/>
-            <p:cNvSpPr/>
-            <p:nvPr/>
-          </p:nvSpPr>
-          <p:spPr>
-            <a:xfrm>
-              <a:off x="4336150" y="2339323"/>
-              <a:ext cx="1814399" cy="362999"/>
-            </a:xfrm>
-            <a:prstGeom prst="rect">
-              <a:avLst/>
-            </a:prstGeom>
-            <a:ln>
-              <a:headEnd type="none" w="med" len="med"/>
-              <a:tailEnd type="none" w="med" len="med"/>
-            </a:ln>
-          </p:spPr>
-          <p:style>
-            <a:lnRef idx="2">
-              <a:schemeClr val="accent6">
-                <a:shade val="50000"/>
-              </a:schemeClr>
-            </a:lnRef>
-            <a:fillRef idx="1">
-              <a:schemeClr val="accent6"/>
-            </a:fillRef>
-            <a:effectRef idx="0">
-              <a:schemeClr val="accent6"/>
-            </a:effectRef>
-            <a:fontRef idx="minor">
-              <a:schemeClr val="lt1"/>
-            </a:fontRef>
-          </p:style>
-          <p:txBody>
-            <a:bodyPr lIns="68569" tIns="68569" rIns="68569" bIns="68569" anchor="ctr" anchorCtr="0">
-              <a:noAutofit/>
-            </a:bodyPr>
-            <a:lstStyle/>
-            <a:p>
-              <a:pPr defTabSz="685800"/>
-              <a:r>
-                <a:rPr lang="en" b="1" kern="0" dirty="0">
-                  <a:solidFill>
-                    <a:srgbClr val="000000"/>
-                  </a:solidFill>
-                  <a:latin typeface="Arial"/>
-                  <a:cs typeface="Arial"/>
-                  <a:sym typeface="Arial"/>
-                  <a:rtl val="0"/>
-                </a:rPr>
-                <a:t>Notify</a:t>
-              </a:r>
-              <a:endParaRPr lang="en" sz="1050" b="1" kern="0" dirty="0">
-                <a:solidFill>
-                  <a:srgbClr val="000000"/>
-                </a:solidFill>
-                <a:latin typeface="Arial"/>
-                <a:cs typeface="Arial"/>
-                <a:sym typeface="Arial"/>
-                <a:rtl val="0"/>
-              </a:endParaRPr>
-            </a:p>
-          </p:txBody>
-        </p:sp>
-      </p:grpSp>
       <p:cxnSp>
         <p:nvCxnSpPr>
-          <p:cNvPr id="15" name="Straight Connector 14"/>
-          <p:cNvCxnSpPr>
-            <a:stCxn id="32" idx="0"/>
-          </p:cNvCxnSpPr>
-          <p:nvPr/>
-        </p:nvCxnSpPr>
-        <p:spPr>
-          <a:xfrm flipH="1" flipV="1">
-            <a:off x="2657226" y="3485932"/>
-            <a:ext cx="14413" cy="554058"/>
-          </a:xfrm>
-          <a:prstGeom prst="line">
-            <a:avLst/>
-          </a:prstGeom>
-        </p:spPr>
-        <p:style>
-          <a:lnRef idx="1">
-            <a:schemeClr val="accent6"/>
-          </a:lnRef>
-          <a:fillRef idx="0">
-            <a:schemeClr val="accent6"/>
-          </a:fillRef>
-          <a:effectRef idx="0">
-            <a:schemeClr val="accent6"/>
-          </a:effectRef>
-          <a:fontRef idx="minor">
-            <a:schemeClr val="tx1"/>
-          </a:fontRef>
-        </p:style>
-      </p:cxnSp>
-      <p:sp>
-        <p:nvSpPr>
-          <p:cNvPr id="24" name="TextBox 23"/>
-          <p:cNvSpPr txBox="1"/>
-          <p:nvPr/>
-        </p:nvSpPr>
-        <p:spPr>
-          <a:xfrm>
-            <a:off x="2036674" y="2102598"/>
-            <a:ext cx="1227802" cy="954107"/>
-          </a:xfrm>
-          <a:prstGeom prst="rect">
-            <a:avLst/>
-          </a:prstGeom>
-          <a:noFill/>
-        </p:spPr>
-        <p:txBody>
-          <a:bodyPr wrap="square" rtlCol="0">
-            <a:spAutoFit/>
-          </a:bodyPr>
-          <a:lstStyle/>
-          <a:p>
-            <a:r>
-              <a:rPr lang="en-US" sz="1400" dirty="0" smtClean="0"/>
-              <a:t>Send get notification </a:t>
-            </a:r>
-            <a:r>
-              <a:rPr lang="en-US" sz="1400" dirty="0"/>
-              <a:t>request with </a:t>
-            </a:r>
-            <a:r>
-              <a:rPr lang="en-US" sz="1400" dirty="0" err="1"/>
-              <a:t>accountId</a:t>
-            </a:r>
-            <a:endParaRPr lang="en-US" sz="1400" dirty="0"/>
-          </a:p>
-        </p:txBody>
-      </p:sp>
-    </p:spTree>
-    <p:extLst>
-      <p:ext uri="{BB962C8B-B14F-4D97-AF65-F5344CB8AC3E}">
-        <p14:creationId xmlns:p14="http://schemas.microsoft.com/office/powerpoint/2010/main" val="336722871"/>
-      </p:ext>
-    </p:extLst>
-  </p:cSld>
-  <p:clrMapOvr>
-    <a:masterClrMapping/>
-  </p:clrMapOvr>
-  <p:timing>
-    <p:tnLst>
-      <p:par>
-        <p:cTn id="1" dur="indefinite" restart="never" nodeType="tmRoot"/>
-      </p:par>
-    </p:tnLst>
-  </p:timing>
-</p:sld>
-</file>
-
-<file path=ppt/slides/slide15.xml><?xml version="1.0" encoding="utf-8"?>
-<p:sld xmlns:a="http://schemas.openxmlformats.org/drawingml/2006/main" xmlns:r="http://schemas.openxmlformats.org/officeDocument/2006/relationships" xmlns:p="http://schemas.openxmlformats.org/presentationml/2006/main">
-  <p:cSld>
-    <p:spTree>
-      <p:nvGrpSpPr>
-        <p:cNvPr id="1" name=""/>
-        <p:cNvGrpSpPr/>
-        <p:nvPr/>
-      </p:nvGrpSpPr>
-      <p:grpSpPr>
-        <a:xfrm>
-          <a:off x="0" y="0"/>
-          <a:ext cx="0" cy="0"/>
-          <a:chOff x="0" y="0"/>
-          <a:chExt cx="0" cy="0"/>
-        </a:xfrm>
-      </p:grpSpPr>
-      <p:sp>
-        <p:nvSpPr>
-          <p:cNvPr id="2" name="Slide Number Placeholder 1"/>
-          <p:cNvSpPr>
-            <a:spLocks noGrp="1"/>
-          </p:cNvSpPr>
-          <p:nvPr>
-            <p:ph type="sldNum" sz="quarter" idx="12"/>
-          </p:nvPr>
-        </p:nvSpPr>
-        <p:spPr/>
-        <p:txBody>
-          <a:bodyPr/>
-          <a:lstStyle/>
-          <a:p>
-            <a:fld id="{00000000-1234-1234-1234-123412341234}" type="slidenum">
-              <a:rPr lang="en" smtClean="0">
-                <a:solidFill>
-                  <a:srgbClr val="FFFFFF"/>
-                </a:solidFill>
-              </a:rPr>
-              <a:pPr/>
-              <a:t>15</a:t>
-            </a:fld>
-            <a:endParaRPr lang="en">
-              <a:solidFill>
-                <a:srgbClr val="FFFFFF"/>
-              </a:solidFill>
-            </a:endParaRPr>
-          </a:p>
-        </p:txBody>
-      </p:sp>
-      <p:sp>
-        <p:nvSpPr>
-          <p:cNvPr id="5" name="Shape 300"/>
-          <p:cNvSpPr txBox="1"/>
-          <p:nvPr/>
-        </p:nvSpPr>
-        <p:spPr>
-          <a:xfrm>
-            <a:off x="2141097" y="1229396"/>
-            <a:ext cx="5445104" cy="800351"/>
-          </a:xfrm>
-          <a:prstGeom prst="rect">
-            <a:avLst/>
-          </a:prstGeom>
-          <a:noFill/>
-          <a:ln>
-            <a:noFill/>
-          </a:ln>
-        </p:spPr>
-        <p:txBody>
-          <a:bodyPr lIns="68569" tIns="68569" rIns="68569" bIns="68569" anchor="ctr" anchorCtr="0">
-            <a:noAutofit/>
-          </a:bodyPr>
-          <a:lstStyle/>
-          <a:p>
-            <a:pPr algn="ctr">
-              <a:buClr>
-                <a:srgbClr val="000000"/>
-              </a:buClr>
-              <a:buSzPct val="25000"/>
-              <a:buFont typeface="Arial"/>
-              <a:buNone/>
-            </a:pPr>
-            <a:r>
-              <a:rPr lang="en-US" sz="3300" b="1" kern="0" dirty="0">
-                <a:solidFill>
-                  <a:srgbClr val="00B050"/>
-                </a:solidFill>
-                <a:cs typeface="Arial"/>
-                <a:sym typeface="Arial"/>
-                <a:rtl val="0"/>
-              </a:rPr>
-              <a:t>Check notification of patient</a:t>
-            </a:r>
-          </a:p>
-        </p:txBody>
-      </p:sp>
-      <p:grpSp>
-        <p:nvGrpSpPr>
-          <p:cNvPr id="12" name="Shape 1634"/>
-          <p:cNvGrpSpPr/>
-          <p:nvPr/>
-        </p:nvGrpSpPr>
-        <p:grpSpPr>
-          <a:xfrm>
-            <a:off x="618218" y="2628753"/>
-            <a:ext cx="1306448" cy="1281412"/>
-            <a:chOff x="2711675" y="2364825"/>
-            <a:chExt cx="2695799" cy="2900699"/>
-          </a:xfrm>
-        </p:grpSpPr>
-        <p:sp>
-          <p:nvSpPr>
-            <p:cNvPr id="13" name="Shape 1635"/>
-            <p:cNvSpPr/>
-            <p:nvPr/>
-          </p:nvSpPr>
-          <p:spPr>
-            <a:xfrm>
-              <a:off x="2711675" y="2364825"/>
-              <a:ext cx="2695799" cy="2900699"/>
-            </a:xfrm>
-            <a:prstGeom prst="roundRect">
-              <a:avLst>
-                <a:gd name="adj" fmla="val 16667"/>
-              </a:avLst>
-            </a:prstGeom>
-            <a:solidFill>
-              <a:srgbClr val="93C47D"/>
-            </a:solidFill>
-            <a:ln w="38100" cap="flat" cmpd="sng">
-              <a:solidFill>
-                <a:srgbClr val="38761D"/>
-              </a:solidFill>
-              <a:prstDash val="solid"/>
-              <a:round/>
-              <a:headEnd type="none" w="med" len="med"/>
-              <a:tailEnd type="none" w="med" len="med"/>
-            </a:ln>
-          </p:spPr>
-          <p:txBody>
-            <a:bodyPr lIns="68569" tIns="68569" rIns="68569" bIns="68569" anchor="ctr" anchorCtr="0">
-              <a:noAutofit/>
-            </a:bodyPr>
-            <a:lstStyle/>
-            <a:p>
-              <a:endParaRPr sz="1350"/>
-            </a:p>
-          </p:txBody>
-        </p:sp>
-        <p:pic>
-          <p:nvPicPr>
-            <p:cNvPr id="17" name="Shape 1636"/>
-            <p:cNvPicPr preferRelativeResize="0"/>
-            <p:nvPr/>
-          </p:nvPicPr>
-          <p:blipFill>
-            <a:blip r:embed="rId3">
-              <a:alphaModFix/>
-            </a:blip>
-            <a:stretch>
-              <a:fillRect/>
-            </a:stretch>
-          </p:blipFill>
-          <p:spPr>
-            <a:xfrm>
-              <a:off x="3143250" y="2892975"/>
-              <a:ext cx="1964775" cy="1964775"/>
-            </a:xfrm>
-            <a:prstGeom prst="rect">
-              <a:avLst/>
-            </a:prstGeom>
-            <a:noFill/>
-            <a:ln>
-              <a:noFill/>
-            </a:ln>
-          </p:spPr>
-        </p:pic>
-      </p:grpSp>
-      <p:sp>
-        <p:nvSpPr>
-          <p:cNvPr id="19" name="Shape 1682"/>
-          <p:cNvSpPr/>
-          <p:nvPr/>
-        </p:nvSpPr>
-        <p:spPr>
-          <a:xfrm>
-            <a:off x="3264146" y="2627276"/>
-            <a:ext cx="1743300" cy="1274850"/>
-          </a:xfrm>
-          <a:prstGeom prst="roundRect">
-            <a:avLst>
-              <a:gd name="adj" fmla="val 16667"/>
-            </a:avLst>
-          </a:prstGeom>
-          <a:solidFill>
-            <a:schemeClr val="accent6"/>
-          </a:solidFill>
-          <a:ln w="19050" cap="flat" cmpd="sng">
-            <a:solidFill>
-              <a:srgbClr val="F1C232"/>
-            </a:solidFill>
-            <a:prstDash val="solid"/>
-            <a:round/>
-            <a:headEnd type="none" w="med" len="med"/>
-            <a:tailEnd type="none" w="med" len="med"/>
-          </a:ln>
-        </p:spPr>
-        <p:txBody>
-          <a:bodyPr lIns="68569" tIns="68569" rIns="68569" bIns="68569" anchor="ctr" anchorCtr="0">
-            <a:noAutofit/>
-          </a:bodyPr>
-          <a:lstStyle/>
-          <a:p>
-            <a:pPr algn="ctr"/>
-            <a:endParaRPr sz="1350" b="1" dirty="0">
-              <a:latin typeface="+mj-lt"/>
-            </a:endParaRPr>
-          </a:p>
-          <a:p>
-            <a:pPr algn="ctr"/>
-            <a:endParaRPr sz="1350" b="1" dirty="0">
-              <a:latin typeface="+mj-lt"/>
-            </a:endParaRPr>
-          </a:p>
-          <a:p>
-            <a:pPr algn="ctr"/>
-            <a:endParaRPr sz="1350" b="1" dirty="0">
-              <a:latin typeface="+mj-lt"/>
-            </a:endParaRPr>
-          </a:p>
-          <a:p>
-            <a:pPr algn="ctr"/>
-            <a:r>
-              <a:rPr lang="en" sz="1350" b="1" dirty="0">
-                <a:cs typeface="Arial" panose="020B0604020202020204" pitchFamily="34" charset="0"/>
-              </a:rPr>
-              <a:t>Web Application</a:t>
-            </a:r>
-          </a:p>
-          <a:p>
-            <a:pPr algn="ctr"/>
-            <a:r>
-              <a:rPr lang="en" sz="1350" b="1" dirty="0">
-                <a:cs typeface="Arial" panose="020B0604020202020204" pitchFamily="34" charset="0"/>
-              </a:rPr>
-              <a:t>(Server side)</a:t>
-            </a:r>
-          </a:p>
-        </p:txBody>
-      </p:sp>
-      <p:pic>
-        <p:nvPicPr>
-          <p:cNvPr id="20" name="Shape 1696"/>
-          <p:cNvPicPr preferRelativeResize="0"/>
-          <p:nvPr/>
-        </p:nvPicPr>
-        <p:blipFill>
-          <a:blip r:embed="rId4">
-            <a:alphaModFix/>
-          </a:blip>
-          <a:stretch>
-            <a:fillRect/>
-          </a:stretch>
-        </p:blipFill>
-        <p:spPr>
-          <a:xfrm>
-            <a:off x="3879315" y="2660459"/>
-            <a:ext cx="599201" cy="716850"/>
-          </a:xfrm>
-          <a:prstGeom prst="rect">
-            <a:avLst/>
-          </a:prstGeom>
-          <a:noFill/>
-          <a:ln>
-            <a:noFill/>
-          </a:ln>
-        </p:spPr>
-      </p:pic>
-      <p:cxnSp>
-        <p:nvCxnSpPr>
-          <p:cNvPr id="8" name="Straight Arrow Connector 7"/>
+          <p:cNvPr id="24" name="Straight Arrow Connector 23"/>
           <p:cNvCxnSpPr>
             <a:cxnSpLocks/>
           </p:cNvCxnSpPr>
           <p:nvPr/>
         </p:nvCxnSpPr>
         <p:spPr>
-          <a:xfrm flipV="1">
-            <a:off x="1935727" y="3098779"/>
-            <a:ext cx="1339481" cy="4758"/>
+          <a:xfrm>
+            <a:off x="5023516" y="3578102"/>
+            <a:ext cx="1408448" cy="0"/>
           </a:xfrm>
           <a:prstGeom prst="straightConnector1">
             <a:avLst/>
@@ -16405,84 +18835,16 @@
           </a:fontRef>
         </p:style>
       </p:cxnSp>
-      <p:pic>
-        <p:nvPicPr>
-          <p:cNvPr id="22" name="Picture 21"/>
-          <p:cNvPicPr>
-            <a:picLocks noChangeAspect="1"/>
-          </p:cNvPicPr>
-          <p:nvPr/>
-        </p:nvPicPr>
-        <p:blipFill>
-          <a:blip r:embed="rId5">
-            <a:extLst>
-              <a:ext uri="{28A0092B-C50C-407E-A947-70E740481C1C}">
-                <a14:useLocalDpi xmlns:a14="http://schemas.microsoft.com/office/drawing/2010/main" val="0"/>
-              </a:ext>
-            </a:extLst>
-          </a:blip>
-          <a:stretch>
-            <a:fillRect/>
-          </a:stretch>
-        </p:blipFill>
-        <p:spPr>
-          <a:xfrm>
-            <a:off x="6346927" y="2619238"/>
-            <a:ext cx="1282889" cy="1282889"/>
-          </a:xfrm>
-          <a:prstGeom prst="rect">
-            <a:avLst/>
-          </a:prstGeom>
-        </p:spPr>
-      </p:pic>
-      <p:cxnSp>
-        <p:nvCxnSpPr>
-          <p:cNvPr id="23" name="Straight Arrow Connector 22"/>
-          <p:cNvCxnSpPr>
-            <a:cxnSpLocks/>
-          </p:cNvCxnSpPr>
-          <p:nvPr/>
-        </p:nvCxnSpPr>
-        <p:spPr>
-          <a:xfrm>
-            <a:off x="5049502" y="3098779"/>
-            <a:ext cx="1408448" cy="0"/>
-          </a:xfrm>
-          <a:prstGeom prst="straightConnector1">
-            <a:avLst/>
-          </a:prstGeom>
-          <a:ln w="88900">
-            <a:solidFill>
-              <a:schemeClr val="accent6"/>
-            </a:solidFill>
-            <a:tailEnd type="triangle"/>
-          </a:ln>
-        </p:spPr>
-        <p:style>
-          <a:lnRef idx="1">
-            <a:schemeClr val="accent1"/>
-          </a:lnRef>
-          <a:fillRef idx="0">
-            <a:schemeClr val="accent1"/>
-          </a:fillRef>
-          <a:effectRef idx="0">
-            <a:schemeClr val="accent1"/>
-          </a:effectRef>
-          <a:fontRef idx="minor">
-            <a:schemeClr val="tx1"/>
-          </a:fontRef>
-        </p:style>
-      </p:cxnSp>
-      <p:sp>
-        <p:nvSpPr>
-          <p:cNvPr id="3" name="TextBox 2"/>
+      <p:sp>
+        <p:nvSpPr>
+          <p:cNvPr id="4" name="TextBox 3"/>
           <p:cNvSpPr txBox="1"/>
           <p:nvPr/>
         </p:nvSpPr>
         <p:spPr>
           <a:xfrm>
-            <a:off x="5023515" y="2366121"/>
-            <a:ext cx="1434435" cy="715581"/>
+            <a:off x="5007446" y="3656249"/>
+            <a:ext cx="1625465" cy="507831"/>
           </a:xfrm>
           <a:prstGeom prst="rect">
             <a:avLst/>
@@ -16495,358 +18857,24 @@
           </a:bodyPr>
           <a:lstStyle/>
           <a:p>
+            <a:pPr algn="just"/>
             <a:r>
               <a:rPr lang="en-US" sz="1350" dirty="0"/>
-              <a:t>Get notification based on </a:t>
-            </a:r>
-            <a:r>
-              <a:rPr lang="en-US" sz="1350" dirty="0" err="1"/>
-              <a:t>accountId</a:t>
-            </a:r>
-            <a:endParaRPr lang="en-US" sz="1350" dirty="0"/>
-          </a:p>
-        </p:txBody>
-      </p:sp>
-      <p:cxnSp>
-        <p:nvCxnSpPr>
-          <p:cNvPr id="14" name="Straight Arrow Connector 13"/>
-          <p:cNvCxnSpPr>
-            <a:cxnSpLocks/>
-          </p:cNvCxnSpPr>
-          <p:nvPr/>
-        </p:nvCxnSpPr>
-        <p:spPr>
-          <a:xfrm flipH="1">
-            <a:off x="5007446" y="3338117"/>
-            <a:ext cx="1339481" cy="4019"/>
-          </a:xfrm>
-          <a:prstGeom prst="straightConnector1">
-            <a:avLst/>
-          </a:prstGeom>
-          <a:ln w="88900">
-            <a:solidFill>
-              <a:schemeClr val="accent6"/>
-            </a:solidFill>
-            <a:tailEnd type="triangle"/>
-          </a:ln>
-        </p:spPr>
-        <p:style>
-          <a:lnRef idx="1">
-            <a:schemeClr val="accent1"/>
-          </a:lnRef>
-          <a:fillRef idx="0">
-            <a:schemeClr val="accent1"/>
-          </a:fillRef>
-          <a:effectRef idx="0">
-            <a:schemeClr val="accent1"/>
-          </a:effectRef>
-          <a:fontRef idx="minor">
-            <a:schemeClr val="tx1"/>
-          </a:fontRef>
-        </p:style>
-      </p:cxnSp>
-      <p:cxnSp>
-        <p:nvCxnSpPr>
-          <p:cNvPr id="21" name="Straight Arrow Connector 20"/>
-          <p:cNvCxnSpPr>
-            <a:cxnSpLocks/>
-          </p:cNvCxnSpPr>
-          <p:nvPr/>
-        </p:nvCxnSpPr>
-        <p:spPr>
-          <a:xfrm flipH="1">
-            <a:off x="1935733" y="3478363"/>
-            <a:ext cx="1339481" cy="4019"/>
-          </a:xfrm>
-          <a:prstGeom prst="straightConnector1">
-            <a:avLst/>
-          </a:prstGeom>
-          <a:ln w="88900">
-            <a:solidFill>
-              <a:schemeClr val="accent6"/>
-            </a:solidFill>
-            <a:tailEnd type="triangle"/>
-          </a:ln>
-        </p:spPr>
-        <p:style>
-          <a:lnRef idx="1">
-            <a:schemeClr val="accent1"/>
-          </a:lnRef>
-          <a:fillRef idx="0">
-            <a:schemeClr val="accent1"/>
-          </a:fillRef>
-          <a:effectRef idx="0">
-            <a:schemeClr val="accent1"/>
-          </a:effectRef>
-          <a:fontRef idx="minor">
-            <a:schemeClr val="tx1"/>
-          </a:fontRef>
-        </p:style>
-      </p:cxnSp>
-      <p:grpSp>
-        <p:nvGrpSpPr>
-          <p:cNvPr id="30" name="Shape 688"/>
-          <p:cNvGrpSpPr/>
-          <p:nvPr/>
-        </p:nvGrpSpPr>
-        <p:grpSpPr>
-          <a:xfrm>
-            <a:off x="1935727" y="4039990"/>
-            <a:ext cx="1471823" cy="1592092"/>
-            <a:chOff x="4336150" y="2339323"/>
-            <a:chExt cx="1814399" cy="1044951"/>
-          </a:xfrm>
-          <a:solidFill>
-            <a:schemeClr val="accent6"/>
-          </a:solidFill>
-        </p:grpSpPr>
-        <p:sp>
-          <p:nvSpPr>
-            <p:cNvPr id="31" name="Shape 689"/>
-            <p:cNvSpPr/>
-            <p:nvPr/>
-          </p:nvSpPr>
-          <p:spPr>
-            <a:xfrm>
-              <a:off x="4336150" y="2708975"/>
-              <a:ext cx="1814399" cy="675299"/>
-            </a:xfrm>
-            <a:prstGeom prst="rect">
-              <a:avLst/>
-            </a:prstGeom>
-            <a:ln>
-              <a:headEnd type="none" w="med" len="med"/>
-              <a:tailEnd type="none" w="med" len="med"/>
-            </a:ln>
-          </p:spPr>
-          <p:style>
-            <a:lnRef idx="2">
-              <a:schemeClr val="accent6">
-                <a:shade val="50000"/>
-              </a:schemeClr>
-            </a:lnRef>
-            <a:fillRef idx="1">
-              <a:schemeClr val="accent6"/>
-            </a:fillRef>
-            <a:effectRef idx="0">
-              <a:schemeClr val="accent6"/>
-            </a:effectRef>
-            <a:fontRef idx="minor">
-              <a:schemeClr val="lt1"/>
-            </a:fontRef>
-          </p:style>
-          <p:txBody>
-            <a:bodyPr lIns="68569" tIns="68569" rIns="68569" bIns="68569" anchor="t" anchorCtr="0">
-              <a:noAutofit/>
-            </a:bodyPr>
-            <a:lstStyle/>
-            <a:p>
-              <a:pPr defTabSz="685800"/>
-              <a:r>
-                <a:rPr lang="en-US" sz="1500" kern="0" dirty="0">
-                  <a:solidFill>
-                    <a:schemeClr val="tx1"/>
-                  </a:solidFill>
-                  <a:latin typeface="Arial"/>
-                  <a:cs typeface="Arial"/>
-                  <a:sym typeface="Arial"/>
-                  <a:rtl val="0"/>
-                </a:rPr>
-                <a:t>r</a:t>
-              </a:r>
-              <a:r>
-                <a:rPr lang="en" sz="1500" kern="0" dirty="0">
-                  <a:solidFill>
-                    <a:schemeClr val="tx1"/>
-                  </a:solidFill>
-                  <a:latin typeface="Arial"/>
-                  <a:cs typeface="Arial"/>
-                  <a:sym typeface="Arial"/>
-                  <a:rtl val="0"/>
-                </a:rPr>
-                <a:t>eceiverId</a:t>
-              </a:r>
-            </a:p>
-            <a:p>
-              <a:pPr defTabSz="685800"/>
-              <a:r>
-                <a:rPr lang="en-US" sz="1500" b="1" kern="0" dirty="0">
-                  <a:solidFill>
-                    <a:srgbClr val="FF0000"/>
-                  </a:solidFill>
-                  <a:latin typeface="Arial"/>
-                  <a:cs typeface="Arial"/>
-                  <a:sym typeface="Arial"/>
-                  <a:rtl val="0"/>
-                </a:rPr>
-                <a:t>t</a:t>
-              </a:r>
-              <a:r>
-                <a:rPr lang="en" sz="1500" b="1" kern="0" dirty="0">
-                  <a:solidFill>
-                    <a:srgbClr val="FF0000"/>
-                  </a:solidFill>
-                  <a:latin typeface="Arial"/>
-                  <a:cs typeface="Arial"/>
-                  <a:sym typeface="Arial"/>
-                  <a:rtl val="0"/>
-                </a:rPr>
-                <a:t>ype</a:t>
-              </a:r>
-            </a:p>
-            <a:p>
-              <a:pPr defTabSz="685800"/>
-              <a:r>
-                <a:rPr lang="en-US" sz="1500" kern="0" dirty="0">
-                  <a:solidFill>
-                    <a:srgbClr val="000000"/>
-                  </a:solidFill>
-                  <a:latin typeface="Arial"/>
-                  <a:cs typeface="Arial"/>
-                  <a:sym typeface="Arial"/>
-                  <a:rtl val="0"/>
-                </a:rPr>
-                <a:t>s</a:t>
-              </a:r>
-              <a:r>
-                <a:rPr lang="en" sz="1500" kern="0" dirty="0">
-                  <a:solidFill>
-                    <a:srgbClr val="000000"/>
-                  </a:solidFill>
-                  <a:latin typeface="Arial"/>
-                  <a:cs typeface="Arial"/>
-                  <a:sym typeface="Arial"/>
-                  <a:rtl val="0"/>
-                </a:rPr>
-                <a:t>tatus</a:t>
-              </a:r>
-            </a:p>
-            <a:p>
-              <a:pPr defTabSz="685800"/>
-              <a:r>
-                <a:rPr lang="en" sz="1500" kern="0" dirty="0">
-                  <a:solidFill>
-                    <a:srgbClr val="000000"/>
-                  </a:solidFill>
-                  <a:latin typeface="Arial"/>
-                  <a:cs typeface="Arial"/>
-                  <a:sym typeface="Arial"/>
-                  <a:rtl val="0"/>
-                </a:rPr>
-                <a:t>…</a:t>
-              </a:r>
-            </a:p>
-          </p:txBody>
-        </p:sp>
-        <p:sp>
-          <p:nvSpPr>
-            <p:cNvPr id="32" name="Shape 690"/>
-            <p:cNvSpPr/>
-            <p:nvPr/>
-          </p:nvSpPr>
-          <p:spPr>
-            <a:xfrm>
-              <a:off x="4336150" y="2339323"/>
-              <a:ext cx="1814399" cy="362999"/>
-            </a:xfrm>
-            <a:prstGeom prst="rect">
-              <a:avLst/>
-            </a:prstGeom>
-            <a:ln>
-              <a:headEnd type="none" w="med" len="med"/>
-              <a:tailEnd type="none" w="med" len="med"/>
-            </a:ln>
-          </p:spPr>
-          <p:style>
-            <a:lnRef idx="2">
-              <a:schemeClr val="accent6">
-                <a:shade val="50000"/>
-              </a:schemeClr>
-            </a:lnRef>
-            <a:fillRef idx="1">
-              <a:schemeClr val="accent6"/>
-            </a:fillRef>
-            <a:effectRef idx="0">
-              <a:schemeClr val="accent6"/>
-            </a:effectRef>
-            <a:fontRef idx="minor">
-              <a:schemeClr val="lt1"/>
-            </a:fontRef>
-          </p:style>
-          <p:txBody>
-            <a:bodyPr lIns="68569" tIns="68569" rIns="68569" bIns="68569" anchor="ctr" anchorCtr="0">
-              <a:noAutofit/>
-            </a:bodyPr>
-            <a:lstStyle/>
-            <a:p>
-              <a:pPr defTabSz="685800"/>
-              <a:r>
-                <a:rPr lang="en" b="1" kern="0" dirty="0">
-                  <a:solidFill>
-                    <a:srgbClr val="000000"/>
-                  </a:solidFill>
-                  <a:latin typeface="Arial"/>
-                  <a:cs typeface="Arial"/>
-                  <a:sym typeface="Arial"/>
-                  <a:rtl val="0"/>
-                </a:rPr>
-                <a:t>Notify</a:t>
-              </a:r>
-              <a:endParaRPr lang="en" sz="1050" b="1" kern="0" dirty="0">
-                <a:solidFill>
-                  <a:srgbClr val="000000"/>
-                </a:solidFill>
-                <a:latin typeface="Arial"/>
-                <a:cs typeface="Arial"/>
-                <a:sym typeface="Arial"/>
-                <a:rtl val="0"/>
-              </a:endParaRPr>
-            </a:p>
-          </p:txBody>
-        </p:sp>
-      </p:grpSp>
-      <p:cxnSp>
-        <p:nvCxnSpPr>
-          <p:cNvPr id="15" name="Straight Connector 14"/>
-          <p:cNvCxnSpPr>
-            <a:stCxn id="32" idx="0"/>
-          </p:cNvCxnSpPr>
-          <p:nvPr/>
-        </p:nvCxnSpPr>
-        <p:spPr>
-          <a:xfrm flipH="1" flipV="1">
-            <a:off x="2657226" y="3485932"/>
-            <a:ext cx="14413" cy="554058"/>
-          </a:xfrm>
-          <a:prstGeom prst="line">
-            <a:avLst/>
-          </a:prstGeom>
-        </p:spPr>
-        <p:style>
-          <a:lnRef idx="1">
-            <a:schemeClr val="accent6"/>
-          </a:lnRef>
-          <a:fillRef idx="0">
-            <a:schemeClr val="accent6"/>
-          </a:fillRef>
-          <a:effectRef idx="0">
-            <a:schemeClr val="accent6"/>
-          </a:effectRef>
-          <a:fontRef idx="minor">
-            <a:schemeClr val="tx1"/>
-          </a:fontRef>
-        </p:style>
-      </p:cxnSp>
-      <p:sp>
-        <p:nvSpPr>
-          <p:cNvPr id="24" name="TextBox 23"/>
+              <a:t>Update notification’s status</a:t>
+            </a:r>
+          </a:p>
+        </p:txBody>
+      </p:sp>
+      <p:sp>
+        <p:nvSpPr>
+          <p:cNvPr id="18" name="TextBox 17"/>
           <p:cNvSpPr txBox="1"/>
           <p:nvPr/>
         </p:nvSpPr>
         <p:spPr>
           <a:xfrm>
-            <a:off x="2036674" y="2102598"/>
-            <a:ext cx="1227802" cy="954107"/>
+            <a:off x="1988696" y="2280220"/>
+            <a:ext cx="1227802" cy="738664"/>
           </a:xfrm>
           <a:prstGeom prst="rect">
             <a:avLst/>
@@ -16864,436 +18892,28 @@
               <a:t>Send get notification </a:t>
             </a:r>
             <a:r>
-              <a:rPr lang="en-US" sz="1400" dirty="0"/>
-              <a:t>request with </a:t>
-            </a:r>
-            <a:r>
-              <a:rPr lang="en-US" sz="1400" dirty="0" err="1"/>
-              <a:t>accountId</a:t>
+              <a:rPr lang="en-US" sz="1400" dirty="0" smtClean="0"/>
+              <a:t>request</a:t>
             </a:r>
             <a:endParaRPr lang="en-US" sz="1400" dirty="0"/>
           </a:p>
         </p:txBody>
       </p:sp>
-    </p:spTree>
-    <p:extLst>
-      <p:ext uri="{BB962C8B-B14F-4D97-AF65-F5344CB8AC3E}">
-        <p14:creationId xmlns:p14="http://schemas.microsoft.com/office/powerpoint/2010/main" val="432660418"/>
-      </p:ext>
-    </p:extLst>
-  </p:cSld>
-  <p:clrMapOvr>
-    <a:masterClrMapping/>
-  </p:clrMapOvr>
-  <p:timing>
-    <p:tnLst>
-      <p:par>
-        <p:cTn id="1" dur="indefinite" restart="never" nodeType="tmRoot"/>
-      </p:par>
-    </p:tnLst>
-  </p:timing>
-</p:sld>
-</file>
-
-<file path=ppt/slides/slide16.xml><?xml version="1.0" encoding="utf-8"?>
-<p:sld xmlns:a="http://schemas.openxmlformats.org/drawingml/2006/main" xmlns:r="http://schemas.openxmlformats.org/officeDocument/2006/relationships" xmlns:p="http://schemas.openxmlformats.org/presentationml/2006/main">
-  <p:cSld>
-    <p:spTree>
-      <p:nvGrpSpPr>
-        <p:cNvPr id="1" name=""/>
-        <p:cNvGrpSpPr/>
-        <p:nvPr/>
-      </p:nvGrpSpPr>
-      <p:grpSpPr>
-        <a:xfrm>
-          <a:off x="0" y="0"/>
-          <a:ext cx="0" cy="0"/>
-          <a:chOff x="0" y="0"/>
-          <a:chExt cx="0" cy="0"/>
-        </a:xfrm>
-      </p:grpSpPr>
-      <p:sp>
-        <p:nvSpPr>
-          <p:cNvPr id="2" name="Slide Number Placeholder 1"/>
-          <p:cNvSpPr>
-            <a:spLocks noGrp="1"/>
-          </p:cNvSpPr>
-          <p:nvPr>
-            <p:ph type="sldNum" sz="quarter" idx="12"/>
-          </p:nvPr>
-        </p:nvSpPr>
-        <p:spPr/>
-        <p:txBody>
-          <a:bodyPr/>
-          <a:lstStyle/>
-          <a:p>
-            <a:fld id="{00000000-1234-1234-1234-123412341234}" type="slidenum">
-              <a:rPr lang="en" smtClean="0">
-                <a:solidFill>
-                  <a:srgbClr val="FFFFFF"/>
-                </a:solidFill>
-              </a:rPr>
-              <a:pPr/>
-              <a:t>16</a:t>
-            </a:fld>
-            <a:endParaRPr lang="en">
-              <a:solidFill>
-                <a:srgbClr val="FFFFFF"/>
-              </a:solidFill>
-            </a:endParaRPr>
-          </a:p>
-        </p:txBody>
-      </p:sp>
-      <p:sp>
-        <p:nvSpPr>
-          <p:cNvPr id="5" name="Shape 300"/>
+      <p:sp>
+        <p:nvSpPr>
+          <p:cNvPr id="26" name="TextBox 25"/>
           <p:cNvSpPr txBox="1"/>
           <p:nvPr/>
         </p:nvSpPr>
         <p:spPr>
           <a:xfrm>
-            <a:off x="2141097" y="1229396"/>
-            <a:ext cx="5445104" cy="800351"/>
+            <a:off x="5007446" y="2649552"/>
+            <a:ext cx="1434435" cy="300082"/>
           </a:xfrm>
           <a:prstGeom prst="rect">
             <a:avLst/>
           </a:prstGeom>
           <a:noFill/>
-          <a:ln>
-            <a:noFill/>
-          </a:ln>
-        </p:spPr>
-        <p:txBody>
-          <a:bodyPr lIns="68569" tIns="68569" rIns="68569" bIns="68569" anchor="ctr" anchorCtr="0">
-            <a:noAutofit/>
-          </a:bodyPr>
-          <a:lstStyle/>
-          <a:p>
-            <a:pPr algn="ctr">
-              <a:buClr>
-                <a:srgbClr val="000000"/>
-              </a:buClr>
-              <a:buSzPct val="25000"/>
-              <a:buFont typeface="Arial"/>
-              <a:buNone/>
-            </a:pPr>
-            <a:r>
-              <a:rPr lang="en-US" sz="3300" b="1" kern="0" dirty="0">
-                <a:solidFill>
-                  <a:srgbClr val="00B050"/>
-                </a:solidFill>
-                <a:cs typeface="Arial"/>
-                <a:sym typeface="Arial"/>
-                <a:rtl val="0"/>
-              </a:rPr>
-              <a:t>Check notification of patient</a:t>
-            </a:r>
-          </a:p>
-        </p:txBody>
-      </p:sp>
-      <p:grpSp>
-        <p:nvGrpSpPr>
-          <p:cNvPr id="12" name="Shape 1634"/>
-          <p:cNvGrpSpPr/>
-          <p:nvPr/>
-        </p:nvGrpSpPr>
-        <p:grpSpPr>
-          <a:xfrm>
-            <a:off x="618218" y="2628753"/>
-            <a:ext cx="1306448" cy="1281412"/>
-            <a:chOff x="2711675" y="2364825"/>
-            <a:chExt cx="2695799" cy="2900699"/>
-          </a:xfrm>
-        </p:grpSpPr>
-        <p:sp>
-          <p:nvSpPr>
-            <p:cNvPr id="13" name="Shape 1635"/>
-            <p:cNvSpPr/>
-            <p:nvPr/>
-          </p:nvSpPr>
-          <p:spPr>
-            <a:xfrm>
-              <a:off x="2711675" y="2364825"/>
-              <a:ext cx="2695799" cy="2900699"/>
-            </a:xfrm>
-            <a:prstGeom prst="roundRect">
-              <a:avLst>
-                <a:gd name="adj" fmla="val 16667"/>
-              </a:avLst>
-            </a:prstGeom>
-            <a:solidFill>
-              <a:srgbClr val="93C47D"/>
-            </a:solidFill>
-            <a:ln w="38100" cap="flat" cmpd="sng">
-              <a:solidFill>
-                <a:srgbClr val="38761D"/>
-              </a:solidFill>
-              <a:prstDash val="solid"/>
-              <a:round/>
-              <a:headEnd type="none" w="med" len="med"/>
-              <a:tailEnd type="none" w="med" len="med"/>
-            </a:ln>
-          </p:spPr>
-          <p:txBody>
-            <a:bodyPr lIns="68569" tIns="68569" rIns="68569" bIns="68569" anchor="ctr" anchorCtr="0">
-              <a:noAutofit/>
-            </a:bodyPr>
-            <a:lstStyle/>
-            <a:p>
-              <a:endParaRPr sz="1350"/>
-            </a:p>
-          </p:txBody>
-        </p:sp>
-        <p:pic>
-          <p:nvPicPr>
-            <p:cNvPr id="17" name="Shape 1636"/>
-            <p:cNvPicPr preferRelativeResize="0"/>
-            <p:nvPr/>
-          </p:nvPicPr>
-          <p:blipFill>
-            <a:blip r:embed="rId3">
-              <a:alphaModFix/>
-            </a:blip>
-            <a:stretch>
-              <a:fillRect/>
-            </a:stretch>
-          </p:blipFill>
-          <p:spPr>
-            <a:xfrm>
-              <a:off x="3143250" y="2892975"/>
-              <a:ext cx="1964775" cy="1964775"/>
-            </a:xfrm>
-            <a:prstGeom prst="rect">
-              <a:avLst/>
-            </a:prstGeom>
-            <a:noFill/>
-            <a:ln>
-              <a:noFill/>
-            </a:ln>
-          </p:spPr>
-        </p:pic>
-      </p:grpSp>
-      <p:sp>
-        <p:nvSpPr>
-          <p:cNvPr id="19" name="Shape 1682"/>
-          <p:cNvSpPr/>
-          <p:nvPr/>
-        </p:nvSpPr>
-        <p:spPr>
-          <a:xfrm>
-            <a:off x="3264146" y="2627276"/>
-            <a:ext cx="1743300" cy="1274850"/>
-          </a:xfrm>
-          <a:prstGeom prst="roundRect">
-            <a:avLst>
-              <a:gd name="adj" fmla="val 16667"/>
-            </a:avLst>
-          </a:prstGeom>
-          <a:solidFill>
-            <a:schemeClr val="accent6"/>
-          </a:solidFill>
-          <a:ln w="19050" cap="flat" cmpd="sng">
-            <a:solidFill>
-              <a:srgbClr val="F1C232"/>
-            </a:solidFill>
-            <a:prstDash val="solid"/>
-            <a:round/>
-            <a:headEnd type="none" w="med" len="med"/>
-            <a:tailEnd type="none" w="med" len="med"/>
-          </a:ln>
-        </p:spPr>
-        <p:txBody>
-          <a:bodyPr lIns="68569" tIns="68569" rIns="68569" bIns="68569" anchor="ctr" anchorCtr="0">
-            <a:noAutofit/>
-          </a:bodyPr>
-          <a:lstStyle/>
-          <a:p>
-            <a:pPr algn="ctr"/>
-            <a:endParaRPr sz="1350" b="1" dirty="0">
-              <a:latin typeface="+mj-lt"/>
-            </a:endParaRPr>
-          </a:p>
-          <a:p>
-            <a:pPr algn="ctr"/>
-            <a:endParaRPr sz="1350" b="1" dirty="0">
-              <a:latin typeface="+mj-lt"/>
-            </a:endParaRPr>
-          </a:p>
-          <a:p>
-            <a:pPr algn="ctr"/>
-            <a:endParaRPr sz="1350" b="1" dirty="0">
-              <a:latin typeface="+mj-lt"/>
-            </a:endParaRPr>
-          </a:p>
-          <a:p>
-            <a:pPr algn="ctr"/>
-            <a:r>
-              <a:rPr lang="en" sz="1350" b="1" dirty="0">
-                <a:cs typeface="Arial" panose="020B0604020202020204" pitchFamily="34" charset="0"/>
-              </a:rPr>
-              <a:t>Web Application</a:t>
-            </a:r>
-          </a:p>
-          <a:p>
-            <a:pPr algn="ctr"/>
-            <a:r>
-              <a:rPr lang="en" sz="1350" b="1" dirty="0">
-                <a:cs typeface="Arial" panose="020B0604020202020204" pitchFamily="34" charset="0"/>
-              </a:rPr>
-              <a:t>(Server side)</a:t>
-            </a:r>
-          </a:p>
-        </p:txBody>
-      </p:sp>
-      <p:pic>
-        <p:nvPicPr>
-          <p:cNvPr id="20" name="Shape 1696"/>
-          <p:cNvPicPr preferRelativeResize="0"/>
-          <p:nvPr/>
-        </p:nvPicPr>
-        <p:blipFill>
-          <a:blip r:embed="rId4">
-            <a:alphaModFix/>
-          </a:blip>
-          <a:stretch>
-            <a:fillRect/>
-          </a:stretch>
-        </p:blipFill>
-        <p:spPr>
-          <a:xfrm>
-            <a:off x="3879315" y="2660459"/>
-            <a:ext cx="599201" cy="716850"/>
-          </a:xfrm>
-          <a:prstGeom prst="rect">
-            <a:avLst/>
-          </a:prstGeom>
-          <a:noFill/>
-          <a:ln>
-            <a:noFill/>
-          </a:ln>
-        </p:spPr>
-      </p:pic>
-      <p:cxnSp>
-        <p:nvCxnSpPr>
-          <p:cNvPr id="8" name="Straight Arrow Connector 7"/>
-          <p:cNvCxnSpPr>
-            <a:cxnSpLocks/>
-          </p:cNvCxnSpPr>
-          <p:nvPr/>
-        </p:nvCxnSpPr>
-        <p:spPr>
-          <a:xfrm flipV="1">
-            <a:off x="1935727" y="3098779"/>
-            <a:ext cx="1339481" cy="4758"/>
-          </a:xfrm>
-          <a:prstGeom prst="straightConnector1">
-            <a:avLst/>
-          </a:prstGeom>
-          <a:ln w="88900">
-            <a:solidFill>
-              <a:schemeClr val="accent6"/>
-            </a:solidFill>
-            <a:tailEnd type="triangle"/>
-          </a:ln>
-        </p:spPr>
-        <p:style>
-          <a:lnRef idx="1">
-            <a:schemeClr val="accent1"/>
-          </a:lnRef>
-          <a:fillRef idx="0">
-            <a:schemeClr val="accent1"/>
-          </a:fillRef>
-          <a:effectRef idx="0">
-            <a:schemeClr val="accent1"/>
-          </a:effectRef>
-          <a:fontRef idx="minor">
-            <a:schemeClr val="tx1"/>
-          </a:fontRef>
-        </p:style>
-      </p:cxnSp>
-      <p:pic>
-        <p:nvPicPr>
-          <p:cNvPr id="22" name="Picture 21"/>
-          <p:cNvPicPr>
-            <a:picLocks noChangeAspect="1"/>
-          </p:cNvPicPr>
-          <p:nvPr/>
-        </p:nvPicPr>
-        <p:blipFill>
-          <a:blip r:embed="rId5">
-            <a:extLst>
-              <a:ext uri="{28A0092B-C50C-407E-A947-70E740481C1C}">
-                <a14:useLocalDpi xmlns:a14="http://schemas.microsoft.com/office/drawing/2010/main" val="0"/>
-              </a:ext>
-            </a:extLst>
-          </a:blip>
-          <a:stretch>
-            <a:fillRect/>
-          </a:stretch>
-        </p:blipFill>
-        <p:spPr>
-          <a:xfrm>
-            <a:off x="6346927" y="2619238"/>
-            <a:ext cx="1282889" cy="1282889"/>
-          </a:xfrm>
-          <a:prstGeom prst="rect">
-            <a:avLst/>
-          </a:prstGeom>
-        </p:spPr>
-      </p:pic>
-      <p:cxnSp>
-        <p:nvCxnSpPr>
-          <p:cNvPr id="23" name="Straight Arrow Connector 22"/>
-          <p:cNvCxnSpPr>
-            <a:cxnSpLocks/>
-          </p:cNvCxnSpPr>
-          <p:nvPr/>
-        </p:nvCxnSpPr>
-        <p:spPr>
-          <a:xfrm>
-            <a:off x="5049502" y="3098779"/>
-            <a:ext cx="1408448" cy="0"/>
-          </a:xfrm>
-          <a:prstGeom prst="straightConnector1">
-            <a:avLst/>
-          </a:prstGeom>
-          <a:ln w="88900">
-            <a:solidFill>
-              <a:schemeClr val="accent6"/>
-            </a:solidFill>
-            <a:tailEnd type="triangle"/>
-          </a:ln>
-        </p:spPr>
-        <p:style>
-          <a:lnRef idx="1">
-            <a:schemeClr val="accent1"/>
-          </a:lnRef>
-          <a:fillRef idx="0">
-            <a:schemeClr val="accent1"/>
-          </a:fillRef>
-          <a:effectRef idx="0">
-            <a:schemeClr val="accent1"/>
-          </a:effectRef>
-          <a:fontRef idx="minor">
-            <a:schemeClr val="tx1"/>
-          </a:fontRef>
-        </p:style>
-      </p:cxnSp>
-      <p:sp>
-        <p:nvSpPr>
-          <p:cNvPr id="3" name="TextBox 2"/>
-          <p:cNvSpPr txBox="1"/>
-          <p:nvPr/>
-        </p:nvSpPr>
-        <p:spPr>
-          <a:xfrm>
-            <a:off x="5023515" y="2366121"/>
-            <a:ext cx="1434435" cy="715581"/>
-          </a:xfrm>
-          <a:prstGeom prst="rect">
-            <a:avLst/>
-          </a:prstGeom>
-          <a:noFill/>
         </p:spPr>
         <p:txBody>
           <a:bodyPr wrap="square" rtlCol="0">
@@ -17303,1001 +18923,13 @@
           <a:p>
             <a:r>
               <a:rPr lang="en-US" sz="1350" dirty="0"/>
-              <a:t>Get notification based on </a:t>
-            </a:r>
-            <a:r>
-              <a:rPr lang="en-US" sz="1350" dirty="0" err="1"/>
-              <a:t>accountId</a:t>
+              <a:t>Get </a:t>
+            </a:r>
+            <a:r>
+              <a:rPr lang="en-US" sz="1350" dirty="0" smtClean="0"/>
+              <a:t>notifications</a:t>
             </a:r>
             <a:endParaRPr lang="en-US" sz="1350" dirty="0"/>
-          </a:p>
-        </p:txBody>
-      </p:sp>
-      <p:cxnSp>
-        <p:nvCxnSpPr>
-          <p:cNvPr id="14" name="Straight Arrow Connector 13"/>
-          <p:cNvCxnSpPr>
-            <a:cxnSpLocks/>
-          </p:cNvCxnSpPr>
-          <p:nvPr/>
-        </p:nvCxnSpPr>
-        <p:spPr>
-          <a:xfrm flipH="1">
-            <a:off x="5007446" y="3338117"/>
-            <a:ext cx="1339481" cy="4019"/>
-          </a:xfrm>
-          <a:prstGeom prst="straightConnector1">
-            <a:avLst/>
-          </a:prstGeom>
-          <a:ln w="88900">
-            <a:solidFill>
-              <a:schemeClr val="accent6"/>
-            </a:solidFill>
-            <a:tailEnd type="triangle"/>
-          </a:ln>
-        </p:spPr>
-        <p:style>
-          <a:lnRef idx="1">
-            <a:schemeClr val="accent1"/>
-          </a:lnRef>
-          <a:fillRef idx="0">
-            <a:schemeClr val="accent1"/>
-          </a:fillRef>
-          <a:effectRef idx="0">
-            <a:schemeClr val="accent1"/>
-          </a:effectRef>
-          <a:fontRef idx="minor">
-            <a:schemeClr val="tx1"/>
-          </a:fontRef>
-        </p:style>
-      </p:cxnSp>
-      <p:cxnSp>
-        <p:nvCxnSpPr>
-          <p:cNvPr id="21" name="Straight Arrow Connector 20"/>
-          <p:cNvCxnSpPr>
-            <a:cxnSpLocks/>
-          </p:cNvCxnSpPr>
-          <p:nvPr/>
-        </p:nvCxnSpPr>
-        <p:spPr>
-          <a:xfrm flipH="1">
-            <a:off x="1935733" y="3478363"/>
-            <a:ext cx="1339481" cy="4019"/>
-          </a:xfrm>
-          <a:prstGeom prst="straightConnector1">
-            <a:avLst/>
-          </a:prstGeom>
-          <a:ln w="88900">
-            <a:solidFill>
-              <a:schemeClr val="accent6"/>
-            </a:solidFill>
-            <a:tailEnd type="triangle"/>
-          </a:ln>
-        </p:spPr>
-        <p:style>
-          <a:lnRef idx="1">
-            <a:schemeClr val="accent1"/>
-          </a:lnRef>
-          <a:fillRef idx="0">
-            <a:schemeClr val="accent1"/>
-          </a:fillRef>
-          <a:effectRef idx="0">
-            <a:schemeClr val="accent1"/>
-          </a:effectRef>
-          <a:fontRef idx="minor">
-            <a:schemeClr val="tx1"/>
-          </a:fontRef>
-        </p:style>
-      </p:cxnSp>
-      <p:grpSp>
-        <p:nvGrpSpPr>
-          <p:cNvPr id="30" name="Shape 688"/>
-          <p:cNvGrpSpPr/>
-          <p:nvPr/>
-        </p:nvGrpSpPr>
-        <p:grpSpPr>
-          <a:xfrm>
-            <a:off x="1935727" y="4039990"/>
-            <a:ext cx="1471823" cy="1592092"/>
-            <a:chOff x="4336150" y="2339323"/>
-            <a:chExt cx="1814399" cy="1044951"/>
-          </a:xfrm>
-          <a:solidFill>
-            <a:schemeClr val="accent6"/>
-          </a:solidFill>
-        </p:grpSpPr>
-        <p:sp>
-          <p:nvSpPr>
-            <p:cNvPr id="31" name="Shape 689"/>
-            <p:cNvSpPr/>
-            <p:nvPr/>
-          </p:nvSpPr>
-          <p:spPr>
-            <a:xfrm>
-              <a:off x="4336150" y="2708975"/>
-              <a:ext cx="1814399" cy="675299"/>
-            </a:xfrm>
-            <a:prstGeom prst="rect">
-              <a:avLst/>
-            </a:prstGeom>
-            <a:ln>
-              <a:headEnd type="none" w="med" len="med"/>
-              <a:tailEnd type="none" w="med" len="med"/>
-            </a:ln>
-          </p:spPr>
-          <p:style>
-            <a:lnRef idx="2">
-              <a:schemeClr val="accent6">
-                <a:shade val="50000"/>
-              </a:schemeClr>
-            </a:lnRef>
-            <a:fillRef idx="1">
-              <a:schemeClr val="accent6"/>
-            </a:fillRef>
-            <a:effectRef idx="0">
-              <a:schemeClr val="accent6"/>
-            </a:effectRef>
-            <a:fontRef idx="minor">
-              <a:schemeClr val="lt1"/>
-            </a:fontRef>
-          </p:style>
-          <p:txBody>
-            <a:bodyPr lIns="68569" tIns="68569" rIns="68569" bIns="68569" anchor="t" anchorCtr="0">
-              <a:noAutofit/>
-            </a:bodyPr>
-            <a:lstStyle/>
-            <a:p>
-              <a:pPr defTabSz="685800"/>
-              <a:r>
-                <a:rPr lang="en-US" sz="1500" kern="0" dirty="0" smtClean="0">
-                  <a:solidFill>
-                    <a:schemeClr val="tx1"/>
-                  </a:solidFill>
-                  <a:latin typeface="Arial"/>
-                  <a:cs typeface="Arial"/>
-                  <a:sym typeface="Arial"/>
-                  <a:rtl val="0"/>
-                </a:rPr>
-                <a:t>r</a:t>
-              </a:r>
-              <a:r>
-                <a:rPr lang="en" sz="1500" kern="0" dirty="0" smtClean="0">
-                  <a:solidFill>
-                    <a:schemeClr val="tx1"/>
-                  </a:solidFill>
-                  <a:latin typeface="Arial"/>
-                  <a:cs typeface="Arial"/>
-                  <a:sym typeface="Arial"/>
-                  <a:rtl val="0"/>
-                </a:rPr>
-                <a:t>eceiverId</a:t>
-              </a:r>
-            </a:p>
-            <a:p>
-              <a:pPr defTabSz="685800"/>
-              <a:r>
-                <a:rPr lang="en-US" sz="1500" kern="0" dirty="0" smtClean="0">
-                  <a:solidFill>
-                    <a:srgbClr val="000000"/>
-                  </a:solidFill>
-                  <a:latin typeface="Arial"/>
-                  <a:cs typeface="Arial"/>
-                  <a:sym typeface="Arial"/>
-                  <a:rtl val="0"/>
-                </a:rPr>
-                <a:t>t</a:t>
-              </a:r>
-              <a:r>
-                <a:rPr lang="en" sz="1500" kern="0" dirty="0">
-                  <a:solidFill>
-                    <a:srgbClr val="000000"/>
-                  </a:solidFill>
-                  <a:latin typeface="Arial"/>
-                  <a:cs typeface="Arial"/>
-                  <a:sym typeface="Arial"/>
-                  <a:rtl val="0"/>
-                </a:rPr>
-                <a:t>ype</a:t>
-              </a:r>
-            </a:p>
-            <a:p>
-              <a:pPr defTabSz="685800"/>
-              <a:r>
-                <a:rPr lang="en-US" sz="1500" b="1" kern="0" dirty="0">
-                  <a:solidFill>
-                    <a:srgbClr val="FF0000"/>
-                  </a:solidFill>
-                  <a:latin typeface="Arial"/>
-                  <a:cs typeface="Arial"/>
-                  <a:sym typeface="Arial"/>
-                  <a:rtl val="0"/>
-                </a:rPr>
-                <a:t>s</a:t>
-              </a:r>
-              <a:r>
-                <a:rPr lang="en" sz="1500" b="1" kern="0" dirty="0">
-                  <a:solidFill>
-                    <a:srgbClr val="FF0000"/>
-                  </a:solidFill>
-                  <a:latin typeface="Arial"/>
-                  <a:cs typeface="Arial"/>
-                  <a:sym typeface="Arial"/>
-                  <a:rtl val="0"/>
-                </a:rPr>
-                <a:t>tatus</a:t>
-              </a:r>
-            </a:p>
-            <a:p>
-              <a:pPr defTabSz="685800"/>
-              <a:r>
-                <a:rPr lang="en" sz="1500" kern="0" dirty="0">
-                  <a:solidFill>
-                    <a:srgbClr val="000000"/>
-                  </a:solidFill>
-                  <a:latin typeface="Arial"/>
-                  <a:cs typeface="Arial"/>
-                  <a:sym typeface="Arial"/>
-                  <a:rtl val="0"/>
-                </a:rPr>
-                <a:t>…</a:t>
-              </a:r>
-            </a:p>
-          </p:txBody>
-        </p:sp>
-        <p:sp>
-          <p:nvSpPr>
-            <p:cNvPr id="32" name="Shape 690"/>
-            <p:cNvSpPr/>
-            <p:nvPr/>
-          </p:nvSpPr>
-          <p:spPr>
-            <a:xfrm>
-              <a:off x="4336150" y="2339323"/>
-              <a:ext cx="1814399" cy="362999"/>
-            </a:xfrm>
-            <a:prstGeom prst="rect">
-              <a:avLst/>
-            </a:prstGeom>
-            <a:ln>
-              <a:headEnd type="none" w="med" len="med"/>
-              <a:tailEnd type="none" w="med" len="med"/>
-            </a:ln>
-          </p:spPr>
-          <p:style>
-            <a:lnRef idx="2">
-              <a:schemeClr val="accent6">
-                <a:shade val="50000"/>
-              </a:schemeClr>
-            </a:lnRef>
-            <a:fillRef idx="1">
-              <a:schemeClr val="accent6"/>
-            </a:fillRef>
-            <a:effectRef idx="0">
-              <a:schemeClr val="accent6"/>
-            </a:effectRef>
-            <a:fontRef idx="minor">
-              <a:schemeClr val="lt1"/>
-            </a:fontRef>
-          </p:style>
-          <p:txBody>
-            <a:bodyPr lIns="68569" tIns="68569" rIns="68569" bIns="68569" anchor="ctr" anchorCtr="0">
-              <a:noAutofit/>
-            </a:bodyPr>
-            <a:lstStyle/>
-            <a:p>
-              <a:pPr defTabSz="685800"/>
-              <a:r>
-                <a:rPr lang="en" b="1" kern="0" dirty="0">
-                  <a:solidFill>
-                    <a:srgbClr val="000000"/>
-                  </a:solidFill>
-                  <a:latin typeface="Arial"/>
-                  <a:cs typeface="Arial"/>
-                  <a:sym typeface="Arial"/>
-                  <a:rtl val="0"/>
-                </a:rPr>
-                <a:t>Notify</a:t>
-              </a:r>
-              <a:endParaRPr lang="en" sz="1050" b="1" kern="0" dirty="0">
-                <a:solidFill>
-                  <a:srgbClr val="000000"/>
-                </a:solidFill>
-                <a:latin typeface="Arial"/>
-                <a:cs typeface="Arial"/>
-                <a:sym typeface="Arial"/>
-                <a:rtl val="0"/>
-              </a:endParaRPr>
-            </a:p>
-          </p:txBody>
-        </p:sp>
-      </p:grpSp>
-      <p:cxnSp>
-        <p:nvCxnSpPr>
-          <p:cNvPr id="15" name="Straight Connector 14"/>
-          <p:cNvCxnSpPr>
-            <a:stCxn id="32" idx="0"/>
-          </p:cNvCxnSpPr>
-          <p:nvPr/>
-        </p:nvCxnSpPr>
-        <p:spPr>
-          <a:xfrm flipH="1" flipV="1">
-            <a:off x="2657226" y="3485932"/>
-            <a:ext cx="14413" cy="554058"/>
-          </a:xfrm>
-          <a:prstGeom prst="line">
-            <a:avLst/>
-          </a:prstGeom>
-        </p:spPr>
-        <p:style>
-          <a:lnRef idx="1">
-            <a:schemeClr val="accent6"/>
-          </a:lnRef>
-          <a:fillRef idx="0">
-            <a:schemeClr val="accent6"/>
-          </a:fillRef>
-          <a:effectRef idx="0">
-            <a:schemeClr val="accent6"/>
-          </a:effectRef>
-          <a:fontRef idx="minor">
-            <a:schemeClr val="tx1"/>
-          </a:fontRef>
-        </p:style>
-      </p:cxnSp>
-      <p:sp>
-        <p:nvSpPr>
-          <p:cNvPr id="24" name="TextBox 23"/>
-          <p:cNvSpPr txBox="1"/>
-          <p:nvPr/>
-        </p:nvSpPr>
-        <p:spPr>
-          <a:xfrm>
-            <a:off x="2036674" y="2102598"/>
-            <a:ext cx="1227802" cy="954107"/>
-          </a:xfrm>
-          <a:prstGeom prst="rect">
-            <a:avLst/>
-          </a:prstGeom>
-          <a:noFill/>
-        </p:spPr>
-        <p:txBody>
-          <a:bodyPr wrap="square" rtlCol="0">
-            <a:spAutoFit/>
-          </a:bodyPr>
-          <a:lstStyle/>
-          <a:p>
-            <a:r>
-              <a:rPr lang="en-US" sz="1400" dirty="0" smtClean="0"/>
-              <a:t>Send get notification </a:t>
-            </a:r>
-            <a:r>
-              <a:rPr lang="en-US" sz="1400" dirty="0"/>
-              <a:t>request with </a:t>
-            </a:r>
-            <a:r>
-              <a:rPr lang="en-US" sz="1400" dirty="0" err="1"/>
-              <a:t>accountId</a:t>
-            </a:r>
-            <a:endParaRPr lang="en-US" sz="1400" dirty="0"/>
-          </a:p>
-        </p:txBody>
-      </p:sp>
-    </p:spTree>
-    <p:extLst>
-      <p:ext uri="{BB962C8B-B14F-4D97-AF65-F5344CB8AC3E}">
-        <p14:creationId xmlns:p14="http://schemas.microsoft.com/office/powerpoint/2010/main" val="4053329709"/>
-      </p:ext>
-    </p:extLst>
-  </p:cSld>
-  <p:clrMapOvr>
-    <a:masterClrMapping/>
-  </p:clrMapOvr>
-  <p:timing>
-    <p:tnLst>
-      <p:par>
-        <p:cTn id="1" dur="indefinite" restart="never" nodeType="tmRoot"/>
-      </p:par>
-    </p:tnLst>
-  </p:timing>
-</p:sld>
-</file>
-
-<file path=ppt/slides/slide17.xml><?xml version="1.0" encoding="utf-8"?>
-<p:sld xmlns:a="http://schemas.openxmlformats.org/drawingml/2006/main" xmlns:r="http://schemas.openxmlformats.org/officeDocument/2006/relationships" xmlns:p="http://schemas.openxmlformats.org/presentationml/2006/main">
-  <p:cSld>
-    <p:spTree>
-      <p:nvGrpSpPr>
-        <p:cNvPr id="1" name=""/>
-        <p:cNvGrpSpPr/>
-        <p:nvPr/>
-      </p:nvGrpSpPr>
-      <p:grpSpPr>
-        <a:xfrm>
-          <a:off x="0" y="0"/>
-          <a:ext cx="0" cy="0"/>
-          <a:chOff x="0" y="0"/>
-          <a:chExt cx="0" cy="0"/>
-        </a:xfrm>
-      </p:grpSpPr>
-      <p:sp>
-        <p:nvSpPr>
-          <p:cNvPr id="2" name="Slide Number Placeholder 1"/>
-          <p:cNvSpPr>
-            <a:spLocks noGrp="1"/>
-          </p:cNvSpPr>
-          <p:nvPr>
-            <p:ph type="sldNum" sz="quarter" idx="12"/>
-          </p:nvPr>
-        </p:nvSpPr>
-        <p:spPr/>
-        <p:txBody>
-          <a:bodyPr/>
-          <a:lstStyle/>
-          <a:p>
-            <a:fld id="{00000000-1234-1234-1234-123412341234}" type="slidenum">
-              <a:rPr lang="en" smtClean="0">
-                <a:solidFill>
-                  <a:srgbClr val="FFFFFF"/>
-                </a:solidFill>
-              </a:rPr>
-              <a:pPr/>
-              <a:t>17</a:t>
-            </a:fld>
-            <a:endParaRPr lang="en">
-              <a:solidFill>
-                <a:srgbClr val="FFFFFF"/>
-              </a:solidFill>
-            </a:endParaRPr>
-          </a:p>
-        </p:txBody>
-      </p:sp>
-      <p:sp>
-        <p:nvSpPr>
-          <p:cNvPr id="5" name="Shape 300"/>
-          <p:cNvSpPr txBox="1"/>
-          <p:nvPr/>
-        </p:nvSpPr>
-        <p:spPr>
-          <a:xfrm>
-            <a:off x="2141097" y="1229396"/>
-            <a:ext cx="5445104" cy="800351"/>
-          </a:xfrm>
-          <a:prstGeom prst="rect">
-            <a:avLst/>
-          </a:prstGeom>
-          <a:noFill/>
-          <a:ln>
-            <a:noFill/>
-          </a:ln>
-        </p:spPr>
-        <p:txBody>
-          <a:bodyPr lIns="68569" tIns="68569" rIns="68569" bIns="68569" anchor="ctr" anchorCtr="0">
-            <a:noAutofit/>
-          </a:bodyPr>
-          <a:lstStyle/>
-          <a:p>
-            <a:pPr algn="ctr">
-              <a:buClr>
-                <a:srgbClr val="000000"/>
-              </a:buClr>
-              <a:buSzPct val="25000"/>
-              <a:buFont typeface="Arial"/>
-              <a:buNone/>
-            </a:pPr>
-            <a:r>
-              <a:rPr lang="en-US" sz="3300" b="1" kern="0" dirty="0">
-                <a:solidFill>
-                  <a:srgbClr val="00B050"/>
-                </a:solidFill>
-                <a:cs typeface="Arial"/>
-                <a:sym typeface="Arial"/>
-                <a:rtl val="0"/>
-              </a:rPr>
-              <a:t>Check notification of patient</a:t>
-            </a:r>
-          </a:p>
-        </p:txBody>
-      </p:sp>
-      <p:grpSp>
-        <p:nvGrpSpPr>
-          <p:cNvPr id="12" name="Shape 1634"/>
-          <p:cNvGrpSpPr/>
-          <p:nvPr/>
-        </p:nvGrpSpPr>
-        <p:grpSpPr>
-          <a:xfrm>
-            <a:off x="618218" y="2628753"/>
-            <a:ext cx="1306448" cy="1281412"/>
-            <a:chOff x="2711675" y="2364825"/>
-            <a:chExt cx="2695799" cy="2900699"/>
-          </a:xfrm>
-        </p:grpSpPr>
-        <p:sp>
-          <p:nvSpPr>
-            <p:cNvPr id="13" name="Shape 1635"/>
-            <p:cNvSpPr/>
-            <p:nvPr/>
-          </p:nvSpPr>
-          <p:spPr>
-            <a:xfrm>
-              <a:off x="2711675" y="2364825"/>
-              <a:ext cx="2695799" cy="2900699"/>
-            </a:xfrm>
-            <a:prstGeom prst="roundRect">
-              <a:avLst>
-                <a:gd name="adj" fmla="val 16667"/>
-              </a:avLst>
-            </a:prstGeom>
-            <a:solidFill>
-              <a:srgbClr val="93C47D"/>
-            </a:solidFill>
-            <a:ln w="38100" cap="flat" cmpd="sng">
-              <a:solidFill>
-                <a:srgbClr val="38761D"/>
-              </a:solidFill>
-              <a:prstDash val="solid"/>
-              <a:round/>
-              <a:headEnd type="none" w="med" len="med"/>
-              <a:tailEnd type="none" w="med" len="med"/>
-            </a:ln>
-          </p:spPr>
-          <p:txBody>
-            <a:bodyPr lIns="68569" tIns="68569" rIns="68569" bIns="68569" anchor="ctr" anchorCtr="0">
-              <a:noAutofit/>
-            </a:bodyPr>
-            <a:lstStyle/>
-            <a:p>
-              <a:endParaRPr sz="1350"/>
-            </a:p>
-          </p:txBody>
-        </p:sp>
-        <p:pic>
-          <p:nvPicPr>
-            <p:cNvPr id="17" name="Shape 1636"/>
-            <p:cNvPicPr preferRelativeResize="0"/>
-            <p:nvPr/>
-          </p:nvPicPr>
-          <p:blipFill>
-            <a:blip r:embed="rId3">
-              <a:alphaModFix/>
-            </a:blip>
-            <a:stretch>
-              <a:fillRect/>
-            </a:stretch>
-          </p:blipFill>
-          <p:spPr>
-            <a:xfrm>
-              <a:off x="3143250" y="2892975"/>
-              <a:ext cx="1964775" cy="1964775"/>
-            </a:xfrm>
-            <a:prstGeom prst="rect">
-              <a:avLst/>
-            </a:prstGeom>
-            <a:noFill/>
-            <a:ln>
-              <a:noFill/>
-            </a:ln>
-          </p:spPr>
-        </p:pic>
-      </p:grpSp>
-      <p:sp>
-        <p:nvSpPr>
-          <p:cNvPr id="19" name="Shape 1682"/>
-          <p:cNvSpPr/>
-          <p:nvPr/>
-        </p:nvSpPr>
-        <p:spPr>
-          <a:xfrm>
-            <a:off x="3264146" y="2627276"/>
-            <a:ext cx="1743300" cy="1274850"/>
-          </a:xfrm>
-          <a:prstGeom prst="roundRect">
-            <a:avLst>
-              <a:gd name="adj" fmla="val 16667"/>
-            </a:avLst>
-          </a:prstGeom>
-          <a:solidFill>
-            <a:schemeClr val="accent6"/>
-          </a:solidFill>
-          <a:ln w="19050" cap="flat" cmpd="sng">
-            <a:solidFill>
-              <a:srgbClr val="F1C232"/>
-            </a:solidFill>
-            <a:prstDash val="solid"/>
-            <a:round/>
-            <a:headEnd type="none" w="med" len="med"/>
-            <a:tailEnd type="none" w="med" len="med"/>
-          </a:ln>
-        </p:spPr>
-        <p:txBody>
-          <a:bodyPr lIns="68569" tIns="68569" rIns="68569" bIns="68569" anchor="ctr" anchorCtr="0">
-            <a:noAutofit/>
-          </a:bodyPr>
-          <a:lstStyle/>
-          <a:p>
-            <a:pPr algn="ctr"/>
-            <a:endParaRPr sz="1350" b="1" dirty="0">
-              <a:latin typeface="+mj-lt"/>
-            </a:endParaRPr>
-          </a:p>
-          <a:p>
-            <a:pPr algn="ctr"/>
-            <a:endParaRPr sz="1350" b="1" dirty="0">
-              <a:latin typeface="+mj-lt"/>
-            </a:endParaRPr>
-          </a:p>
-          <a:p>
-            <a:pPr algn="ctr"/>
-            <a:endParaRPr sz="1350" b="1" dirty="0">
-              <a:latin typeface="+mj-lt"/>
-            </a:endParaRPr>
-          </a:p>
-          <a:p>
-            <a:pPr algn="ctr"/>
-            <a:r>
-              <a:rPr lang="en" sz="1350" b="1" dirty="0">
-                <a:cs typeface="Arial" panose="020B0604020202020204" pitchFamily="34" charset="0"/>
-              </a:rPr>
-              <a:t>Web Application</a:t>
-            </a:r>
-          </a:p>
-          <a:p>
-            <a:pPr algn="ctr"/>
-            <a:r>
-              <a:rPr lang="en" sz="1350" b="1" dirty="0">
-                <a:cs typeface="Arial" panose="020B0604020202020204" pitchFamily="34" charset="0"/>
-              </a:rPr>
-              <a:t>(Server side)</a:t>
-            </a:r>
-          </a:p>
-        </p:txBody>
-      </p:sp>
-      <p:pic>
-        <p:nvPicPr>
-          <p:cNvPr id="20" name="Shape 1696"/>
-          <p:cNvPicPr preferRelativeResize="0"/>
-          <p:nvPr/>
-        </p:nvPicPr>
-        <p:blipFill>
-          <a:blip r:embed="rId4">
-            <a:alphaModFix/>
-          </a:blip>
-          <a:stretch>
-            <a:fillRect/>
-          </a:stretch>
-        </p:blipFill>
-        <p:spPr>
-          <a:xfrm>
-            <a:off x="3879315" y="2660459"/>
-            <a:ext cx="599201" cy="716850"/>
-          </a:xfrm>
-          <a:prstGeom prst="rect">
-            <a:avLst/>
-          </a:prstGeom>
-          <a:noFill/>
-          <a:ln>
-            <a:noFill/>
-          </a:ln>
-        </p:spPr>
-      </p:pic>
-      <p:cxnSp>
-        <p:nvCxnSpPr>
-          <p:cNvPr id="8" name="Straight Arrow Connector 7"/>
-          <p:cNvCxnSpPr>
-            <a:cxnSpLocks/>
-          </p:cNvCxnSpPr>
-          <p:nvPr/>
-        </p:nvCxnSpPr>
-        <p:spPr>
-          <a:xfrm flipV="1">
-            <a:off x="1935727" y="3098779"/>
-            <a:ext cx="1339481" cy="4758"/>
-          </a:xfrm>
-          <a:prstGeom prst="straightConnector1">
-            <a:avLst/>
-          </a:prstGeom>
-          <a:ln w="88900">
-            <a:solidFill>
-              <a:schemeClr val="accent6"/>
-            </a:solidFill>
-            <a:tailEnd type="triangle"/>
-          </a:ln>
-        </p:spPr>
-        <p:style>
-          <a:lnRef idx="1">
-            <a:schemeClr val="accent1"/>
-          </a:lnRef>
-          <a:fillRef idx="0">
-            <a:schemeClr val="accent1"/>
-          </a:fillRef>
-          <a:effectRef idx="0">
-            <a:schemeClr val="accent1"/>
-          </a:effectRef>
-          <a:fontRef idx="minor">
-            <a:schemeClr val="tx1"/>
-          </a:fontRef>
-        </p:style>
-      </p:cxnSp>
-      <p:pic>
-        <p:nvPicPr>
-          <p:cNvPr id="22" name="Picture 21"/>
-          <p:cNvPicPr>
-            <a:picLocks noChangeAspect="1"/>
-          </p:cNvPicPr>
-          <p:nvPr/>
-        </p:nvPicPr>
-        <p:blipFill>
-          <a:blip r:embed="rId5">
-            <a:extLst>
-              <a:ext uri="{28A0092B-C50C-407E-A947-70E740481C1C}">
-                <a14:useLocalDpi xmlns:a14="http://schemas.microsoft.com/office/drawing/2010/main" val="0"/>
-              </a:ext>
-            </a:extLst>
-          </a:blip>
-          <a:stretch>
-            <a:fillRect/>
-          </a:stretch>
-        </p:blipFill>
-        <p:spPr>
-          <a:xfrm>
-            <a:off x="6346927" y="2619238"/>
-            <a:ext cx="1282889" cy="1282889"/>
-          </a:xfrm>
-          <a:prstGeom prst="rect">
-            <a:avLst/>
-          </a:prstGeom>
-        </p:spPr>
-      </p:pic>
-      <p:cxnSp>
-        <p:nvCxnSpPr>
-          <p:cNvPr id="23" name="Straight Arrow Connector 22"/>
-          <p:cNvCxnSpPr>
-            <a:cxnSpLocks/>
-          </p:cNvCxnSpPr>
-          <p:nvPr/>
-        </p:nvCxnSpPr>
-        <p:spPr>
-          <a:xfrm>
-            <a:off x="5049502" y="3098779"/>
-            <a:ext cx="1408448" cy="0"/>
-          </a:xfrm>
-          <a:prstGeom prst="straightConnector1">
-            <a:avLst/>
-          </a:prstGeom>
-          <a:ln w="88900">
-            <a:solidFill>
-              <a:schemeClr val="accent6"/>
-            </a:solidFill>
-            <a:tailEnd type="triangle"/>
-          </a:ln>
-        </p:spPr>
-        <p:style>
-          <a:lnRef idx="1">
-            <a:schemeClr val="accent1"/>
-          </a:lnRef>
-          <a:fillRef idx="0">
-            <a:schemeClr val="accent1"/>
-          </a:fillRef>
-          <a:effectRef idx="0">
-            <a:schemeClr val="accent1"/>
-          </a:effectRef>
-          <a:fontRef idx="minor">
-            <a:schemeClr val="tx1"/>
-          </a:fontRef>
-        </p:style>
-      </p:cxnSp>
-      <p:sp>
-        <p:nvSpPr>
-          <p:cNvPr id="3" name="TextBox 2"/>
-          <p:cNvSpPr txBox="1"/>
-          <p:nvPr/>
-        </p:nvSpPr>
-        <p:spPr>
-          <a:xfrm>
-            <a:off x="5023515" y="2366121"/>
-            <a:ext cx="1434435" cy="715581"/>
-          </a:xfrm>
-          <a:prstGeom prst="rect">
-            <a:avLst/>
-          </a:prstGeom>
-          <a:noFill/>
-        </p:spPr>
-        <p:txBody>
-          <a:bodyPr wrap="square" rtlCol="0">
-            <a:spAutoFit/>
-          </a:bodyPr>
-          <a:lstStyle/>
-          <a:p>
-            <a:r>
-              <a:rPr lang="en-US" sz="1350" dirty="0"/>
-              <a:t>Get notification based on </a:t>
-            </a:r>
-            <a:r>
-              <a:rPr lang="en-US" sz="1350" dirty="0" err="1"/>
-              <a:t>accountId</a:t>
-            </a:r>
-            <a:endParaRPr lang="en-US" sz="1350" dirty="0"/>
-          </a:p>
-        </p:txBody>
-      </p:sp>
-      <p:cxnSp>
-        <p:nvCxnSpPr>
-          <p:cNvPr id="14" name="Straight Arrow Connector 13"/>
-          <p:cNvCxnSpPr>
-            <a:cxnSpLocks/>
-          </p:cNvCxnSpPr>
-          <p:nvPr/>
-        </p:nvCxnSpPr>
-        <p:spPr>
-          <a:xfrm flipH="1">
-            <a:off x="5007446" y="3338117"/>
-            <a:ext cx="1339481" cy="4019"/>
-          </a:xfrm>
-          <a:prstGeom prst="straightConnector1">
-            <a:avLst/>
-          </a:prstGeom>
-          <a:ln w="88900">
-            <a:solidFill>
-              <a:schemeClr val="accent6"/>
-            </a:solidFill>
-            <a:tailEnd type="triangle"/>
-          </a:ln>
-        </p:spPr>
-        <p:style>
-          <a:lnRef idx="1">
-            <a:schemeClr val="accent1"/>
-          </a:lnRef>
-          <a:fillRef idx="0">
-            <a:schemeClr val="accent1"/>
-          </a:fillRef>
-          <a:effectRef idx="0">
-            <a:schemeClr val="accent1"/>
-          </a:effectRef>
-          <a:fontRef idx="minor">
-            <a:schemeClr val="tx1"/>
-          </a:fontRef>
-        </p:style>
-      </p:cxnSp>
-      <p:cxnSp>
-        <p:nvCxnSpPr>
-          <p:cNvPr id="21" name="Straight Arrow Connector 20"/>
-          <p:cNvCxnSpPr>
-            <a:cxnSpLocks/>
-          </p:cNvCxnSpPr>
-          <p:nvPr/>
-        </p:nvCxnSpPr>
-        <p:spPr>
-          <a:xfrm flipH="1">
-            <a:off x="1935733" y="3478363"/>
-            <a:ext cx="1339481" cy="4019"/>
-          </a:xfrm>
-          <a:prstGeom prst="straightConnector1">
-            <a:avLst/>
-          </a:prstGeom>
-          <a:ln w="88900">
-            <a:solidFill>
-              <a:schemeClr val="accent6"/>
-            </a:solidFill>
-            <a:tailEnd type="triangle"/>
-          </a:ln>
-        </p:spPr>
-        <p:style>
-          <a:lnRef idx="1">
-            <a:schemeClr val="accent1"/>
-          </a:lnRef>
-          <a:fillRef idx="0">
-            <a:schemeClr val="accent1"/>
-          </a:fillRef>
-          <a:effectRef idx="0">
-            <a:schemeClr val="accent1"/>
-          </a:effectRef>
-          <a:fontRef idx="minor">
-            <a:schemeClr val="tx1"/>
-          </a:fontRef>
-        </p:style>
-      </p:cxnSp>
-      <p:cxnSp>
-        <p:nvCxnSpPr>
-          <p:cNvPr id="24" name="Straight Arrow Connector 23"/>
-          <p:cNvCxnSpPr>
-            <a:cxnSpLocks/>
-          </p:cNvCxnSpPr>
-          <p:nvPr/>
-        </p:nvCxnSpPr>
-        <p:spPr>
-          <a:xfrm>
-            <a:off x="5023516" y="3578102"/>
-            <a:ext cx="1408448" cy="0"/>
-          </a:xfrm>
-          <a:prstGeom prst="straightConnector1">
-            <a:avLst/>
-          </a:prstGeom>
-          <a:ln w="88900">
-            <a:solidFill>
-              <a:schemeClr val="accent6"/>
-            </a:solidFill>
-            <a:tailEnd type="triangle"/>
-          </a:ln>
-        </p:spPr>
-        <p:style>
-          <a:lnRef idx="1">
-            <a:schemeClr val="accent1"/>
-          </a:lnRef>
-          <a:fillRef idx="0">
-            <a:schemeClr val="accent1"/>
-          </a:fillRef>
-          <a:effectRef idx="0">
-            <a:schemeClr val="accent1"/>
-          </a:effectRef>
-          <a:fontRef idx="minor">
-            <a:schemeClr val="tx1"/>
-          </a:fontRef>
-        </p:style>
-      </p:cxnSp>
-      <p:sp>
-        <p:nvSpPr>
-          <p:cNvPr id="4" name="TextBox 3"/>
-          <p:cNvSpPr txBox="1"/>
-          <p:nvPr/>
-        </p:nvSpPr>
-        <p:spPr>
-          <a:xfrm>
-            <a:off x="5007446" y="3656249"/>
-            <a:ext cx="1625465" cy="507831"/>
-          </a:xfrm>
-          <a:prstGeom prst="rect">
-            <a:avLst/>
-          </a:prstGeom>
-          <a:noFill/>
-        </p:spPr>
-        <p:txBody>
-          <a:bodyPr wrap="square" rtlCol="0">
-            <a:spAutoFit/>
-          </a:bodyPr>
-          <a:lstStyle/>
-          <a:p>
-            <a:pPr algn="just"/>
-            <a:r>
-              <a:rPr lang="en-US" sz="1350" dirty="0"/>
-              <a:t>Update notification’s status</a:t>
-            </a:r>
-          </a:p>
-        </p:txBody>
-      </p:sp>
-      <p:sp>
-        <p:nvSpPr>
-          <p:cNvPr id="25" name="TextBox 24"/>
-          <p:cNvSpPr txBox="1"/>
-          <p:nvPr/>
-        </p:nvSpPr>
-        <p:spPr>
-          <a:xfrm>
-            <a:off x="2036674" y="2102598"/>
-            <a:ext cx="1227802" cy="954107"/>
-          </a:xfrm>
-          <a:prstGeom prst="rect">
-            <a:avLst/>
-          </a:prstGeom>
-          <a:noFill/>
-        </p:spPr>
-        <p:txBody>
-          <a:bodyPr wrap="square" rtlCol="0">
-            <a:spAutoFit/>
-          </a:bodyPr>
-          <a:lstStyle/>
-          <a:p>
-            <a:r>
-              <a:rPr lang="en-US" sz="1400" dirty="0" smtClean="0"/>
-              <a:t>Send get notification </a:t>
-            </a:r>
-            <a:r>
-              <a:rPr lang="en-US" sz="1400" dirty="0"/>
-              <a:t>request with </a:t>
-            </a:r>
-            <a:r>
-              <a:rPr lang="en-US" sz="1400" dirty="0" err="1"/>
-              <a:t>accountId</a:t>
-            </a:r>
-            <a:endParaRPr lang="en-US" sz="1400" dirty="0"/>
           </a:p>
         </p:txBody>
       </p:sp>
@@ -18419,14 +19051,14 @@
       </p:sp>
       <p:grpSp>
         <p:nvGrpSpPr>
-          <p:cNvPr id="18" name="Shape 688"/>
+          <p:cNvPr id="7" name="Shape 688"/>
           <p:cNvGrpSpPr/>
           <p:nvPr/>
         </p:nvGrpSpPr>
         <p:grpSpPr>
           <a:xfrm>
-            <a:off x="669274" y="2557778"/>
-            <a:ext cx="1471823" cy="1592092"/>
+            <a:off x="204817" y="2542203"/>
+            <a:ext cx="1609469" cy="1750561"/>
             <a:chOff x="4336150" y="2339323"/>
             <a:chExt cx="1814399" cy="1044951"/>
           </a:xfrm>
@@ -18436,7 +19068,7 @@
         </p:grpSpPr>
         <p:sp>
           <p:nvSpPr>
-            <p:cNvPr id="25" name="Shape 689"/>
+            <p:cNvPr id="8" name="Shape 689"/>
             <p:cNvSpPr/>
             <p:nvPr/>
           </p:nvSpPr>
@@ -18574,7 +19206,7 @@
         </p:sp>
         <p:sp>
           <p:nvSpPr>
-            <p:cNvPr id="26" name="Shape 690"/>
+            <p:cNvPr id="9" name="Shape 690"/>
             <p:cNvSpPr/>
             <p:nvPr/>
           </p:nvSpPr>
@@ -19652,12 +20284,8 @@
               <a:t>– </a:t>
             </a:r>
             <a:r>
-              <a:rPr lang="en-US" dirty="0" err="1" smtClean="0"/>
-              <a:t>Notifiation</a:t>
-            </a:r>
-            <a:r>
               <a:rPr lang="en-US" dirty="0" smtClean="0"/>
-              <a:t> </a:t>
+              <a:t>Notification </a:t>
             </a:r>
             <a:r>
               <a:rPr lang="en-US" dirty="0"/>
@@ -20102,12 +20730,8 @@
               <a:t>– </a:t>
             </a:r>
             <a:r>
-              <a:rPr lang="en-US" dirty="0" err="1" smtClean="0"/>
-              <a:t>Notifiation</a:t>
-            </a:r>
-            <a:r>
               <a:rPr lang="en-US" dirty="0" smtClean="0"/>
-              <a:t> </a:t>
+              <a:t>Notification </a:t>
             </a:r>
             <a:r>
               <a:rPr lang="en-US" dirty="0"/>
@@ -23874,7 +24498,7 @@
         <p:grpSpPr>
           <a:xfrm>
             <a:off x="4648929" y="4026256"/>
-            <a:ext cx="2209593" cy="1417352"/>
+            <a:ext cx="2209593" cy="1108452"/>
             <a:chOff x="4336150" y="2339323"/>
             <a:chExt cx="1814399" cy="917710"/>
           </a:xfrm>
@@ -23950,21 +24574,6 @@
                   <a:rtl val="0"/>
                 </a:rPr>
                 <a:t>toDate</a:t>
-              </a:r>
-            </a:p>
-            <a:p>
-              <a:pPr defTabSz="685800"/>
-              <a:r>
-                <a:rPr lang="en" sz="1500" kern="0" dirty="0" smtClean="0">
-                  <a:solidFill>
-                    <a:srgbClr val="000000"/>
-                  </a:solidFill>
-                  <a:latin typeface="Arial"/>
-                  <a:cs typeface="Arial"/>
-                  <a:sym typeface="Arial"/>
-                  <a:rtl val="0"/>
-                </a:rPr>
-                <a:t>caloriesBurnEveryday</a:t>
               </a:r>
             </a:p>
             <a:p>
@@ -24800,7 +25409,7 @@
         <p:grpSpPr>
           <a:xfrm>
             <a:off x="1529378" y="4268811"/>
-            <a:ext cx="2209593" cy="1417352"/>
+            <a:ext cx="2209593" cy="1053466"/>
             <a:chOff x="4336150" y="2339323"/>
             <a:chExt cx="1814399" cy="917710"/>
           </a:xfrm>
@@ -24876,21 +25485,6 @@
                   <a:rtl val="0"/>
                 </a:rPr>
                 <a:t>toDate</a:t>
-              </a:r>
-            </a:p>
-            <a:p>
-              <a:pPr defTabSz="685800"/>
-              <a:r>
-                <a:rPr lang="en" sz="1500" kern="0" dirty="0" smtClean="0">
-                  <a:solidFill>
-                    <a:srgbClr val="000000"/>
-                  </a:solidFill>
-                  <a:latin typeface="Arial"/>
-                  <a:cs typeface="Arial"/>
-                  <a:sym typeface="Arial"/>
-                  <a:rtl val="0"/>
-                </a:rPr>
-                <a:t>caloriesBurnEveryday</a:t>
               </a:r>
             </a:p>
             <a:p>
@@ -25339,21 +25933,6 @@
                   <a:rtl val="0"/>
                 </a:rPr>
                 <a:t>toDate</a:t>
-              </a:r>
-            </a:p>
-            <a:p>
-              <a:pPr defTabSz="685800"/>
-              <a:r>
-                <a:rPr lang="en" sz="1500" kern="0" dirty="0" smtClean="0">
-                  <a:solidFill>
-                    <a:srgbClr val="000000"/>
-                  </a:solidFill>
-                  <a:latin typeface="Arial"/>
-                  <a:cs typeface="Arial"/>
-                  <a:sym typeface="Arial"/>
-                  <a:rtl val="0"/>
-                </a:rPr>
-                <a:t>caloriesBurnEveryday</a:t>
               </a:r>
             </a:p>
             <a:p>
@@ -25950,21 +26529,15 @@
                 </a:rPr>
                 <a:t>toDate</a:t>
               </a:r>
-            </a:p>
-            <a:p>
-              <a:pPr defTabSz="685800"/>
-              <a:r>
-                <a:rPr lang="en" sz="1500" kern="0" dirty="0" smtClean="0">
-                  <a:solidFill>
-                    <a:srgbClr val="000000"/>
-                  </a:solidFill>
-                  <a:latin typeface="Arial"/>
-                  <a:cs typeface="Arial"/>
-                  <a:sym typeface="Arial"/>
-                  <a:rtl val="0"/>
-                </a:rPr>
-                <a:t>caloriesBurnEveryday</a:t>
-              </a:r>
+              <a:endParaRPr lang="en" sz="1500" kern="0" dirty="0" smtClean="0">
+                <a:solidFill>
+                  <a:srgbClr val="000000"/>
+                </a:solidFill>
+                <a:latin typeface="Arial"/>
+                <a:cs typeface="Arial"/>
+                <a:sym typeface="Arial"/>
+                <a:rtl val="0"/>
+              </a:endParaRPr>
             </a:p>
             <a:p>
               <a:pPr defTabSz="685800"/>
@@ -27555,6 +28128,47 @@
           </a:p>
         </p:txBody>
       </p:sp>
+      <p:pic>
+        <p:nvPicPr>
+          <p:cNvPr id="1029" name="Picture 5" descr="https://documents.lucidchart.com/documents/34cde04f-081b-4579-b1e6-e174cfd8e2c7/pages/0_0?a=632&amp;x=76&amp;y=125&amp;w=968&amp;h=330&amp;store=1&amp;accept=image%2F*&amp;auth=LCA%203efae5ea920d7b760c08b9dbb2b2a9d45a454fb9-ts%3D1449655900"/>
+          <p:cNvPicPr>
+            <a:picLocks noChangeAspect="1" noChangeArrowheads="1"/>
+          </p:cNvPicPr>
+          <p:nvPr/>
+        </p:nvPicPr>
+        <p:blipFill>
+          <a:blip r:embed="rId3">
+            <a:extLst>
+              <a:ext uri="{28A0092B-C50C-407E-A947-70E740481C1C}">
+                <a14:useLocalDpi xmlns:a14="http://schemas.microsoft.com/office/drawing/2010/main" val="0"/>
+              </a:ext>
+            </a:extLst>
+          </a:blip>
+          <a:srcRect/>
+          <a:stretch>
+            <a:fillRect/>
+          </a:stretch>
+        </p:blipFill>
+        <p:spPr bwMode="auto">
+          <a:xfrm>
+            <a:off x="0" y="1932598"/>
+            <a:ext cx="9144000" cy="3123570"/>
+          </a:xfrm>
+          <a:prstGeom prst="rect">
+            <a:avLst/>
+          </a:prstGeom>
+          <a:noFill/>
+          <a:extLst>
+            <a:ext uri="{909E8E84-426E-40DD-AFC4-6F175D3DCCD1}">
+              <a14:hiddenFill xmlns:a14="http://schemas.microsoft.com/office/drawing/2010/main">
+                <a:solidFill>
+                  <a:srgbClr val="FFFFFF"/>
+                </a:solidFill>
+              </a14:hiddenFill>
+            </a:ext>
+          </a:extLst>
+        </p:spPr>
+      </p:pic>
     </p:spTree>
     <p:extLst>
       <p:ext uri="{BB962C8B-B14F-4D97-AF65-F5344CB8AC3E}">
@@ -27597,14 +28211,14 @@
       </p:grpSpPr>
       <p:sp>
         <p:nvSpPr>
-          <p:cNvPr id="300" name="Shape 300"/>
+          <p:cNvPr id="73" name="Shape 300"/>
           <p:cNvSpPr txBox="1"/>
           <p:nvPr/>
         </p:nvSpPr>
         <p:spPr>
           <a:xfrm>
-            <a:off x="1143000" y="2410426"/>
-            <a:ext cx="6858000" cy="2037149"/>
+            <a:off x="2037038" y="242016"/>
+            <a:ext cx="5445104" cy="800351"/>
           </a:xfrm>
           <a:prstGeom prst="rect">
             <a:avLst/>
@@ -27629,7 +28243,7 @@
               <a:buNone/>
             </a:pPr>
             <a:r>
-              <a:rPr lang="en-US" sz="3600" b="1" kern="0" dirty="0" smtClean="0">
+              <a:rPr lang="en-US" sz="3200" b="1" kern="0" dirty="0">
                 <a:solidFill>
                   <a:srgbClr val="00B050"/>
                 </a:solidFill>
@@ -27637,9 +28251,9 @@
                 <a:sym typeface="Arial"/>
                 <a:rtl val="0"/>
               </a:rPr>
-              <a:t>Remind Patient</a:t>
-            </a:r>
-            <a:endParaRPr lang="en-US" sz="3600" b="1" kern="0" dirty="0">
+              <a:t>Analytic New Treatment</a:t>
+            </a:r>
+            <a:endParaRPr lang="en-US" sz="3200" b="1" kern="0" dirty="0">
               <a:solidFill>
                 <a:srgbClr val="00B050"/>
               </a:solidFill>
@@ -27650,44 +28264,51 @@
           </a:p>
         </p:txBody>
       </p:sp>
-      <p:sp>
-        <p:nvSpPr>
-          <p:cNvPr id="301" name="Shape 301"/>
-          <p:cNvSpPr txBox="1">
-            <a:spLocks noGrp="1"/>
-          </p:cNvSpPr>
-          <p:nvPr>
-            <p:ph type="sldNum" sz="quarter" idx="12"/>
-          </p:nvPr>
-        </p:nvSpPr>
-        <p:spPr>
-          <a:xfrm>
-            <a:off x="7560595" y="5607102"/>
-            <a:ext cx="411524" cy="393524"/>
+      <p:pic>
+        <p:nvPicPr>
+          <p:cNvPr id="8194" name="Picture 2" descr="https://documents.lucidchart.com/documents/34cde04f-081b-4579-b1e6-e174cfd8e2c7/pages/0_0?a=634&amp;x=76&amp;y=125&amp;w=968&amp;h=330&amp;store=1&amp;accept=image%2F*&amp;auth=LCA%20416ef0d773ab4465095d30f9efac017d2db911ed-ts%3D1449655900"/>
+          <p:cNvPicPr>
+            <a:picLocks noChangeAspect="1" noChangeArrowheads="1"/>
+          </p:cNvPicPr>
+          <p:nvPr/>
+        </p:nvPicPr>
+        <p:blipFill>
+          <a:blip r:embed="rId3">
+            <a:extLst>
+              <a:ext uri="{28A0092B-C50C-407E-A947-70E740481C1C}">
+                <a14:useLocalDpi xmlns:a14="http://schemas.microsoft.com/office/drawing/2010/main" val="0"/>
+              </a:ext>
+            </a:extLst>
+          </a:blip>
+          <a:srcRect/>
+          <a:stretch>
+            <a:fillRect/>
+          </a:stretch>
+        </p:blipFill>
+        <p:spPr bwMode="auto">
+          <a:xfrm>
+            <a:off x="0" y="1932598"/>
+            <a:ext cx="9144000" cy="3123570"/>
           </a:xfrm>
           <a:prstGeom prst="rect">
             <a:avLst/>
           </a:prstGeom>
-        </p:spPr>
-        <p:txBody>
-          <a:bodyPr vert="horz" lIns="68569" tIns="68569" rIns="68569" bIns="68569" rtlCol="0" anchor="ctr" anchorCtr="0">
-            <a:noAutofit/>
-          </a:bodyPr>
-          <a:lstStyle/>
-          <a:p>
-            <a:fld id="{00000000-1234-1234-1234-123412341234}" type="slidenum">
-              <a:rPr lang="en"/>
-              <a:pPr/>
-              <a:t>36</a:t>
-            </a:fld>
-            <a:endParaRPr lang="en"/>
-          </a:p>
-        </p:txBody>
-      </p:sp>
+          <a:noFill/>
+          <a:extLst>
+            <a:ext uri="{909E8E84-426E-40DD-AFC4-6F175D3DCCD1}">
+              <a14:hiddenFill xmlns:a14="http://schemas.microsoft.com/office/drawing/2010/main">
+                <a:solidFill>
+                  <a:srgbClr val="FFFFFF"/>
+                </a:solidFill>
+              </a14:hiddenFill>
+            </a:ext>
+          </a:extLst>
+        </p:spPr>
+      </p:pic>
     </p:spTree>
     <p:extLst>
       <p:ext uri="{BB962C8B-B14F-4D97-AF65-F5344CB8AC3E}">
-        <p14:creationId xmlns:p14="http://schemas.microsoft.com/office/powerpoint/2010/main" val="1245313021"/>
+        <p14:creationId xmlns:p14="http://schemas.microsoft.com/office/powerpoint/2010/main" val="2337127607"/>
       </p:ext>
     </p:extLst>
   </p:cSld>
@@ -27758,7 +28379,7 @@
               <a:buNone/>
             </a:pPr>
             <a:r>
-              <a:rPr lang="en-US" sz="3200" b="1" kern="0" dirty="0" smtClean="0">
+              <a:rPr lang="en-US" sz="3200" b="1" kern="0" dirty="0">
                 <a:solidFill>
                   <a:srgbClr val="00B050"/>
                 </a:solidFill>
@@ -27766,7 +28387,7 @@
                 <a:sym typeface="Arial"/>
                 <a:rtl val="0"/>
               </a:rPr>
-              <a:t>Remind Patient</a:t>
+              <a:t>Analytic New Treatment</a:t>
             </a:r>
             <a:endParaRPr lang="en-US" sz="3200" b="1" kern="0" dirty="0">
               <a:solidFill>
@@ -27781,9 +28402,9 @@
       </p:sp>
       <p:pic>
         <p:nvPicPr>
-          <p:cNvPr id="2" name="Picture 1"/>
+          <p:cNvPr id="11266" name="Picture 2" descr="https://documents.lucidchart.com/documents/34cde04f-081b-4579-b1e6-e174cfd8e2c7/pages/0_0?a=636&amp;x=76&amp;y=125&amp;w=968&amp;h=330&amp;store=1&amp;accept=image%2F*&amp;auth=LCA%207ebceae35df50b258487191d9e256ac606e73ced-ts%3D1449655900"/>
           <p:cNvPicPr>
-            <a:picLocks noChangeAspect="1"/>
+            <a:picLocks noChangeAspect="1" noChangeArrowheads="1"/>
           </p:cNvPicPr>
           <p:nvPr/>
         </p:nvPicPr>
@@ -27795,24 +28416,35 @@
               </a:ext>
             </a:extLst>
           </a:blip>
+          <a:srcRect/>
           <a:stretch>
             <a:fillRect/>
           </a:stretch>
         </p:blipFill>
-        <p:spPr>
-          <a:xfrm>
-            <a:off x="1241666" y="1675691"/>
-            <a:ext cx="6660667" cy="3506617"/>
+        <p:spPr bwMode="auto">
+          <a:xfrm>
+            <a:off x="0" y="1932600"/>
+            <a:ext cx="9144000" cy="3123570"/>
           </a:xfrm>
           <a:prstGeom prst="rect">
             <a:avLst/>
           </a:prstGeom>
+          <a:noFill/>
+          <a:extLst>
+            <a:ext uri="{909E8E84-426E-40DD-AFC4-6F175D3DCCD1}">
+              <a14:hiddenFill xmlns:a14="http://schemas.microsoft.com/office/drawing/2010/main">
+                <a:solidFill>
+                  <a:srgbClr val="FFFFFF"/>
+                </a:solidFill>
+              </a14:hiddenFill>
+            </a:ext>
+          </a:extLst>
         </p:spPr>
       </p:pic>
     </p:spTree>
     <p:extLst>
       <p:ext uri="{BB962C8B-B14F-4D97-AF65-F5344CB8AC3E}">
-        <p14:creationId xmlns:p14="http://schemas.microsoft.com/office/powerpoint/2010/main" val="1240076923"/>
+        <p14:creationId xmlns:p14="http://schemas.microsoft.com/office/powerpoint/2010/main" val="3971210083"/>
       </p:ext>
     </p:extLst>
   </p:cSld>
@@ -27883,7 +28515,7 @@
               <a:buNone/>
             </a:pPr>
             <a:r>
-              <a:rPr lang="en-US" sz="3200" b="1" kern="0" dirty="0" smtClean="0">
+              <a:rPr lang="en-US" sz="3200" b="1" kern="0" dirty="0">
                 <a:solidFill>
                   <a:srgbClr val="00B050"/>
                 </a:solidFill>
@@ -27891,7 +28523,7 @@
                 <a:sym typeface="Arial"/>
                 <a:rtl val="0"/>
               </a:rPr>
-              <a:t>Remind Patient</a:t>
+              <a:t>Analytic New Treatment</a:t>
             </a:r>
             <a:endParaRPr lang="en-US" sz="3200" b="1" kern="0" dirty="0">
               <a:solidFill>
@@ -27906,9 +28538,9 @@
       </p:sp>
       <p:pic>
         <p:nvPicPr>
-          <p:cNvPr id="3" name="Picture 2"/>
+          <p:cNvPr id="10242" name="Picture 2" descr="https://documents.lucidchart.com/documents/34cde04f-081b-4579-b1e6-e174cfd8e2c7/pages/0_0?a=638&amp;x=76&amp;y=125&amp;w=968&amp;h=330&amp;store=1&amp;accept=image%2F*&amp;auth=LCA%201e8004e0596dc6880643f6d1caf378ff84be76e1-ts%3D1449655900"/>
           <p:cNvPicPr>
-            <a:picLocks noChangeAspect="1"/>
+            <a:picLocks noChangeAspect="1" noChangeArrowheads="1"/>
           </p:cNvPicPr>
           <p:nvPr/>
         </p:nvPicPr>
@@ -27920,24 +28552,35 @@
               </a:ext>
             </a:extLst>
           </a:blip>
+          <a:srcRect/>
           <a:stretch>
             <a:fillRect/>
           </a:stretch>
         </p:blipFill>
-        <p:spPr>
-          <a:xfrm>
-            <a:off x="1241666" y="1675691"/>
-            <a:ext cx="6660667" cy="3506617"/>
+        <p:spPr bwMode="auto">
+          <a:xfrm>
+            <a:off x="-1" y="1932600"/>
+            <a:ext cx="9144001" cy="3123571"/>
           </a:xfrm>
           <a:prstGeom prst="rect">
             <a:avLst/>
           </a:prstGeom>
+          <a:noFill/>
+          <a:extLst>
+            <a:ext uri="{909E8E84-426E-40DD-AFC4-6F175D3DCCD1}">
+              <a14:hiddenFill xmlns:a14="http://schemas.microsoft.com/office/drawing/2010/main">
+                <a:solidFill>
+                  <a:srgbClr val="FFFFFF"/>
+                </a:solidFill>
+              </a14:hiddenFill>
+            </a:ext>
+          </a:extLst>
         </p:spPr>
       </p:pic>
     </p:spTree>
     <p:extLst>
       <p:ext uri="{BB962C8B-B14F-4D97-AF65-F5344CB8AC3E}">
-        <p14:creationId xmlns:p14="http://schemas.microsoft.com/office/powerpoint/2010/main" val="4228708456"/>
+        <p14:creationId xmlns:p14="http://schemas.microsoft.com/office/powerpoint/2010/main" val="4033846128"/>
       </p:ext>
     </p:extLst>
   </p:cSld>
@@ -28008,7 +28651,7 @@
               <a:buNone/>
             </a:pPr>
             <a:r>
-              <a:rPr lang="en-US" sz="3200" b="1" kern="0" dirty="0" smtClean="0">
+              <a:rPr lang="en-US" sz="3200" b="1" kern="0" dirty="0">
                 <a:solidFill>
                   <a:srgbClr val="00B050"/>
                 </a:solidFill>
@@ -28016,7 +28659,7 @@
                 <a:sym typeface="Arial"/>
                 <a:rtl val="0"/>
               </a:rPr>
-              <a:t>Remind Patient</a:t>
+              <a:t>Analytic New Treatment</a:t>
             </a:r>
             <a:endParaRPr lang="en-US" sz="3200" b="1" kern="0" dirty="0">
               <a:solidFill>
@@ -28031,9 +28674,9 @@
       </p:sp>
       <p:pic>
         <p:nvPicPr>
-          <p:cNvPr id="2" name="Picture 1"/>
+          <p:cNvPr id="9218" name="Picture 2" descr="https://documents.lucidchart.com/documents/34cde04f-081b-4579-b1e6-e174cfd8e2c7/pages/0_0?a=640&amp;x=76&amp;y=125&amp;w=968&amp;h=330&amp;store=1&amp;accept=image%2F*&amp;auth=LCA%20669c330a1ea85aa6b0876dfe680e63ff1e2a830b-ts%3D1449655900"/>
           <p:cNvPicPr>
-            <a:picLocks noChangeAspect="1"/>
+            <a:picLocks noChangeAspect="1" noChangeArrowheads="1"/>
           </p:cNvPicPr>
           <p:nvPr/>
         </p:nvPicPr>
@@ -28045,24 +28688,35 @@
               </a:ext>
             </a:extLst>
           </a:blip>
+          <a:srcRect/>
           <a:stretch>
             <a:fillRect/>
           </a:stretch>
         </p:blipFill>
-        <p:spPr>
-          <a:xfrm>
-            <a:off x="1242548" y="1676155"/>
-            <a:ext cx="6658904" cy="3505689"/>
+        <p:spPr bwMode="auto">
+          <a:xfrm>
+            <a:off x="0" y="1932597"/>
+            <a:ext cx="9144000" cy="3123570"/>
           </a:xfrm>
           <a:prstGeom prst="rect">
             <a:avLst/>
           </a:prstGeom>
+          <a:noFill/>
+          <a:extLst>
+            <a:ext uri="{909E8E84-426E-40DD-AFC4-6F175D3DCCD1}">
+              <a14:hiddenFill xmlns:a14="http://schemas.microsoft.com/office/drawing/2010/main">
+                <a:solidFill>
+                  <a:srgbClr val="FFFFFF"/>
+                </a:solidFill>
+              </a14:hiddenFill>
+            </a:ext>
+          </a:extLst>
         </p:spPr>
       </p:pic>
     </p:spTree>
     <p:extLst>
       <p:ext uri="{BB962C8B-B14F-4D97-AF65-F5344CB8AC3E}">
-        <p14:creationId xmlns:p14="http://schemas.microsoft.com/office/powerpoint/2010/main" val="3091515830"/>
+        <p14:creationId xmlns:p14="http://schemas.microsoft.com/office/powerpoint/2010/main" val="520809135"/>
       </p:ext>
     </p:extLst>
   </p:cSld>
@@ -28401,14 +29055,14 @@
       </p:grpSpPr>
       <p:sp>
         <p:nvSpPr>
-          <p:cNvPr id="73" name="Shape 300"/>
+          <p:cNvPr id="300" name="Shape 300"/>
           <p:cNvSpPr txBox="1"/>
           <p:nvPr/>
         </p:nvSpPr>
         <p:spPr>
           <a:xfrm>
-            <a:off x="2037038" y="242016"/>
-            <a:ext cx="5445104" cy="800351"/>
+            <a:off x="1143000" y="2410426"/>
+            <a:ext cx="6858000" cy="2037149"/>
           </a:xfrm>
           <a:prstGeom prst="rect">
             <a:avLst/>
@@ -28433,7 +29087,7 @@
               <a:buNone/>
             </a:pPr>
             <a:r>
-              <a:rPr lang="en-US" sz="3200" b="1" kern="0" dirty="0" smtClean="0">
+              <a:rPr lang="en-US" sz="3600" b="1" kern="0" dirty="0" smtClean="0">
                 <a:solidFill>
                   <a:srgbClr val="00B050"/>
                 </a:solidFill>
@@ -28443,7 +29097,7 @@
               </a:rPr>
               <a:t>Remind Patient</a:t>
             </a:r>
-            <a:endParaRPr lang="en-US" sz="3200" b="1" kern="0" dirty="0">
+            <a:endParaRPr lang="en-US" sz="3600" b="1" kern="0" dirty="0">
               <a:solidFill>
                 <a:srgbClr val="00B050"/>
               </a:solidFill>
@@ -28454,40 +29108,44 @@
           </a:p>
         </p:txBody>
       </p:sp>
-      <p:pic>
-        <p:nvPicPr>
-          <p:cNvPr id="3" name="Picture 2"/>
-          <p:cNvPicPr>
-            <a:picLocks noChangeAspect="1"/>
-          </p:cNvPicPr>
-          <p:nvPr/>
-        </p:nvPicPr>
-        <p:blipFill>
-          <a:blip r:embed="rId3">
-            <a:extLst>
-              <a:ext uri="{28A0092B-C50C-407E-A947-70E740481C1C}">
-                <a14:useLocalDpi xmlns:a14="http://schemas.microsoft.com/office/drawing/2010/main" val="0"/>
-              </a:ext>
-            </a:extLst>
-          </a:blip>
-          <a:stretch>
-            <a:fillRect/>
-          </a:stretch>
-        </p:blipFill>
-        <p:spPr>
-          <a:xfrm>
-            <a:off x="1241666" y="1675691"/>
-            <a:ext cx="6660667" cy="3506617"/>
+      <p:sp>
+        <p:nvSpPr>
+          <p:cNvPr id="301" name="Shape 301"/>
+          <p:cNvSpPr txBox="1">
+            <a:spLocks noGrp="1"/>
+          </p:cNvSpPr>
+          <p:nvPr>
+            <p:ph type="sldNum" sz="quarter" idx="12"/>
+          </p:nvPr>
+        </p:nvSpPr>
+        <p:spPr>
+          <a:xfrm>
+            <a:off x="7560595" y="5607102"/>
+            <a:ext cx="411524" cy="393524"/>
           </a:xfrm>
           <a:prstGeom prst="rect">
             <a:avLst/>
           </a:prstGeom>
         </p:spPr>
-      </p:pic>
+        <p:txBody>
+          <a:bodyPr vert="horz" lIns="68569" tIns="68569" rIns="68569" bIns="68569" rtlCol="0" anchor="ctr" anchorCtr="0">
+            <a:noAutofit/>
+          </a:bodyPr>
+          <a:lstStyle/>
+          <a:p>
+            <a:fld id="{00000000-1234-1234-1234-123412341234}" type="slidenum">
+              <a:rPr lang="en"/>
+              <a:pPr/>
+              <a:t>40</a:t>
+            </a:fld>
+            <a:endParaRPr lang="en"/>
+          </a:p>
+        </p:txBody>
+      </p:sp>
     </p:spTree>
     <p:extLst>
       <p:ext uri="{BB962C8B-B14F-4D97-AF65-F5344CB8AC3E}">
-        <p14:creationId xmlns:p14="http://schemas.microsoft.com/office/powerpoint/2010/main" val="1612219770"/>
+        <p14:creationId xmlns:p14="http://schemas.microsoft.com/office/powerpoint/2010/main" val="1245313021"/>
       </p:ext>
     </p:extLst>
   </p:cSld>
@@ -28609,40 +29267,10 @@
           </a:prstGeom>
         </p:spPr>
       </p:pic>
-      <p:pic>
-        <p:nvPicPr>
-          <p:cNvPr id="3" name="Picture 2"/>
-          <p:cNvPicPr>
-            <a:picLocks noChangeAspect="1"/>
-          </p:cNvPicPr>
-          <p:nvPr/>
-        </p:nvPicPr>
-        <p:blipFill>
-          <a:blip r:embed="rId4">
-            <a:extLst>
-              <a:ext uri="{28A0092B-C50C-407E-A947-70E740481C1C}">
-                <a14:useLocalDpi xmlns:a14="http://schemas.microsoft.com/office/drawing/2010/main" val="0"/>
-              </a:ext>
-            </a:extLst>
-          </a:blip>
-          <a:stretch>
-            <a:fillRect/>
-          </a:stretch>
-        </p:blipFill>
-        <p:spPr>
-          <a:xfrm>
-            <a:off x="1242548" y="1676155"/>
-            <a:ext cx="6658904" cy="3505689"/>
-          </a:xfrm>
-          <a:prstGeom prst="rect">
-            <a:avLst/>
-          </a:prstGeom>
-        </p:spPr>
-      </p:pic>
     </p:spTree>
     <p:extLst>
       <p:ext uri="{BB962C8B-B14F-4D97-AF65-F5344CB8AC3E}">
-        <p14:creationId xmlns:p14="http://schemas.microsoft.com/office/powerpoint/2010/main" val="800149837"/>
+        <p14:creationId xmlns:p14="http://schemas.microsoft.com/office/powerpoint/2010/main" val="1240076923"/>
       </p:ext>
     </p:extLst>
   </p:cSld>
@@ -28734,59 +29362,40 @@
           </a:p>
         </p:txBody>
       </p:sp>
-      <p:sp>
-        <p:nvSpPr>
-          <p:cNvPr id="5" name="Shape 300"/>
-          <p:cNvSpPr txBox="1"/>
+      <p:pic>
+        <p:nvPicPr>
+          <p:cNvPr id="3" name="Picture 2"/>
+          <p:cNvPicPr>
+            <a:picLocks noChangeAspect="1"/>
+          </p:cNvPicPr>
           <p:nvPr/>
-        </p:nvSpPr>
-        <p:spPr>
-          <a:xfrm>
-            <a:off x="641992" y="1332262"/>
-            <a:ext cx="8115146" cy="4998200"/>
+        </p:nvPicPr>
+        <p:blipFill>
+          <a:blip r:embed="rId3">
+            <a:extLst>
+              <a:ext uri="{28A0092B-C50C-407E-A947-70E740481C1C}">
+                <a14:useLocalDpi xmlns:a14="http://schemas.microsoft.com/office/drawing/2010/main" val="0"/>
+              </a:ext>
+            </a:extLst>
+          </a:blip>
+          <a:stretch>
+            <a:fillRect/>
+          </a:stretch>
+        </p:blipFill>
+        <p:spPr>
+          <a:xfrm>
+            <a:off x="1241666" y="1675691"/>
+            <a:ext cx="6660667" cy="3506617"/>
           </a:xfrm>
           <a:prstGeom prst="rect">
             <a:avLst/>
           </a:prstGeom>
-          <a:noFill/>
-          <a:ln>
-            <a:noFill/>
-          </a:ln>
-        </p:spPr>
-        <p:txBody>
-          <a:bodyPr lIns="68569" tIns="68569" rIns="68569" bIns="68569" anchor="t" anchorCtr="0">
-            <a:noAutofit/>
-          </a:bodyPr>
-          <a:lstStyle/>
-          <a:p>
-            <a:pPr>
-              <a:buClr>
-                <a:srgbClr val="000000"/>
-              </a:buClr>
-              <a:buSzPct val="25000"/>
-              <a:buFont typeface="Arial"/>
-              <a:buNone/>
-            </a:pPr>
-            <a:r>
-              <a:rPr lang="en-US" kern="0" dirty="0" smtClean="0">
-                <a:cs typeface="Arial"/>
-                <a:sym typeface="Arial"/>
-                <a:rtl val="0"/>
-              </a:rPr>
-              <a:t>Demo : ????</a:t>
-            </a:r>
-            <a:endParaRPr lang="en-US" kern="0" dirty="0">
-              <a:cs typeface="Arial"/>
-              <a:sym typeface="Arial"/>
-              <a:rtl val="0"/>
-            </a:endParaRPr>
-          </a:p>
-        </p:txBody>
-      </p:sp>
+        </p:spPr>
+      </p:pic>
     </p:spTree>
     <p:extLst>
       <p:ext uri="{BB962C8B-B14F-4D97-AF65-F5344CB8AC3E}">
-        <p14:creationId xmlns:p14="http://schemas.microsoft.com/office/powerpoint/2010/main" val="2965149181"/>
+        <p14:creationId xmlns:p14="http://schemas.microsoft.com/office/powerpoint/2010/main" val="4228708456"/>
       </p:ext>
     </p:extLst>
   </p:cSld>
@@ -28825,6 +29434,571 @@
       </p:grpSpPr>
       <p:sp>
         <p:nvSpPr>
+          <p:cNvPr id="73" name="Shape 300"/>
+          <p:cNvSpPr txBox="1"/>
+          <p:nvPr/>
+        </p:nvSpPr>
+        <p:spPr>
+          <a:xfrm>
+            <a:off x="2037038" y="242016"/>
+            <a:ext cx="5445104" cy="800351"/>
+          </a:xfrm>
+          <a:prstGeom prst="rect">
+            <a:avLst/>
+          </a:prstGeom>
+          <a:noFill/>
+          <a:ln>
+            <a:noFill/>
+          </a:ln>
+        </p:spPr>
+        <p:txBody>
+          <a:bodyPr lIns="68569" tIns="68569" rIns="68569" bIns="68569" anchor="ctr" anchorCtr="0">
+            <a:noAutofit/>
+          </a:bodyPr>
+          <a:lstStyle/>
+          <a:p>
+            <a:pPr algn="ctr">
+              <a:buClr>
+                <a:srgbClr val="000000"/>
+              </a:buClr>
+              <a:buSzPct val="25000"/>
+              <a:buFont typeface="Arial"/>
+              <a:buNone/>
+            </a:pPr>
+            <a:r>
+              <a:rPr lang="en-US" sz="3200" b="1" kern="0" dirty="0" smtClean="0">
+                <a:solidFill>
+                  <a:srgbClr val="00B050"/>
+                </a:solidFill>
+                <a:cs typeface="Arial"/>
+                <a:sym typeface="Arial"/>
+                <a:rtl val="0"/>
+              </a:rPr>
+              <a:t>Remind Patient</a:t>
+            </a:r>
+            <a:endParaRPr lang="en-US" sz="3200" b="1" kern="0" dirty="0">
+              <a:solidFill>
+                <a:srgbClr val="00B050"/>
+              </a:solidFill>
+              <a:cs typeface="Arial"/>
+              <a:sym typeface="Arial"/>
+              <a:rtl val="0"/>
+            </a:endParaRPr>
+          </a:p>
+        </p:txBody>
+      </p:sp>
+      <p:pic>
+        <p:nvPicPr>
+          <p:cNvPr id="2" name="Picture 1"/>
+          <p:cNvPicPr>
+            <a:picLocks noChangeAspect="1"/>
+          </p:cNvPicPr>
+          <p:nvPr/>
+        </p:nvPicPr>
+        <p:blipFill>
+          <a:blip r:embed="rId3">
+            <a:extLst>
+              <a:ext uri="{28A0092B-C50C-407E-A947-70E740481C1C}">
+                <a14:useLocalDpi xmlns:a14="http://schemas.microsoft.com/office/drawing/2010/main" val="0"/>
+              </a:ext>
+            </a:extLst>
+          </a:blip>
+          <a:stretch>
+            <a:fillRect/>
+          </a:stretch>
+        </p:blipFill>
+        <p:spPr>
+          <a:xfrm>
+            <a:off x="1242548" y="1676155"/>
+            <a:ext cx="6658904" cy="3505689"/>
+          </a:xfrm>
+          <a:prstGeom prst="rect">
+            <a:avLst/>
+          </a:prstGeom>
+        </p:spPr>
+      </p:pic>
+    </p:spTree>
+    <p:extLst>
+      <p:ext uri="{BB962C8B-B14F-4D97-AF65-F5344CB8AC3E}">
+        <p14:creationId xmlns:p14="http://schemas.microsoft.com/office/powerpoint/2010/main" val="3091515830"/>
+      </p:ext>
+    </p:extLst>
+  </p:cSld>
+  <p:clrMapOvr>
+    <a:masterClrMapping/>
+  </p:clrMapOvr>
+  <p:transition spd="slow">
+    <p:cut/>
+  </p:transition>
+  <p:timing>
+    <p:tnLst>
+      <p:par>
+        <p:cTn id="1" dur="indefinite" restart="never" nodeType="tmRoot"/>
+      </p:par>
+    </p:tnLst>
+  </p:timing>
+</p:sld>
+</file>
+
+<file path=ppt/slides/slide44.xml><?xml version="1.0" encoding="utf-8"?>
+<p:sld xmlns:a="http://schemas.openxmlformats.org/drawingml/2006/main" xmlns:r="http://schemas.openxmlformats.org/officeDocument/2006/relationships" xmlns:p="http://schemas.openxmlformats.org/presentationml/2006/main">
+  <p:cSld>
+    <p:spTree>
+      <p:nvGrpSpPr>
+        <p:cNvPr id="1" name="Shape 299"/>
+        <p:cNvGrpSpPr/>
+        <p:nvPr/>
+      </p:nvGrpSpPr>
+      <p:grpSpPr>
+        <a:xfrm>
+          <a:off x="0" y="0"/>
+          <a:ext cx="0" cy="0"/>
+          <a:chOff x="0" y="0"/>
+          <a:chExt cx="0" cy="0"/>
+        </a:xfrm>
+      </p:grpSpPr>
+      <p:sp>
+        <p:nvSpPr>
+          <p:cNvPr id="73" name="Shape 300"/>
+          <p:cNvSpPr txBox="1"/>
+          <p:nvPr/>
+        </p:nvSpPr>
+        <p:spPr>
+          <a:xfrm>
+            <a:off x="2037038" y="242016"/>
+            <a:ext cx="5445104" cy="800351"/>
+          </a:xfrm>
+          <a:prstGeom prst="rect">
+            <a:avLst/>
+          </a:prstGeom>
+          <a:noFill/>
+          <a:ln>
+            <a:noFill/>
+          </a:ln>
+        </p:spPr>
+        <p:txBody>
+          <a:bodyPr lIns="68569" tIns="68569" rIns="68569" bIns="68569" anchor="ctr" anchorCtr="0">
+            <a:noAutofit/>
+          </a:bodyPr>
+          <a:lstStyle/>
+          <a:p>
+            <a:pPr algn="ctr">
+              <a:buClr>
+                <a:srgbClr val="000000"/>
+              </a:buClr>
+              <a:buSzPct val="25000"/>
+              <a:buFont typeface="Arial"/>
+              <a:buNone/>
+            </a:pPr>
+            <a:r>
+              <a:rPr lang="en-US" sz="3200" b="1" kern="0" dirty="0" smtClean="0">
+                <a:solidFill>
+                  <a:srgbClr val="00B050"/>
+                </a:solidFill>
+                <a:cs typeface="Arial"/>
+                <a:sym typeface="Arial"/>
+                <a:rtl val="0"/>
+              </a:rPr>
+              <a:t>Remind Patient</a:t>
+            </a:r>
+            <a:endParaRPr lang="en-US" sz="3200" b="1" kern="0" dirty="0">
+              <a:solidFill>
+                <a:srgbClr val="00B050"/>
+              </a:solidFill>
+              <a:cs typeface="Arial"/>
+              <a:sym typeface="Arial"/>
+              <a:rtl val="0"/>
+            </a:endParaRPr>
+          </a:p>
+        </p:txBody>
+      </p:sp>
+      <p:pic>
+        <p:nvPicPr>
+          <p:cNvPr id="3" name="Picture 2"/>
+          <p:cNvPicPr>
+            <a:picLocks noChangeAspect="1"/>
+          </p:cNvPicPr>
+          <p:nvPr/>
+        </p:nvPicPr>
+        <p:blipFill>
+          <a:blip r:embed="rId3">
+            <a:extLst>
+              <a:ext uri="{28A0092B-C50C-407E-A947-70E740481C1C}">
+                <a14:useLocalDpi xmlns:a14="http://schemas.microsoft.com/office/drawing/2010/main" val="0"/>
+              </a:ext>
+            </a:extLst>
+          </a:blip>
+          <a:stretch>
+            <a:fillRect/>
+          </a:stretch>
+        </p:blipFill>
+        <p:spPr>
+          <a:xfrm>
+            <a:off x="1241666" y="1675691"/>
+            <a:ext cx="6660667" cy="3506617"/>
+          </a:xfrm>
+          <a:prstGeom prst="rect">
+            <a:avLst/>
+          </a:prstGeom>
+        </p:spPr>
+      </p:pic>
+    </p:spTree>
+    <p:extLst>
+      <p:ext uri="{BB962C8B-B14F-4D97-AF65-F5344CB8AC3E}">
+        <p14:creationId xmlns:p14="http://schemas.microsoft.com/office/powerpoint/2010/main" val="1612219770"/>
+      </p:ext>
+    </p:extLst>
+  </p:cSld>
+  <p:clrMapOvr>
+    <a:masterClrMapping/>
+  </p:clrMapOvr>
+  <p:transition spd="slow">
+    <p:cut/>
+  </p:transition>
+  <p:timing>
+    <p:tnLst>
+      <p:par>
+        <p:cTn id="1" dur="indefinite" restart="never" nodeType="tmRoot"/>
+      </p:par>
+    </p:tnLst>
+  </p:timing>
+</p:sld>
+</file>
+
+<file path=ppt/slides/slide45.xml><?xml version="1.0" encoding="utf-8"?>
+<p:sld xmlns:a="http://schemas.openxmlformats.org/drawingml/2006/main" xmlns:r="http://schemas.openxmlformats.org/officeDocument/2006/relationships" xmlns:p="http://schemas.openxmlformats.org/presentationml/2006/main">
+  <p:cSld>
+    <p:spTree>
+      <p:nvGrpSpPr>
+        <p:cNvPr id="1" name="Shape 299"/>
+        <p:cNvGrpSpPr/>
+        <p:nvPr/>
+      </p:nvGrpSpPr>
+      <p:grpSpPr>
+        <a:xfrm>
+          <a:off x="0" y="0"/>
+          <a:ext cx="0" cy="0"/>
+          <a:chOff x="0" y="0"/>
+          <a:chExt cx="0" cy="0"/>
+        </a:xfrm>
+      </p:grpSpPr>
+      <p:sp>
+        <p:nvSpPr>
+          <p:cNvPr id="73" name="Shape 300"/>
+          <p:cNvSpPr txBox="1"/>
+          <p:nvPr/>
+        </p:nvSpPr>
+        <p:spPr>
+          <a:xfrm>
+            <a:off x="2037038" y="242016"/>
+            <a:ext cx="5445104" cy="800351"/>
+          </a:xfrm>
+          <a:prstGeom prst="rect">
+            <a:avLst/>
+          </a:prstGeom>
+          <a:noFill/>
+          <a:ln>
+            <a:noFill/>
+          </a:ln>
+        </p:spPr>
+        <p:txBody>
+          <a:bodyPr lIns="68569" tIns="68569" rIns="68569" bIns="68569" anchor="ctr" anchorCtr="0">
+            <a:noAutofit/>
+          </a:bodyPr>
+          <a:lstStyle/>
+          <a:p>
+            <a:pPr algn="ctr">
+              <a:buClr>
+                <a:srgbClr val="000000"/>
+              </a:buClr>
+              <a:buSzPct val="25000"/>
+              <a:buFont typeface="Arial"/>
+              <a:buNone/>
+            </a:pPr>
+            <a:r>
+              <a:rPr lang="en-US" sz="3200" b="1" kern="0" dirty="0" smtClean="0">
+                <a:solidFill>
+                  <a:srgbClr val="00B050"/>
+                </a:solidFill>
+                <a:cs typeface="Arial"/>
+                <a:sym typeface="Arial"/>
+                <a:rtl val="0"/>
+              </a:rPr>
+              <a:t>Remind Patient</a:t>
+            </a:r>
+            <a:endParaRPr lang="en-US" sz="3200" b="1" kern="0" dirty="0">
+              <a:solidFill>
+                <a:srgbClr val="00B050"/>
+              </a:solidFill>
+              <a:cs typeface="Arial"/>
+              <a:sym typeface="Arial"/>
+              <a:rtl val="0"/>
+            </a:endParaRPr>
+          </a:p>
+        </p:txBody>
+      </p:sp>
+      <p:pic>
+        <p:nvPicPr>
+          <p:cNvPr id="2" name="Picture 1"/>
+          <p:cNvPicPr>
+            <a:picLocks noChangeAspect="1"/>
+          </p:cNvPicPr>
+          <p:nvPr/>
+        </p:nvPicPr>
+        <p:blipFill>
+          <a:blip r:embed="rId3">
+            <a:extLst>
+              <a:ext uri="{28A0092B-C50C-407E-A947-70E740481C1C}">
+                <a14:useLocalDpi xmlns:a14="http://schemas.microsoft.com/office/drawing/2010/main" val="0"/>
+              </a:ext>
+            </a:extLst>
+          </a:blip>
+          <a:stretch>
+            <a:fillRect/>
+          </a:stretch>
+        </p:blipFill>
+        <p:spPr>
+          <a:xfrm>
+            <a:off x="1241666" y="1675691"/>
+            <a:ext cx="6660667" cy="3506617"/>
+          </a:xfrm>
+          <a:prstGeom prst="rect">
+            <a:avLst/>
+          </a:prstGeom>
+        </p:spPr>
+      </p:pic>
+      <p:pic>
+        <p:nvPicPr>
+          <p:cNvPr id="3" name="Picture 2"/>
+          <p:cNvPicPr>
+            <a:picLocks noChangeAspect="1"/>
+          </p:cNvPicPr>
+          <p:nvPr/>
+        </p:nvPicPr>
+        <p:blipFill>
+          <a:blip r:embed="rId4">
+            <a:extLst>
+              <a:ext uri="{28A0092B-C50C-407E-A947-70E740481C1C}">
+                <a14:useLocalDpi xmlns:a14="http://schemas.microsoft.com/office/drawing/2010/main" val="0"/>
+              </a:ext>
+            </a:extLst>
+          </a:blip>
+          <a:stretch>
+            <a:fillRect/>
+          </a:stretch>
+        </p:blipFill>
+        <p:spPr>
+          <a:xfrm>
+            <a:off x="1242548" y="1676155"/>
+            <a:ext cx="6658904" cy="3505689"/>
+          </a:xfrm>
+          <a:prstGeom prst="rect">
+            <a:avLst/>
+          </a:prstGeom>
+        </p:spPr>
+      </p:pic>
+    </p:spTree>
+    <p:extLst>
+      <p:ext uri="{BB962C8B-B14F-4D97-AF65-F5344CB8AC3E}">
+        <p14:creationId xmlns:p14="http://schemas.microsoft.com/office/powerpoint/2010/main" val="800149837"/>
+      </p:ext>
+    </p:extLst>
+  </p:cSld>
+  <p:clrMapOvr>
+    <a:masterClrMapping/>
+  </p:clrMapOvr>
+  <p:transition spd="slow">
+    <p:cut/>
+  </p:transition>
+  <p:timing>
+    <p:tnLst>
+      <p:par>
+        <p:cTn id="1" dur="indefinite" restart="never" nodeType="tmRoot"/>
+      </p:par>
+    </p:tnLst>
+  </p:timing>
+</p:sld>
+</file>
+
+<file path=ppt/slides/slide46.xml><?xml version="1.0" encoding="utf-8"?>
+<p:sld xmlns:a="http://schemas.openxmlformats.org/drawingml/2006/main" xmlns:r="http://schemas.openxmlformats.org/officeDocument/2006/relationships" xmlns:p="http://schemas.openxmlformats.org/presentationml/2006/main">
+  <p:cSld>
+    <p:spTree>
+      <p:nvGrpSpPr>
+        <p:cNvPr id="1" name="Shape 299"/>
+        <p:cNvGrpSpPr/>
+        <p:nvPr/>
+      </p:nvGrpSpPr>
+      <p:grpSpPr>
+        <a:xfrm>
+          <a:off x="0" y="0"/>
+          <a:ext cx="0" cy="0"/>
+          <a:chOff x="0" y="0"/>
+          <a:chExt cx="0" cy="0"/>
+        </a:xfrm>
+      </p:grpSpPr>
+      <p:sp>
+        <p:nvSpPr>
+          <p:cNvPr id="73" name="Shape 300"/>
+          <p:cNvSpPr txBox="1"/>
+          <p:nvPr/>
+        </p:nvSpPr>
+        <p:spPr>
+          <a:xfrm>
+            <a:off x="2037038" y="242016"/>
+            <a:ext cx="5445104" cy="800351"/>
+          </a:xfrm>
+          <a:prstGeom prst="rect">
+            <a:avLst/>
+          </a:prstGeom>
+          <a:noFill/>
+          <a:ln>
+            <a:noFill/>
+          </a:ln>
+        </p:spPr>
+        <p:txBody>
+          <a:bodyPr lIns="68569" tIns="68569" rIns="68569" bIns="68569" anchor="ctr" anchorCtr="0">
+            <a:noAutofit/>
+          </a:bodyPr>
+          <a:lstStyle/>
+          <a:p>
+            <a:pPr algn="ctr">
+              <a:buClr>
+                <a:srgbClr val="000000"/>
+              </a:buClr>
+              <a:buSzPct val="25000"/>
+              <a:buFont typeface="Arial"/>
+              <a:buNone/>
+            </a:pPr>
+            <a:r>
+              <a:rPr lang="en-US" sz="3200" b="1" kern="0" dirty="0" smtClean="0">
+                <a:solidFill>
+                  <a:srgbClr val="00B050"/>
+                </a:solidFill>
+                <a:cs typeface="Arial"/>
+                <a:sym typeface="Arial"/>
+                <a:rtl val="0"/>
+              </a:rPr>
+              <a:t>Remind Patient</a:t>
+            </a:r>
+            <a:endParaRPr lang="en-US" sz="3200" b="1" kern="0" dirty="0">
+              <a:solidFill>
+                <a:srgbClr val="00B050"/>
+              </a:solidFill>
+              <a:cs typeface="Arial"/>
+              <a:sym typeface="Arial"/>
+              <a:rtl val="0"/>
+            </a:endParaRPr>
+          </a:p>
+        </p:txBody>
+      </p:sp>
+      <p:sp>
+        <p:nvSpPr>
+          <p:cNvPr id="5" name="Shape 300"/>
+          <p:cNvSpPr txBox="1"/>
+          <p:nvPr/>
+        </p:nvSpPr>
+        <p:spPr>
+          <a:xfrm>
+            <a:off x="702017" y="1484662"/>
+            <a:ext cx="8115146" cy="4998200"/>
+          </a:xfrm>
+          <a:prstGeom prst="rect">
+            <a:avLst/>
+          </a:prstGeom>
+          <a:noFill/>
+          <a:ln>
+            <a:noFill/>
+          </a:ln>
+        </p:spPr>
+        <p:txBody>
+          <a:bodyPr lIns="68569" tIns="68569" rIns="68569" bIns="68569" anchor="t" anchorCtr="0">
+            <a:noAutofit/>
+          </a:bodyPr>
+          <a:lstStyle/>
+          <a:p>
+            <a:pPr>
+              <a:buClr>
+                <a:srgbClr val="000000"/>
+              </a:buClr>
+              <a:buSzPct val="25000"/>
+              <a:buFont typeface="Arial"/>
+              <a:buNone/>
+            </a:pPr>
+            <a:r>
+              <a:rPr lang="en-US" sz="2400" kern="0" dirty="0" smtClean="0">
+                <a:cs typeface="Arial"/>
+                <a:sym typeface="Arial"/>
+                <a:rtl val="0"/>
+              </a:rPr>
+              <a:t>Demo : Set time of patient </a:t>
+            </a:r>
+            <a:r>
+              <a:rPr lang="en-US" sz="2400" kern="0" dirty="0" err="1" smtClean="0">
+                <a:cs typeface="Arial"/>
+                <a:sym typeface="Arial"/>
+                <a:rtl val="0"/>
+              </a:rPr>
+              <a:t>KhuongMH’s</a:t>
+            </a:r>
+            <a:r>
+              <a:rPr lang="en-US" sz="2400" kern="0" dirty="0" smtClean="0">
+                <a:cs typeface="Arial"/>
+                <a:sym typeface="Arial"/>
+                <a:rtl val="0"/>
+              </a:rPr>
+              <a:t> smartphone to 6h59m</a:t>
+            </a:r>
+            <a:endParaRPr lang="en-US" sz="2400" kern="0" dirty="0">
+              <a:cs typeface="Arial"/>
+              <a:sym typeface="Arial"/>
+              <a:rtl val="0"/>
+            </a:endParaRPr>
+          </a:p>
+        </p:txBody>
+      </p:sp>
+    </p:spTree>
+    <p:extLst>
+      <p:ext uri="{BB962C8B-B14F-4D97-AF65-F5344CB8AC3E}">
+        <p14:creationId xmlns:p14="http://schemas.microsoft.com/office/powerpoint/2010/main" val="2965149181"/>
+      </p:ext>
+    </p:extLst>
+  </p:cSld>
+  <p:clrMapOvr>
+    <a:masterClrMapping/>
+  </p:clrMapOvr>
+  <p:transition spd="slow">
+    <p:cut/>
+  </p:transition>
+  <p:timing>
+    <p:tnLst>
+      <p:par>
+        <p:cTn id="1" dur="indefinite" restart="never" nodeType="tmRoot"/>
+      </p:par>
+    </p:tnLst>
+  </p:timing>
+</p:sld>
+</file>
+
+<file path=ppt/slides/slide47.xml><?xml version="1.0" encoding="utf-8"?>
+<p:sld xmlns:a="http://schemas.openxmlformats.org/drawingml/2006/main" xmlns:r="http://schemas.openxmlformats.org/officeDocument/2006/relationships" xmlns:p="http://schemas.openxmlformats.org/presentationml/2006/main">
+  <p:cSld>
+    <p:spTree>
+      <p:nvGrpSpPr>
+        <p:cNvPr id="1" name="Shape 299"/>
+        <p:cNvGrpSpPr/>
+        <p:nvPr/>
+      </p:nvGrpSpPr>
+      <p:grpSpPr>
+        <a:xfrm>
+          <a:off x="0" y="0"/>
+          <a:ext cx="0" cy="0"/>
+          <a:chOff x="0" y="0"/>
+          <a:chExt cx="0" cy="0"/>
+        </a:xfrm>
+      </p:grpSpPr>
+      <p:sp>
+        <p:nvSpPr>
           <p:cNvPr id="300" name="Shape 300"/>
           <p:cNvSpPr txBox="1"/>
           <p:nvPr/>
@@ -28906,7 +30080,7 @@
             <a:fld id="{00000000-1234-1234-1234-123412341234}" type="slidenum">
               <a:rPr lang="en"/>
               <a:pPr/>
-              <a:t>43</a:t>
+              <a:t>47</a:t>
             </a:fld>
             <a:endParaRPr lang="en"/>
           </a:p>
